--- a/HEY_Provider.pptx
+++ b/HEY_Provider.pptx
@@ -20,12 +20,15 @@
     <p:sldId id="292" r:id="rId14"/>
     <p:sldId id="285" r:id="rId15"/>
     <p:sldId id="286" r:id="rId16"/>
-    <p:sldId id="287" r:id="rId17"/>
-    <p:sldId id="293" r:id="rId18"/>
-    <p:sldId id="273" r:id="rId19"/>
-    <p:sldId id="274" r:id="rId20"/>
-    <p:sldId id="275" r:id="rId21"/>
-    <p:sldId id="276" r:id="rId22"/>
+    <p:sldId id="296" r:id="rId17"/>
+    <p:sldId id="287" r:id="rId18"/>
+    <p:sldId id="298" r:id="rId19"/>
+    <p:sldId id="297" r:id="rId20"/>
+    <p:sldId id="293" r:id="rId21"/>
+    <p:sldId id="273" r:id="rId22"/>
+    <p:sldId id="274" r:id="rId23"/>
+    <p:sldId id="275" r:id="rId24"/>
+    <p:sldId id="276" r:id="rId25"/>
   </p:sldIdLst>
   <p:sldSz cx="12192000" cy="6858000"/>
   <p:notesSz cx="6858000" cy="9144000"/>
@@ -263,7 +266,7 @@
           <a:p>
             <a:fld id="{BB7DF868-1E46-418C-B8A2-3B018F0D7C40}" type="datetimeFigureOut">
               <a:rPr lang="en-IN" smtClean="0"/>
-              <a:t>16-09-2019</a:t>
+              <a:t>27-09-2019</a:t>
             </a:fld>
             <a:endParaRPr lang="en-IN"/>
           </a:p>
@@ -433,7 +436,7 @@
           <a:p>
             <a:fld id="{BB7DF868-1E46-418C-B8A2-3B018F0D7C40}" type="datetimeFigureOut">
               <a:rPr lang="en-IN" smtClean="0"/>
-              <a:t>16-09-2019</a:t>
+              <a:t>27-09-2019</a:t>
             </a:fld>
             <a:endParaRPr lang="en-IN"/>
           </a:p>
@@ -613,7 +616,7 @@
           <a:p>
             <a:fld id="{BB7DF868-1E46-418C-B8A2-3B018F0D7C40}" type="datetimeFigureOut">
               <a:rPr lang="en-IN" smtClean="0"/>
-              <a:t>16-09-2019</a:t>
+              <a:t>27-09-2019</a:t>
             </a:fld>
             <a:endParaRPr lang="en-IN"/>
           </a:p>
@@ -783,7 +786,7 @@
           <a:p>
             <a:fld id="{BB7DF868-1E46-418C-B8A2-3B018F0D7C40}" type="datetimeFigureOut">
               <a:rPr lang="en-IN" smtClean="0"/>
-              <a:t>16-09-2019</a:t>
+              <a:t>27-09-2019</a:t>
             </a:fld>
             <a:endParaRPr lang="en-IN"/>
           </a:p>
@@ -1029,7 +1032,7 @@
           <a:p>
             <a:fld id="{BB7DF868-1E46-418C-B8A2-3B018F0D7C40}" type="datetimeFigureOut">
               <a:rPr lang="en-IN" smtClean="0"/>
-              <a:t>16-09-2019</a:t>
+              <a:t>27-09-2019</a:t>
             </a:fld>
             <a:endParaRPr lang="en-IN"/>
           </a:p>
@@ -1261,7 +1264,7 @@
           <a:p>
             <a:fld id="{BB7DF868-1E46-418C-B8A2-3B018F0D7C40}" type="datetimeFigureOut">
               <a:rPr lang="en-IN" smtClean="0"/>
-              <a:t>16-09-2019</a:t>
+              <a:t>27-09-2019</a:t>
             </a:fld>
             <a:endParaRPr lang="en-IN"/>
           </a:p>
@@ -1628,7 +1631,7 @@
           <a:p>
             <a:fld id="{BB7DF868-1E46-418C-B8A2-3B018F0D7C40}" type="datetimeFigureOut">
               <a:rPr lang="en-IN" smtClean="0"/>
-              <a:t>16-09-2019</a:t>
+              <a:t>27-09-2019</a:t>
             </a:fld>
             <a:endParaRPr lang="en-IN"/>
           </a:p>
@@ -1746,7 +1749,7 @@
           <a:p>
             <a:fld id="{BB7DF868-1E46-418C-B8A2-3B018F0D7C40}" type="datetimeFigureOut">
               <a:rPr lang="en-IN" smtClean="0"/>
-              <a:t>16-09-2019</a:t>
+              <a:t>27-09-2019</a:t>
             </a:fld>
             <a:endParaRPr lang="en-IN"/>
           </a:p>
@@ -1841,7 +1844,7 @@
           <a:p>
             <a:fld id="{BB7DF868-1E46-418C-B8A2-3B018F0D7C40}" type="datetimeFigureOut">
               <a:rPr lang="en-IN" smtClean="0"/>
-              <a:t>16-09-2019</a:t>
+              <a:t>27-09-2019</a:t>
             </a:fld>
             <a:endParaRPr lang="en-IN"/>
           </a:p>
@@ -2118,7 +2121,7 @@
           <a:p>
             <a:fld id="{BB7DF868-1E46-418C-B8A2-3B018F0D7C40}" type="datetimeFigureOut">
               <a:rPr lang="en-IN" smtClean="0"/>
-              <a:t>16-09-2019</a:t>
+              <a:t>27-09-2019</a:t>
             </a:fld>
             <a:endParaRPr lang="en-IN"/>
           </a:p>
@@ -2371,7 +2374,7 @@
           <a:p>
             <a:fld id="{BB7DF868-1E46-418C-B8A2-3B018F0D7C40}" type="datetimeFigureOut">
               <a:rPr lang="en-IN" smtClean="0"/>
-              <a:t>16-09-2019</a:t>
+              <a:t>27-09-2019</a:t>
             </a:fld>
             <a:endParaRPr lang="en-IN"/>
           </a:p>
@@ -2584,7 +2587,7 @@
           <a:p>
             <a:fld id="{BB7DF868-1E46-418C-B8A2-3B018F0D7C40}" type="datetimeFigureOut">
               <a:rPr lang="en-IN" smtClean="0"/>
-              <a:t>16-09-2019</a:t>
+              <a:t>27-09-2019</a:t>
             </a:fld>
             <a:endParaRPr lang="en-IN"/>
           </a:p>
@@ -2994,7 +2997,7 @@
           <p:cNvPr id="2" name="Title 1">
             <a:extLst>
               <a:ext uri="{FF2B5EF4-FFF2-40B4-BE49-F238E27FC236}">
-                <a16:creationId xmlns:a16="http://schemas.microsoft.com/office/drawing/2014/main" xmlns="" id="{65719372-3A67-47A4-92CB-141CE703BD43}"/>
+                <a16:creationId xmlns="" xmlns:a16="http://schemas.microsoft.com/office/drawing/2014/main" id="{65719372-3A67-47A4-92CB-141CE703BD43}"/>
               </a:ext>
             </a:extLst>
           </p:cNvPr>
@@ -3036,7 +3039,7 @@
           <p:cNvPr id="5" name="Picture 4">
             <a:extLst>
               <a:ext uri="{FF2B5EF4-FFF2-40B4-BE49-F238E27FC236}">
-                <a16:creationId xmlns:a16="http://schemas.microsoft.com/office/drawing/2014/main" xmlns="" id="{AEF55681-F32A-4FB3-B8D4-7F34C626B1B2}"/>
+                <a16:creationId xmlns="" xmlns:a16="http://schemas.microsoft.com/office/drawing/2014/main" id="{AEF55681-F32A-4FB3-B8D4-7F34C626B1B2}"/>
               </a:ext>
             </a:extLst>
           </p:cNvPr>
@@ -3072,7 +3075,7 @@
           <p:cNvPr id="7" name="Picture 6">
             <a:extLst>
               <a:ext uri="{FF2B5EF4-FFF2-40B4-BE49-F238E27FC236}">
-                <a16:creationId xmlns:a16="http://schemas.microsoft.com/office/drawing/2014/main" xmlns="" id="{1460C80C-43CB-46A0-9C39-3590996B329F}"/>
+                <a16:creationId xmlns="" xmlns:a16="http://schemas.microsoft.com/office/drawing/2014/main" id="{1460C80C-43CB-46A0-9C39-3590996B329F}"/>
               </a:ext>
             </a:extLst>
           </p:cNvPr>
@@ -3458,7 +3461,7 @@
         </p:nvSpPr>
         <p:spPr>
           <a:xfrm>
-            <a:off x="2179320" y="0"/>
+            <a:off x="-808579" y="2756079"/>
             <a:ext cx="7498080" cy="1143000"/>
           </a:xfrm>
         </p:spPr>
@@ -3481,7 +3484,7 @@
       </p:sp>
       <p:pic>
         <p:nvPicPr>
-          <p:cNvPr id="4" name="Content Placeholder 3"/>
+          <p:cNvPr id="5" name="Content Placeholder 4"/>
           <p:cNvPicPr>
             <a:picLocks noGrp="1" noChangeAspect="1"/>
           </p:cNvPicPr>
@@ -3503,8 +3506,8 @@
         </p:blipFill>
         <p:spPr>
           <a:xfrm>
-            <a:off x="3007115" y="1143000"/>
-            <a:ext cx="5842490" cy="5486399"/>
+            <a:off x="5587499" y="0"/>
+            <a:ext cx="6050710" cy="6846589"/>
           </a:xfrm>
         </p:spPr>
       </p:pic>
@@ -3557,7 +3560,7 @@
         </p:nvSpPr>
         <p:spPr>
           <a:xfrm>
-            <a:off x="2179320" y="265090"/>
+            <a:off x="2192199" y="0"/>
             <a:ext cx="7498080" cy="1143000"/>
           </a:xfrm>
         </p:spPr>
@@ -3603,8 +3606,8 @@
         </p:blipFill>
         <p:spPr bwMode="auto">
           <a:xfrm>
-            <a:off x="2179320" y="1705983"/>
-            <a:ext cx="7849123" cy="4805911"/>
+            <a:off x="1883105" y="1002929"/>
+            <a:ext cx="9025300" cy="5855071"/>
           </a:xfrm>
           <a:prstGeom prst="rect">
             <a:avLst/>
@@ -3924,8 +3927,10 @@
       </p:sp>
       <p:pic>
         <p:nvPicPr>
-          <p:cNvPr id="4" name="Picture 3" descr="C:\Users\admin\Downloads\DFD0.jpg"/>
-          <p:cNvPicPr/>
+          <p:cNvPr id="3" name="Picture 2"/>
+          <p:cNvPicPr>
+            <a:picLocks noChangeAspect="1"/>
+          </p:cNvPicPr>
           <p:nvPr/>
         </p:nvPicPr>
         <p:blipFill>
@@ -3936,23 +3941,18 @@
               </a:ext>
             </a:extLst>
           </a:blip>
-          <a:srcRect/>
           <a:stretch>
             <a:fillRect/>
           </a:stretch>
         </p:blipFill>
-        <p:spPr bwMode="auto">
+        <p:spPr>
           <a:xfrm>
-            <a:off x="1698444" y="1785938"/>
-            <a:ext cx="8033112" cy="4256803"/>
+            <a:off x="1981200" y="1981200"/>
+            <a:ext cx="9900119" cy="4521200"/>
           </a:xfrm>
           <a:prstGeom prst="rect">
             <a:avLst/>
           </a:prstGeom>
-          <a:noFill/>
-          <a:ln>
-            <a:noFill/>
-          </a:ln>
         </p:spPr>
       </p:pic>
     </p:spTree>
@@ -4044,7 +4044,7 @@
         </p:blipFill>
         <p:spPr bwMode="auto">
           <a:xfrm>
-            <a:off x="1865678" y="94673"/>
+            <a:off x="2327958" y="94673"/>
             <a:ext cx="7927802" cy="6763327"/>
           </a:xfrm>
           <a:prstGeom prst="rect">
@@ -4095,1366 +4095,72 @@
       </p:grpSpPr>
       <p:sp>
         <p:nvSpPr>
-          <p:cNvPr id="2" name="Title 1"/>
+          <p:cNvPr id="22530" name="Content Placeholder 2"/>
           <p:cNvSpPr>
             <a:spLocks noGrp="1"/>
           </p:cNvSpPr>
           <p:nvPr>
-            <p:ph type="title"/>
+            <p:ph sz="quarter" idx="1"/>
           </p:nvPr>
         </p:nvSpPr>
         <p:spPr>
           <a:xfrm>
-            <a:off x="3562172" y="0"/>
-            <a:ext cx="7467600" cy="939800"/>
+            <a:off x="0" y="94673"/>
+            <a:ext cx="7467600" cy="687387"/>
           </a:xfrm>
         </p:spPr>
         <p:txBody>
-          <a:bodyPr>
-            <a:normAutofit/>
-          </a:bodyPr>
+          <a:bodyPr/>
           <a:lstStyle/>
           <a:p>
-            <a:pPr>
-              <a:defRPr/>
-            </a:pPr>
-            <a:r>
-              <a:rPr lang="en-US" sz="3200" b="1" dirty="0" smtClean="0">
+            <a:pPr eaLnBrk="1" hangingPunct="1"/>
+            <a:r>
+              <a:rPr lang="en-US" dirty="0" smtClean="0">
                 <a:latin typeface="Times New Roman" panose="02020603050405020304" pitchFamily="18" charset="0"/>
                 <a:cs typeface="Times New Roman" panose="02020603050405020304" pitchFamily="18" charset="0"/>
               </a:rPr>
-              <a:t>Data Dictionary</a:t>
-            </a:r>
-            <a:endParaRPr lang="en-US" sz="3200" b="1" dirty="0">
-              <a:latin typeface="Times New Roman" panose="02020603050405020304" pitchFamily="18" charset="0"/>
-              <a:cs typeface="Times New Roman" panose="02020603050405020304" pitchFamily="18" charset="0"/>
-            </a:endParaRPr>
+              <a:t>Level-1</a:t>
+            </a:r>
           </a:p>
         </p:txBody>
       </p:sp>
-      <p:graphicFrame>
-        <p:nvGraphicFramePr>
-          <p:cNvPr id="4" name="Table 3"/>
-          <p:cNvGraphicFramePr>
-            <a:graphicFrameLocks noGrp="1"/>
-          </p:cNvGraphicFramePr>
-          <p:nvPr>
-            <p:extLst>
-              <p:ext uri="{D42A27DB-BD31-4B8C-83A1-F6EECF244321}">
-                <p14:modId xmlns:p14="http://schemas.microsoft.com/office/powerpoint/2010/main" val="2225020237"/>
-              </p:ext>
-            </p:extLst>
-          </p:nvPr>
-        </p:nvGraphicFramePr>
-        <p:xfrm>
-          <a:off x="275757" y="2190207"/>
-          <a:ext cx="5868670" cy="3211162"/>
-        </p:xfrm>
-        <a:graphic>
-          <a:graphicData uri="http://schemas.openxmlformats.org/drawingml/2006/table">
-            <a:tbl>
-              <a:tblPr firstRow="1" firstCol="1" bandRow="1">
-                <a:tableStyleId>{5C22544A-7EE6-4342-B048-85BDC9FD1C3A}</a:tableStyleId>
-              </a:tblPr>
-              <a:tblGrid>
-                <a:gridCol w="1466850"/>
-                <a:gridCol w="1466850"/>
-                <a:gridCol w="1467485"/>
-                <a:gridCol w="1467485"/>
-              </a:tblGrid>
-              <a:tr h="407002">
-                <a:tc>
-                  <a:txBody>
-                    <a:bodyPr/>
-                    <a:lstStyle/>
-                    <a:p>
-                      <a:pPr algn="just">
-                        <a:lnSpc>
-                          <a:spcPct val="115000"/>
-                        </a:lnSpc>
-                        <a:spcAft>
-                          <a:spcPts val="0"/>
-                        </a:spcAft>
-                      </a:pPr>
-                      <a:r>
-                        <a:rPr lang="en-IN" sz="1600" dirty="0">
-                          <a:effectLst/>
-                        </a:rPr>
-                        <a:t>Attribute</a:t>
-                      </a:r>
-                      <a:endParaRPr lang="en-IN" sz="1100" dirty="0">
-                        <a:effectLst/>
-                        <a:latin typeface="Calibri" panose="020F0502020204030204" pitchFamily="34" charset="0"/>
-                        <a:ea typeface="Calibri" panose="020F0502020204030204" pitchFamily="34" charset="0"/>
-                        <a:cs typeface="Times New Roman" panose="02020603050405020304" pitchFamily="18" charset="0"/>
-                      </a:endParaRPr>
-                    </a:p>
-                  </a:txBody>
-                  <a:tcPr marL="68580" marR="68580" marT="0" marB="0"/>
-                </a:tc>
-                <a:tc>
-                  <a:txBody>
-                    <a:bodyPr/>
-                    <a:lstStyle/>
-                    <a:p>
-                      <a:pPr algn="just">
-                        <a:lnSpc>
-                          <a:spcPct val="115000"/>
-                        </a:lnSpc>
-                        <a:spcAft>
-                          <a:spcPts val="0"/>
-                        </a:spcAft>
-                      </a:pPr>
-                      <a:r>
-                        <a:rPr lang="en-IN" sz="1600" dirty="0">
-                          <a:effectLst/>
-                        </a:rPr>
-                        <a:t>Data Type</a:t>
-                      </a:r>
-                      <a:endParaRPr lang="en-IN" sz="1100" dirty="0">
-                        <a:effectLst/>
-                        <a:latin typeface="Calibri" panose="020F0502020204030204" pitchFamily="34" charset="0"/>
-                        <a:ea typeface="Calibri" panose="020F0502020204030204" pitchFamily="34" charset="0"/>
-                        <a:cs typeface="Times New Roman" panose="02020603050405020304" pitchFamily="18" charset="0"/>
-                      </a:endParaRPr>
-                    </a:p>
-                  </a:txBody>
-                  <a:tcPr marL="68580" marR="68580" marT="0" marB="0"/>
-                </a:tc>
-                <a:tc>
-                  <a:txBody>
-                    <a:bodyPr/>
-                    <a:lstStyle/>
-                    <a:p>
-                      <a:pPr algn="just">
-                        <a:lnSpc>
-                          <a:spcPct val="115000"/>
-                        </a:lnSpc>
-                        <a:spcAft>
-                          <a:spcPts val="0"/>
-                        </a:spcAft>
-                      </a:pPr>
-                      <a:r>
-                        <a:rPr lang="en-IN" sz="1600">
-                          <a:effectLst/>
-                        </a:rPr>
-                        <a:t>Description</a:t>
-                      </a:r>
-                      <a:endParaRPr lang="en-IN" sz="1100">
-                        <a:effectLst/>
-                        <a:latin typeface="Calibri" panose="020F0502020204030204" pitchFamily="34" charset="0"/>
-                        <a:ea typeface="Calibri" panose="020F0502020204030204" pitchFamily="34" charset="0"/>
-                        <a:cs typeface="Times New Roman" panose="02020603050405020304" pitchFamily="18" charset="0"/>
-                      </a:endParaRPr>
-                    </a:p>
-                  </a:txBody>
-                  <a:tcPr marL="68580" marR="68580" marT="0" marB="0"/>
-                </a:tc>
-                <a:tc>
-                  <a:txBody>
-                    <a:bodyPr/>
-                    <a:lstStyle/>
-                    <a:p>
-                      <a:pPr algn="just">
-                        <a:lnSpc>
-                          <a:spcPct val="115000"/>
-                        </a:lnSpc>
-                        <a:spcAft>
-                          <a:spcPts val="0"/>
-                        </a:spcAft>
-                      </a:pPr>
-                      <a:r>
-                        <a:rPr lang="en-IN" sz="1600">
-                          <a:effectLst/>
-                        </a:rPr>
-                        <a:t>Size</a:t>
-                      </a:r>
-                      <a:endParaRPr lang="en-IN" sz="1100">
-                        <a:effectLst/>
-                        <a:latin typeface="Calibri" panose="020F0502020204030204" pitchFamily="34" charset="0"/>
-                        <a:ea typeface="Calibri" panose="020F0502020204030204" pitchFamily="34" charset="0"/>
-                        <a:cs typeface="Times New Roman" panose="02020603050405020304" pitchFamily="18" charset="0"/>
-                      </a:endParaRPr>
-                    </a:p>
-                  </a:txBody>
-                  <a:tcPr marL="68580" marR="68580" marT="0" marB="0"/>
-                </a:tc>
-              </a:tr>
-              <a:tr h="0">
-                <a:tc>
-                  <a:txBody>
-                    <a:bodyPr/>
-                    <a:lstStyle/>
-                    <a:p>
-                      <a:pPr algn="just">
-                        <a:lnSpc>
-                          <a:spcPct val="115000"/>
-                        </a:lnSpc>
-                        <a:spcAft>
-                          <a:spcPts val="0"/>
-                        </a:spcAft>
-                      </a:pPr>
-                      <a:r>
-                        <a:rPr lang="en-IN" sz="1600">
-                          <a:effectLst/>
-                        </a:rPr>
-                        <a:t>First_Name</a:t>
-                      </a:r>
-                      <a:endParaRPr lang="en-IN" sz="1100">
-                        <a:effectLst/>
-                        <a:latin typeface="Calibri" panose="020F0502020204030204" pitchFamily="34" charset="0"/>
-                        <a:ea typeface="Calibri" panose="020F0502020204030204" pitchFamily="34" charset="0"/>
-                        <a:cs typeface="Times New Roman" panose="02020603050405020304" pitchFamily="18" charset="0"/>
-                      </a:endParaRPr>
-                    </a:p>
-                  </a:txBody>
-                  <a:tcPr marL="68580" marR="68580" marT="0" marB="0"/>
-                </a:tc>
-                <a:tc>
-                  <a:txBody>
-                    <a:bodyPr/>
-                    <a:lstStyle/>
-                    <a:p>
-                      <a:pPr algn="just">
-                        <a:lnSpc>
-                          <a:spcPct val="115000"/>
-                        </a:lnSpc>
-                        <a:spcAft>
-                          <a:spcPts val="0"/>
-                        </a:spcAft>
-                      </a:pPr>
-                      <a:r>
-                        <a:rPr lang="en-IN" sz="1600">
-                          <a:effectLst/>
-                        </a:rPr>
-                        <a:t>Varchar2</a:t>
-                      </a:r>
-                      <a:endParaRPr lang="en-IN" sz="1100">
-                        <a:effectLst/>
-                        <a:latin typeface="Calibri" panose="020F0502020204030204" pitchFamily="34" charset="0"/>
-                        <a:ea typeface="Calibri" panose="020F0502020204030204" pitchFamily="34" charset="0"/>
-                        <a:cs typeface="Times New Roman" panose="02020603050405020304" pitchFamily="18" charset="0"/>
-                      </a:endParaRPr>
-                    </a:p>
-                  </a:txBody>
-                  <a:tcPr marL="68580" marR="68580" marT="0" marB="0"/>
-                </a:tc>
-                <a:tc>
-                  <a:txBody>
-                    <a:bodyPr/>
-                    <a:lstStyle/>
-                    <a:p>
-                      <a:pPr algn="just">
-                        <a:lnSpc>
-                          <a:spcPct val="115000"/>
-                        </a:lnSpc>
-                        <a:spcAft>
-                          <a:spcPts val="0"/>
-                        </a:spcAft>
-                      </a:pPr>
-                      <a:r>
-                        <a:rPr lang="en-IN" sz="1600">
-                          <a:effectLst/>
-                        </a:rPr>
-                        <a:t>First name of customer</a:t>
-                      </a:r>
-                      <a:endParaRPr lang="en-IN" sz="1100">
-                        <a:effectLst/>
-                        <a:latin typeface="Calibri" panose="020F0502020204030204" pitchFamily="34" charset="0"/>
-                        <a:ea typeface="Calibri" panose="020F0502020204030204" pitchFamily="34" charset="0"/>
-                        <a:cs typeface="Times New Roman" panose="02020603050405020304" pitchFamily="18" charset="0"/>
-                      </a:endParaRPr>
-                    </a:p>
-                  </a:txBody>
-                  <a:tcPr marL="68580" marR="68580" marT="0" marB="0"/>
-                </a:tc>
-                <a:tc>
-                  <a:txBody>
-                    <a:bodyPr/>
-                    <a:lstStyle/>
-                    <a:p>
-                      <a:pPr algn="just">
-                        <a:lnSpc>
-                          <a:spcPct val="115000"/>
-                        </a:lnSpc>
-                        <a:spcAft>
-                          <a:spcPts val="0"/>
-                        </a:spcAft>
-                      </a:pPr>
-                      <a:r>
-                        <a:rPr lang="en-IN" sz="1600">
-                          <a:effectLst/>
-                        </a:rPr>
-                        <a:t>50</a:t>
-                      </a:r>
-                      <a:endParaRPr lang="en-IN" sz="1100">
-                        <a:effectLst/>
-                        <a:latin typeface="Calibri" panose="020F0502020204030204" pitchFamily="34" charset="0"/>
-                        <a:ea typeface="Calibri" panose="020F0502020204030204" pitchFamily="34" charset="0"/>
-                        <a:cs typeface="Times New Roman" panose="02020603050405020304" pitchFamily="18" charset="0"/>
-                      </a:endParaRPr>
-                    </a:p>
-                  </a:txBody>
-                  <a:tcPr marL="68580" marR="68580" marT="0" marB="0"/>
-                </a:tc>
-              </a:tr>
-              <a:tr h="0">
-                <a:tc>
-                  <a:txBody>
-                    <a:bodyPr/>
-                    <a:lstStyle/>
-                    <a:p>
-                      <a:pPr algn="just">
-                        <a:lnSpc>
-                          <a:spcPct val="115000"/>
-                        </a:lnSpc>
-                        <a:spcAft>
-                          <a:spcPts val="0"/>
-                        </a:spcAft>
-                      </a:pPr>
-                      <a:r>
-                        <a:rPr lang="en-IN" sz="1600">
-                          <a:effectLst/>
-                        </a:rPr>
-                        <a:t>Last_Name</a:t>
-                      </a:r>
-                      <a:endParaRPr lang="en-IN" sz="1100">
-                        <a:effectLst/>
-                        <a:latin typeface="Calibri" panose="020F0502020204030204" pitchFamily="34" charset="0"/>
-                        <a:ea typeface="Calibri" panose="020F0502020204030204" pitchFamily="34" charset="0"/>
-                        <a:cs typeface="Times New Roman" panose="02020603050405020304" pitchFamily="18" charset="0"/>
-                      </a:endParaRPr>
-                    </a:p>
-                  </a:txBody>
-                  <a:tcPr marL="68580" marR="68580" marT="0" marB="0"/>
-                </a:tc>
-                <a:tc>
-                  <a:txBody>
-                    <a:bodyPr/>
-                    <a:lstStyle/>
-                    <a:p>
-                      <a:pPr algn="just">
-                        <a:lnSpc>
-                          <a:spcPct val="115000"/>
-                        </a:lnSpc>
-                        <a:spcAft>
-                          <a:spcPts val="0"/>
-                        </a:spcAft>
-                      </a:pPr>
-                      <a:r>
-                        <a:rPr lang="en-IN" sz="1600">
-                          <a:effectLst/>
-                        </a:rPr>
-                        <a:t>Varchar2</a:t>
-                      </a:r>
-                      <a:endParaRPr lang="en-IN" sz="1100">
-                        <a:effectLst/>
-                        <a:latin typeface="Calibri" panose="020F0502020204030204" pitchFamily="34" charset="0"/>
-                        <a:ea typeface="Calibri" panose="020F0502020204030204" pitchFamily="34" charset="0"/>
-                        <a:cs typeface="Times New Roman" panose="02020603050405020304" pitchFamily="18" charset="0"/>
-                      </a:endParaRPr>
-                    </a:p>
-                  </a:txBody>
-                  <a:tcPr marL="68580" marR="68580" marT="0" marB="0"/>
-                </a:tc>
-                <a:tc>
-                  <a:txBody>
-                    <a:bodyPr/>
-                    <a:lstStyle/>
-                    <a:p>
-                      <a:pPr algn="just">
-                        <a:lnSpc>
-                          <a:spcPct val="115000"/>
-                        </a:lnSpc>
-                        <a:spcAft>
-                          <a:spcPts val="0"/>
-                        </a:spcAft>
-                      </a:pPr>
-                      <a:r>
-                        <a:rPr lang="en-IN" sz="1600">
-                          <a:effectLst/>
-                        </a:rPr>
-                        <a:t>Last name of customer</a:t>
-                      </a:r>
-                      <a:endParaRPr lang="en-IN" sz="1100">
-                        <a:effectLst/>
-                        <a:latin typeface="Calibri" panose="020F0502020204030204" pitchFamily="34" charset="0"/>
-                        <a:ea typeface="Calibri" panose="020F0502020204030204" pitchFamily="34" charset="0"/>
-                        <a:cs typeface="Times New Roman" panose="02020603050405020304" pitchFamily="18" charset="0"/>
-                      </a:endParaRPr>
-                    </a:p>
-                  </a:txBody>
-                  <a:tcPr marL="68580" marR="68580" marT="0" marB="0"/>
-                </a:tc>
-                <a:tc>
-                  <a:txBody>
-                    <a:bodyPr/>
-                    <a:lstStyle/>
-                    <a:p>
-                      <a:pPr algn="just">
-                        <a:lnSpc>
-                          <a:spcPct val="115000"/>
-                        </a:lnSpc>
-                        <a:spcAft>
-                          <a:spcPts val="0"/>
-                        </a:spcAft>
-                      </a:pPr>
-                      <a:r>
-                        <a:rPr lang="en-IN" sz="1600">
-                          <a:effectLst/>
-                        </a:rPr>
-                        <a:t>50</a:t>
-                      </a:r>
-                      <a:endParaRPr lang="en-IN" sz="1100">
-                        <a:effectLst/>
-                        <a:latin typeface="Calibri" panose="020F0502020204030204" pitchFamily="34" charset="0"/>
-                        <a:ea typeface="Calibri" panose="020F0502020204030204" pitchFamily="34" charset="0"/>
-                        <a:cs typeface="Times New Roman" panose="02020603050405020304" pitchFamily="18" charset="0"/>
-                      </a:endParaRPr>
-                    </a:p>
-                  </a:txBody>
-                  <a:tcPr marL="68580" marR="68580" marT="0" marB="0"/>
-                </a:tc>
-              </a:tr>
-              <a:tr h="0">
-                <a:tc>
-                  <a:txBody>
-                    <a:bodyPr/>
-                    <a:lstStyle/>
-                    <a:p>
-                      <a:pPr algn="just">
-                        <a:lnSpc>
-                          <a:spcPct val="115000"/>
-                        </a:lnSpc>
-                        <a:spcAft>
-                          <a:spcPts val="0"/>
-                        </a:spcAft>
-                      </a:pPr>
-                      <a:r>
-                        <a:rPr lang="en-IN" sz="1600">
-                          <a:effectLst/>
-                        </a:rPr>
-                        <a:t>Email</a:t>
-                      </a:r>
-                      <a:endParaRPr lang="en-IN" sz="1100">
-                        <a:effectLst/>
-                        <a:latin typeface="Calibri" panose="020F0502020204030204" pitchFamily="34" charset="0"/>
-                        <a:ea typeface="Calibri" panose="020F0502020204030204" pitchFamily="34" charset="0"/>
-                        <a:cs typeface="Times New Roman" panose="02020603050405020304" pitchFamily="18" charset="0"/>
-                      </a:endParaRPr>
-                    </a:p>
-                  </a:txBody>
-                  <a:tcPr marL="68580" marR="68580" marT="0" marB="0"/>
-                </a:tc>
-                <a:tc>
-                  <a:txBody>
-                    <a:bodyPr/>
-                    <a:lstStyle/>
-                    <a:p>
-                      <a:pPr algn="just">
-                        <a:lnSpc>
-                          <a:spcPct val="115000"/>
-                        </a:lnSpc>
-                        <a:spcAft>
-                          <a:spcPts val="0"/>
-                        </a:spcAft>
-                      </a:pPr>
-                      <a:r>
-                        <a:rPr lang="en-IN" sz="1600">
-                          <a:effectLst/>
-                        </a:rPr>
-                        <a:t>Varchar2</a:t>
-                      </a:r>
-                      <a:endParaRPr lang="en-IN" sz="1100">
-                        <a:effectLst/>
-                        <a:latin typeface="Calibri" panose="020F0502020204030204" pitchFamily="34" charset="0"/>
-                        <a:ea typeface="Calibri" panose="020F0502020204030204" pitchFamily="34" charset="0"/>
-                        <a:cs typeface="Times New Roman" panose="02020603050405020304" pitchFamily="18" charset="0"/>
-                      </a:endParaRPr>
-                    </a:p>
-                  </a:txBody>
-                  <a:tcPr marL="68580" marR="68580" marT="0" marB="0"/>
-                </a:tc>
-                <a:tc>
-                  <a:txBody>
-                    <a:bodyPr/>
-                    <a:lstStyle/>
-                    <a:p>
-                      <a:pPr algn="just">
-                        <a:lnSpc>
-                          <a:spcPct val="115000"/>
-                        </a:lnSpc>
-                        <a:spcAft>
-                          <a:spcPts val="0"/>
-                        </a:spcAft>
-                      </a:pPr>
-                      <a:r>
-                        <a:rPr lang="en-IN" sz="1600">
-                          <a:effectLst/>
-                        </a:rPr>
-                        <a:t>Email of customer</a:t>
-                      </a:r>
-                      <a:endParaRPr lang="en-IN" sz="1100">
-                        <a:effectLst/>
-                        <a:latin typeface="Calibri" panose="020F0502020204030204" pitchFamily="34" charset="0"/>
-                        <a:ea typeface="Calibri" panose="020F0502020204030204" pitchFamily="34" charset="0"/>
-                        <a:cs typeface="Times New Roman" panose="02020603050405020304" pitchFamily="18" charset="0"/>
-                      </a:endParaRPr>
-                    </a:p>
-                  </a:txBody>
-                  <a:tcPr marL="68580" marR="68580" marT="0" marB="0"/>
-                </a:tc>
-                <a:tc>
-                  <a:txBody>
-                    <a:bodyPr/>
-                    <a:lstStyle/>
-                    <a:p>
-                      <a:pPr algn="just">
-                        <a:lnSpc>
-                          <a:spcPct val="115000"/>
-                        </a:lnSpc>
-                        <a:spcAft>
-                          <a:spcPts val="0"/>
-                        </a:spcAft>
-                      </a:pPr>
-                      <a:r>
-                        <a:rPr lang="en-IN" sz="1600">
-                          <a:effectLst/>
-                        </a:rPr>
-                        <a:t>30</a:t>
-                      </a:r>
-                      <a:endParaRPr lang="en-IN" sz="1100">
-                        <a:effectLst/>
-                        <a:latin typeface="Calibri" panose="020F0502020204030204" pitchFamily="34" charset="0"/>
-                        <a:ea typeface="Calibri" panose="020F0502020204030204" pitchFamily="34" charset="0"/>
-                        <a:cs typeface="Times New Roman" panose="02020603050405020304" pitchFamily="18" charset="0"/>
-                      </a:endParaRPr>
-                    </a:p>
-                  </a:txBody>
-                  <a:tcPr marL="68580" marR="68580" marT="0" marB="0"/>
-                </a:tc>
-              </a:tr>
-              <a:tr h="0">
-                <a:tc>
-                  <a:txBody>
-                    <a:bodyPr/>
-                    <a:lstStyle/>
-                    <a:p>
-                      <a:pPr algn="just">
-                        <a:lnSpc>
-                          <a:spcPct val="115000"/>
-                        </a:lnSpc>
-                        <a:spcAft>
-                          <a:spcPts val="0"/>
-                        </a:spcAft>
-                      </a:pPr>
-                      <a:r>
-                        <a:rPr lang="en-IN" sz="1600">
-                          <a:effectLst/>
-                        </a:rPr>
-                        <a:t>Password</a:t>
-                      </a:r>
-                      <a:endParaRPr lang="en-IN" sz="1100">
-                        <a:effectLst/>
-                        <a:latin typeface="Calibri" panose="020F0502020204030204" pitchFamily="34" charset="0"/>
-                        <a:ea typeface="Calibri" panose="020F0502020204030204" pitchFamily="34" charset="0"/>
-                        <a:cs typeface="Times New Roman" panose="02020603050405020304" pitchFamily="18" charset="0"/>
-                      </a:endParaRPr>
-                    </a:p>
-                  </a:txBody>
-                  <a:tcPr marL="68580" marR="68580" marT="0" marB="0"/>
-                </a:tc>
-                <a:tc>
-                  <a:txBody>
-                    <a:bodyPr/>
-                    <a:lstStyle/>
-                    <a:p>
-                      <a:pPr algn="just">
-                        <a:lnSpc>
-                          <a:spcPct val="115000"/>
-                        </a:lnSpc>
-                        <a:spcAft>
-                          <a:spcPts val="0"/>
-                        </a:spcAft>
-                      </a:pPr>
-                      <a:r>
-                        <a:rPr lang="en-IN" sz="1600">
-                          <a:effectLst/>
-                        </a:rPr>
-                        <a:t>Varchar2</a:t>
-                      </a:r>
-                      <a:endParaRPr lang="en-IN" sz="1100">
-                        <a:effectLst/>
-                        <a:latin typeface="Calibri" panose="020F0502020204030204" pitchFamily="34" charset="0"/>
-                        <a:ea typeface="Calibri" panose="020F0502020204030204" pitchFamily="34" charset="0"/>
-                        <a:cs typeface="Times New Roman" panose="02020603050405020304" pitchFamily="18" charset="0"/>
-                      </a:endParaRPr>
-                    </a:p>
-                  </a:txBody>
-                  <a:tcPr marL="68580" marR="68580" marT="0" marB="0"/>
-                </a:tc>
-                <a:tc>
-                  <a:txBody>
-                    <a:bodyPr/>
-                    <a:lstStyle/>
-                    <a:p>
-                      <a:pPr algn="just">
-                        <a:lnSpc>
-                          <a:spcPct val="115000"/>
-                        </a:lnSpc>
-                        <a:spcAft>
-                          <a:spcPts val="0"/>
-                        </a:spcAft>
-                      </a:pPr>
-                      <a:r>
-                        <a:rPr lang="en-IN" sz="1600">
-                          <a:effectLst/>
-                        </a:rPr>
-                        <a:t>Create password</a:t>
-                      </a:r>
-                      <a:endParaRPr lang="en-IN" sz="1100">
-                        <a:effectLst/>
-                        <a:latin typeface="Calibri" panose="020F0502020204030204" pitchFamily="34" charset="0"/>
-                        <a:ea typeface="Calibri" panose="020F0502020204030204" pitchFamily="34" charset="0"/>
-                        <a:cs typeface="Times New Roman" panose="02020603050405020304" pitchFamily="18" charset="0"/>
-                      </a:endParaRPr>
-                    </a:p>
-                  </a:txBody>
-                  <a:tcPr marL="68580" marR="68580" marT="0" marB="0"/>
-                </a:tc>
-                <a:tc>
-                  <a:txBody>
-                    <a:bodyPr/>
-                    <a:lstStyle/>
-                    <a:p>
-                      <a:pPr algn="just">
-                        <a:lnSpc>
-                          <a:spcPct val="115000"/>
-                        </a:lnSpc>
-                        <a:spcAft>
-                          <a:spcPts val="0"/>
-                        </a:spcAft>
-                      </a:pPr>
-                      <a:r>
-                        <a:rPr lang="en-IN" sz="1600">
-                          <a:effectLst/>
-                        </a:rPr>
-                        <a:t>10</a:t>
-                      </a:r>
-                      <a:endParaRPr lang="en-IN" sz="1100">
-                        <a:effectLst/>
-                        <a:latin typeface="Calibri" panose="020F0502020204030204" pitchFamily="34" charset="0"/>
-                        <a:ea typeface="Calibri" panose="020F0502020204030204" pitchFamily="34" charset="0"/>
-                        <a:cs typeface="Times New Roman" panose="02020603050405020304" pitchFamily="18" charset="0"/>
-                      </a:endParaRPr>
-                    </a:p>
-                  </a:txBody>
-                  <a:tcPr marL="68580" marR="68580" marT="0" marB="0"/>
-                </a:tc>
-              </a:tr>
-              <a:tr h="0">
-                <a:tc>
-                  <a:txBody>
-                    <a:bodyPr/>
-                    <a:lstStyle/>
-                    <a:p>
-                      <a:pPr algn="just">
-                        <a:lnSpc>
-                          <a:spcPct val="115000"/>
-                        </a:lnSpc>
-                        <a:spcAft>
-                          <a:spcPts val="0"/>
-                        </a:spcAft>
-                      </a:pPr>
-                      <a:r>
-                        <a:rPr lang="en-IN" sz="1600">
-                          <a:effectLst/>
-                        </a:rPr>
-                        <a:t>location</a:t>
-                      </a:r>
-                      <a:endParaRPr lang="en-IN" sz="1100">
-                        <a:effectLst/>
-                        <a:latin typeface="Calibri" panose="020F0502020204030204" pitchFamily="34" charset="0"/>
-                        <a:ea typeface="Calibri" panose="020F0502020204030204" pitchFamily="34" charset="0"/>
-                        <a:cs typeface="Times New Roman" panose="02020603050405020304" pitchFamily="18" charset="0"/>
-                      </a:endParaRPr>
-                    </a:p>
-                  </a:txBody>
-                  <a:tcPr marL="68580" marR="68580" marT="0" marB="0"/>
-                </a:tc>
-                <a:tc>
-                  <a:txBody>
-                    <a:bodyPr/>
-                    <a:lstStyle/>
-                    <a:p>
-                      <a:pPr algn="just">
-                        <a:lnSpc>
-                          <a:spcPct val="115000"/>
-                        </a:lnSpc>
-                        <a:spcAft>
-                          <a:spcPts val="0"/>
-                        </a:spcAft>
-                      </a:pPr>
-                      <a:r>
-                        <a:rPr lang="en-IN" sz="1600">
-                          <a:effectLst/>
-                        </a:rPr>
-                        <a:t>Varchar2</a:t>
-                      </a:r>
-                      <a:endParaRPr lang="en-IN" sz="1100">
-                        <a:effectLst/>
-                        <a:latin typeface="Calibri" panose="020F0502020204030204" pitchFamily="34" charset="0"/>
-                        <a:ea typeface="Calibri" panose="020F0502020204030204" pitchFamily="34" charset="0"/>
-                        <a:cs typeface="Times New Roman" panose="02020603050405020304" pitchFamily="18" charset="0"/>
-                      </a:endParaRPr>
-                    </a:p>
-                  </a:txBody>
-                  <a:tcPr marL="68580" marR="68580" marT="0" marB="0"/>
-                </a:tc>
-                <a:tc>
-                  <a:txBody>
-                    <a:bodyPr/>
-                    <a:lstStyle/>
-                    <a:p>
-                      <a:pPr algn="just">
-                        <a:lnSpc>
-                          <a:spcPct val="115000"/>
-                        </a:lnSpc>
-                        <a:spcAft>
-                          <a:spcPts val="0"/>
-                        </a:spcAft>
-                      </a:pPr>
-                      <a:r>
-                        <a:rPr lang="en-IN" sz="1600">
-                          <a:effectLst/>
-                        </a:rPr>
-                        <a:t>Customer’s location</a:t>
-                      </a:r>
-                      <a:endParaRPr lang="en-IN" sz="1100">
-                        <a:effectLst/>
-                        <a:latin typeface="Calibri" panose="020F0502020204030204" pitchFamily="34" charset="0"/>
-                        <a:ea typeface="Calibri" panose="020F0502020204030204" pitchFamily="34" charset="0"/>
-                        <a:cs typeface="Times New Roman" panose="02020603050405020304" pitchFamily="18" charset="0"/>
-                      </a:endParaRPr>
-                    </a:p>
-                  </a:txBody>
-                  <a:tcPr marL="68580" marR="68580" marT="0" marB="0"/>
-                </a:tc>
-                <a:tc>
-                  <a:txBody>
-                    <a:bodyPr/>
-                    <a:lstStyle/>
-                    <a:p>
-                      <a:pPr algn="just">
-                        <a:lnSpc>
-                          <a:spcPct val="115000"/>
-                        </a:lnSpc>
-                        <a:spcAft>
-                          <a:spcPts val="0"/>
-                        </a:spcAft>
-                      </a:pPr>
-                      <a:r>
-                        <a:rPr lang="en-IN" sz="1600" dirty="0">
-                          <a:effectLst/>
-                        </a:rPr>
-                        <a:t>20</a:t>
-                      </a:r>
-                      <a:endParaRPr lang="en-IN" sz="1100" dirty="0">
-                        <a:effectLst/>
-                        <a:latin typeface="Calibri" panose="020F0502020204030204" pitchFamily="34" charset="0"/>
-                        <a:ea typeface="Calibri" panose="020F0502020204030204" pitchFamily="34" charset="0"/>
-                        <a:cs typeface="Times New Roman" panose="02020603050405020304" pitchFamily="18" charset="0"/>
-                      </a:endParaRPr>
-                    </a:p>
-                  </a:txBody>
-                  <a:tcPr marL="68580" marR="68580" marT="0" marB="0"/>
-                </a:tc>
-              </a:tr>
-            </a:tbl>
-          </a:graphicData>
-        </a:graphic>
-      </p:graphicFrame>
-      <p:graphicFrame>
-        <p:nvGraphicFramePr>
-          <p:cNvPr id="5" name="Table 4"/>
-          <p:cNvGraphicFramePr>
-            <a:graphicFrameLocks noGrp="1"/>
-          </p:cNvGraphicFramePr>
-          <p:nvPr>
-            <p:extLst>
-              <p:ext uri="{D42A27DB-BD31-4B8C-83A1-F6EECF244321}">
-                <p14:modId xmlns:p14="http://schemas.microsoft.com/office/powerpoint/2010/main" val="448670641"/>
-              </p:ext>
-            </p:extLst>
-          </p:nvPr>
-        </p:nvGraphicFramePr>
-        <p:xfrm>
-          <a:off x="6880651" y="2213361"/>
-          <a:ext cx="4828652" cy="2064564"/>
-        </p:xfrm>
-        <a:graphic>
-          <a:graphicData uri="http://schemas.openxmlformats.org/drawingml/2006/table">
-            <a:tbl>
-              <a:tblPr firstRow="1" firstCol="1" bandRow="1">
-                <a:tableStyleId>{5C22544A-7EE6-4342-B048-85BDC9FD1C3A}</a:tableStyleId>
-              </a:tblPr>
-              <a:tblGrid>
-                <a:gridCol w="1206902"/>
-                <a:gridCol w="1206902"/>
-                <a:gridCol w="1207424"/>
-                <a:gridCol w="1207424"/>
-              </a:tblGrid>
-              <a:tr h="382068">
-                <a:tc>
-                  <a:txBody>
-                    <a:bodyPr/>
-                    <a:lstStyle/>
-                    <a:p>
-                      <a:pPr algn="just">
-                        <a:lnSpc>
-                          <a:spcPct val="115000"/>
-                        </a:lnSpc>
-                        <a:spcAft>
-                          <a:spcPts val="0"/>
-                        </a:spcAft>
-                      </a:pPr>
-                      <a:r>
-                        <a:rPr lang="en-IN" sz="1600" dirty="0">
-                          <a:effectLst/>
-                        </a:rPr>
-                        <a:t>Attribute</a:t>
-                      </a:r>
-                      <a:endParaRPr lang="en-IN" sz="1100" dirty="0">
-                        <a:effectLst/>
-                        <a:latin typeface="Calibri" panose="020F0502020204030204" pitchFamily="34" charset="0"/>
-                        <a:ea typeface="Calibri" panose="020F0502020204030204" pitchFamily="34" charset="0"/>
-                        <a:cs typeface="Times New Roman" panose="02020603050405020304" pitchFamily="18" charset="0"/>
-                      </a:endParaRPr>
-                    </a:p>
-                  </a:txBody>
-                  <a:tcPr marL="68580" marR="68580" marT="0" marB="0"/>
-                </a:tc>
-                <a:tc>
-                  <a:txBody>
-                    <a:bodyPr/>
-                    <a:lstStyle/>
-                    <a:p>
-                      <a:pPr algn="just">
-                        <a:lnSpc>
-                          <a:spcPct val="115000"/>
-                        </a:lnSpc>
-                        <a:spcAft>
-                          <a:spcPts val="0"/>
-                        </a:spcAft>
-                      </a:pPr>
-                      <a:r>
-                        <a:rPr lang="en-IN" sz="1600">
-                          <a:effectLst/>
-                        </a:rPr>
-                        <a:t>Data Type</a:t>
-                      </a:r>
-                      <a:endParaRPr lang="en-IN" sz="1100">
-                        <a:effectLst/>
-                        <a:latin typeface="Calibri" panose="020F0502020204030204" pitchFamily="34" charset="0"/>
-                        <a:ea typeface="Calibri" panose="020F0502020204030204" pitchFamily="34" charset="0"/>
-                        <a:cs typeface="Times New Roman" panose="02020603050405020304" pitchFamily="18" charset="0"/>
-                      </a:endParaRPr>
-                    </a:p>
-                  </a:txBody>
-                  <a:tcPr marL="68580" marR="68580" marT="0" marB="0"/>
-                </a:tc>
-                <a:tc>
-                  <a:txBody>
-                    <a:bodyPr/>
-                    <a:lstStyle/>
-                    <a:p>
-                      <a:pPr algn="just">
-                        <a:lnSpc>
-                          <a:spcPct val="115000"/>
-                        </a:lnSpc>
-                        <a:spcAft>
-                          <a:spcPts val="0"/>
-                        </a:spcAft>
-                      </a:pPr>
-                      <a:r>
-                        <a:rPr lang="en-IN" sz="1600" dirty="0">
-                          <a:effectLst/>
-                        </a:rPr>
-                        <a:t>Description </a:t>
-                      </a:r>
-                      <a:endParaRPr lang="en-IN" sz="1100" dirty="0">
-                        <a:effectLst/>
-                        <a:latin typeface="Calibri" panose="020F0502020204030204" pitchFamily="34" charset="0"/>
-                        <a:ea typeface="Calibri" panose="020F0502020204030204" pitchFamily="34" charset="0"/>
-                        <a:cs typeface="Times New Roman" panose="02020603050405020304" pitchFamily="18" charset="0"/>
-                      </a:endParaRPr>
-                    </a:p>
-                  </a:txBody>
-                  <a:tcPr marL="68580" marR="68580" marT="0" marB="0"/>
-                </a:tc>
-                <a:tc>
-                  <a:txBody>
-                    <a:bodyPr/>
-                    <a:lstStyle/>
-                    <a:p>
-                      <a:pPr algn="just">
-                        <a:lnSpc>
-                          <a:spcPct val="115000"/>
-                        </a:lnSpc>
-                        <a:spcAft>
-                          <a:spcPts val="0"/>
-                        </a:spcAft>
-                      </a:pPr>
-                      <a:r>
-                        <a:rPr lang="en-IN" sz="1600">
-                          <a:effectLst/>
-                        </a:rPr>
-                        <a:t>Size</a:t>
-                      </a:r>
-                      <a:endParaRPr lang="en-IN" sz="1100">
-                        <a:effectLst/>
-                        <a:latin typeface="Calibri" panose="020F0502020204030204" pitchFamily="34" charset="0"/>
-                        <a:ea typeface="Calibri" panose="020F0502020204030204" pitchFamily="34" charset="0"/>
-                        <a:cs typeface="Times New Roman" panose="02020603050405020304" pitchFamily="18" charset="0"/>
-                      </a:endParaRPr>
-                    </a:p>
-                  </a:txBody>
-                  <a:tcPr marL="68580" marR="68580" marT="0" marB="0"/>
-                </a:tc>
-              </a:tr>
-              <a:tr h="498480">
-                <a:tc>
-                  <a:txBody>
-                    <a:bodyPr/>
-                    <a:lstStyle/>
-                    <a:p>
-                      <a:pPr algn="just">
-                        <a:lnSpc>
-                          <a:spcPct val="115000"/>
-                        </a:lnSpc>
-                        <a:spcAft>
-                          <a:spcPts val="0"/>
-                        </a:spcAft>
-                      </a:pPr>
-                      <a:r>
-                        <a:rPr lang="en-IN" sz="1600">
-                          <a:effectLst/>
-                        </a:rPr>
-                        <a:t>Name of services</a:t>
-                      </a:r>
-                      <a:endParaRPr lang="en-IN" sz="1100">
-                        <a:effectLst/>
-                        <a:latin typeface="Calibri" panose="020F0502020204030204" pitchFamily="34" charset="0"/>
-                        <a:ea typeface="Calibri" panose="020F0502020204030204" pitchFamily="34" charset="0"/>
-                        <a:cs typeface="Times New Roman" panose="02020603050405020304" pitchFamily="18" charset="0"/>
-                      </a:endParaRPr>
-                    </a:p>
-                  </a:txBody>
-                  <a:tcPr marL="68580" marR="68580" marT="0" marB="0"/>
-                </a:tc>
-                <a:tc>
-                  <a:txBody>
-                    <a:bodyPr/>
-                    <a:lstStyle/>
-                    <a:p>
-                      <a:pPr algn="just">
-                        <a:lnSpc>
-                          <a:spcPct val="115000"/>
-                        </a:lnSpc>
-                        <a:spcAft>
-                          <a:spcPts val="0"/>
-                        </a:spcAft>
-                      </a:pPr>
-                      <a:r>
-                        <a:rPr lang="en-IN" sz="1600">
-                          <a:effectLst/>
-                        </a:rPr>
-                        <a:t>Varchar2</a:t>
-                      </a:r>
-                      <a:endParaRPr lang="en-IN" sz="1100">
-                        <a:effectLst/>
-                        <a:latin typeface="Calibri" panose="020F0502020204030204" pitchFamily="34" charset="0"/>
-                        <a:ea typeface="Calibri" panose="020F0502020204030204" pitchFamily="34" charset="0"/>
-                        <a:cs typeface="Times New Roman" panose="02020603050405020304" pitchFamily="18" charset="0"/>
-                      </a:endParaRPr>
-                    </a:p>
-                  </a:txBody>
-                  <a:tcPr marL="68580" marR="68580" marT="0" marB="0"/>
-                </a:tc>
-                <a:tc>
-                  <a:txBody>
-                    <a:bodyPr/>
-                    <a:lstStyle/>
-                    <a:p>
-                      <a:pPr algn="just">
-                        <a:lnSpc>
-                          <a:spcPct val="115000"/>
-                        </a:lnSpc>
-                        <a:spcAft>
-                          <a:spcPts val="0"/>
-                        </a:spcAft>
-                      </a:pPr>
-                      <a:r>
-                        <a:rPr lang="en-IN" sz="1600">
-                          <a:effectLst/>
-                        </a:rPr>
-                        <a:t>Services name</a:t>
-                      </a:r>
-                      <a:endParaRPr lang="en-IN" sz="1100">
-                        <a:effectLst/>
-                        <a:latin typeface="Calibri" panose="020F0502020204030204" pitchFamily="34" charset="0"/>
-                        <a:ea typeface="Calibri" panose="020F0502020204030204" pitchFamily="34" charset="0"/>
-                        <a:cs typeface="Times New Roman" panose="02020603050405020304" pitchFamily="18" charset="0"/>
-                      </a:endParaRPr>
-                    </a:p>
-                  </a:txBody>
-                  <a:tcPr marL="68580" marR="68580" marT="0" marB="0"/>
-                </a:tc>
-                <a:tc>
-                  <a:txBody>
-                    <a:bodyPr/>
-                    <a:lstStyle/>
-                    <a:p>
-                      <a:pPr algn="just">
-                        <a:lnSpc>
-                          <a:spcPct val="115000"/>
-                        </a:lnSpc>
-                        <a:spcAft>
-                          <a:spcPts val="0"/>
-                        </a:spcAft>
-                      </a:pPr>
-                      <a:r>
-                        <a:rPr lang="en-IN" sz="1600">
-                          <a:effectLst/>
-                        </a:rPr>
-                        <a:t>30</a:t>
-                      </a:r>
-                      <a:endParaRPr lang="en-IN" sz="1100">
-                        <a:effectLst/>
-                        <a:latin typeface="Calibri" panose="020F0502020204030204" pitchFamily="34" charset="0"/>
-                        <a:ea typeface="Calibri" panose="020F0502020204030204" pitchFamily="34" charset="0"/>
-                        <a:cs typeface="Times New Roman" panose="02020603050405020304" pitchFamily="18" charset="0"/>
-                      </a:endParaRPr>
-                    </a:p>
-                  </a:txBody>
-                  <a:tcPr marL="68580" marR="68580" marT="0" marB="0"/>
-                </a:tc>
-              </a:tr>
-              <a:tr h="498480">
-                <a:tc>
-                  <a:txBody>
-                    <a:bodyPr/>
-                    <a:lstStyle/>
-                    <a:p>
-                      <a:pPr algn="just">
-                        <a:lnSpc>
-                          <a:spcPct val="115000"/>
-                        </a:lnSpc>
-                        <a:spcAft>
-                          <a:spcPts val="0"/>
-                        </a:spcAft>
-                      </a:pPr>
-                      <a:r>
-                        <a:rPr lang="en-IN" sz="1600">
-                          <a:effectLst/>
-                        </a:rPr>
-                        <a:t>Service id</a:t>
-                      </a:r>
-                      <a:endParaRPr lang="en-IN" sz="1100">
-                        <a:effectLst/>
-                        <a:latin typeface="Calibri" panose="020F0502020204030204" pitchFamily="34" charset="0"/>
-                        <a:ea typeface="Calibri" panose="020F0502020204030204" pitchFamily="34" charset="0"/>
-                        <a:cs typeface="Times New Roman" panose="02020603050405020304" pitchFamily="18" charset="0"/>
-                      </a:endParaRPr>
-                    </a:p>
-                  </a:txBody>
-                  <a:tcPr marL="68580" marR="68580" marT="0" marB="0"/>
-                </a:tc>
-                <a:tc>
-                  <a:txBody>
-                    <a:bodyPr/>
-                    <a:lstStyle/>
-                    <a:p>
-                      <a:pPr algn="just">
-                        <a:lnSpc>
-                          <a:spcPct val="115000"/>
-                        </a:lnSpc>
-                        <a:spcAft>
-                          <a:spcPts val="0"/>
-                        </a:spcAft>
-                      </a:pPr>
-                      <a:r>
-                        <a:rPr lang="en-IN" sz="1600">
-                          <a:effectLst/>
-                        </a:rPr>
-                        <a:t>Varchar2</a:t>
-                      </a:r>
-                      <a:endParaRPr lang="en-IN" sz="1100">
-                        <a:effectLst/>
-                        <a:latin typeface="Calibri" panose="020F0502020204030204" pitchFamily="34" charset="0"/>
-                        <a:ea typeface="Calibri" panose="020F0502020204030204" pitchFamily="34" charset="0"/>
-                        <a:cs typeface="Times New Roman" panose="02020603050405020304" pitchFamily="18" charset="0"/>
-                      </a:endParaRPr>
-                    </a:p>
-                  </a:txBody>
-                  <a:tcPr marL="68580" marR="68580" marT="0" marB="0"/>
-                </a:tc>
-                <a:tc>
-                  <a:txBody>
-                    <a:bodyPr/>
-                    <a:lstStyle/>
-                    <a:p>
-                      <a:pPr algn="just">
-                        <a:lnSpc>
-                          <a:spcPct val="115000"/>
-                        </a:lnSpc>
-                        <a:spcAft>
-                          <a:spcPts val="0"/>
-                        </a:spcAft>
-                      </a:pPr>
-                      <a:r>
-                        <a:rPr lang="en-IN" sz="1600">
-                          <a:effectLst/>
-                        </a:rPr>
-                        <a:t>Customer password</a:t>
-                      </a:r>
-                      <a:endParaRPr lang="en-IN" sz="1100">
-                        <a:effectLst/>
-                        <a:latin typeface="Calibri" panose="020F0502020204030204" pitchFamily="34" charset="0"/>
-                        <a:ea typeface="Calibri" panose="020F0502020204030204" pitchFamily="34" charset="0"/>
-                        <a:cs typeface="Times New Roman" panose="02020603050405020304" pitchFamily="18" charset="0"/>
-                      </a:endParaRPr>
-                    </a:p>
-                  </a:txBody>
-                  <a:tcPr marL="68580" marR="68580" marT="0" marB="0"/>
-                </a:tc>
-                <a:tc>
-                  <a:txBody>
-                    <a:bodyPr/>
-                    <a:lstStyle/>
-                    <a:p>
-                      <a:pPr algn="just">
-                        <a:lnSpc>
-                          <a:spcPct val="115000"/>
-                        </a:lnSpc>
-                        <a:spcAft>
-                          <a:spcPts val="0"/>
-                        </a:spcAft>
-                      </a:pPr>
-                      <a:r>
-                        <a:rPr lang="en-IN" sz="1600">
-                          <a:effectLst/>
-                        </a:rPr>
-                        <a:t>30</a:t>
-                      </a:r>
-                      <a:endParaRPr lang="en-IN" sz="1100">
-                        <a:effectLst/>
-                        <a:latin typeface="Calibri" panose="020F0502020204030204" pitchFamily="34" charset="0"/>
-                        <a:ea typeface="Calibri" panose="020F0502020204030204" pitchFamily="34" charset="0"/>
-                        <a:cs typeface="Times New Roman" panose="02020603050405020304" pitchFamily="18" charset="0"/>
-                      </a:endParaRPr>
-                    </a:p>
-                  </a:txBody>
-                  <a:tcPr marL="68580" marR="68580" marT="0" marB="0"/>
-                </a:tc>
-              </a:tr>
-              <a:tr h="241680">
-                <a:tc>
-                  <a:txBody>
-                    <a:bodyPr/>
-                    <a:lstStyle/>
-                    <a:p>
-                      <a:pPr algn="just">
-                        <a:lnSpc>
-                          <a:spcPct val="115000"/>
-                        </a:lnSpc>
-                        <a:spcAft>
-                          <a:spcPts val="0"/>
-                        </a:spcAft>
-                      </a:pPr>
-                      <a:r>
-                        <a:rPr lang="en-IN" sz="1600" dirty="0">
-                          <a:effectLst/>
-                        </a:rPr>
-                        <a:t>Price of service</a:t>
-                      </a:r>
-                      <a:endParaRPr lang="en-IN" sz="1100" dirty="0">
-                        <a:effectLst/>
-                        <a:latin typeface="Calibri" panose="020F0502020204030204" pitchFamily="34" charset="0"/>
-                        <a:ea typeface="Calibri" panose="020F0502020204030204" pitchFamily="34" charset="0"/>
-                        <a:cs typeface="Times New Roman" panose="02020603050405020304" pitchFamily="18" charset="0"/>
-                      </a:endParaRPr>
-                    </a:p>
-                  </a:txBody>
-                  <a:tcPr marL="68580" marR="68580" marT="0" marB="0"/>
-                </a:tc>
-                <a:tc>
-                  <a:txBody>
-                    <a:bodyPr/>
-                    <a:lstStyle/>
-                    <a:p>
-                      <a:pPr algn="just">
-                        <a:lnSpc>
-                          <a:spcPct val="115000"/>
-                        </a:lnSpc>
-                        <a:spcAft>
-                          <a:spcPts val="0"/>
-                        </a:spcAft>
-                      </a:pPr>
-                      <a:r>
-                        <a:rPr lang="en-IN" sz="1600">
-                          <a:effectLst/>
-                        </a:rPr>
-                        <a:t>number</a:t>
-                      </a:r>
-                      <a:endParaRPr lang="en-IN" sz="1100">
-                        <a:effectLst/>
-                        <a:latin typeface="Calibri" panose="020F0502020204030204" pitchFamily="34" charset="0"/>
-                        <a:ea typeface="Calibri" panose="020F0502020204030204" pitchFamily="34" charset="0"/>
-                        <a:cs typeface="Times New Roman" panose="02020603050405020304" pitchFamily="18" charset="0"/>
-                      </a:endParaRPr>
-                    </a:p>
-                  </a:txBody>
-                  <a:tcPr marL="68580" marR="68580" marT="0" marB="0"/>
-                </a:tc>
-                <a:tc>
-                  <a:txBody>
-                    <a:bodyPr/>
-                    <a:lstStyle/>
-                    <a:p>
-                      <a:pPr algn="just">
-                        <a:lnSpc>
-                          <a:spcPct val="115000"/>
-                        </a:lnSpc>
-                        <a:spcAft>
-                          <a:spcPts val="0"/>
-                        </a:spcAft>
-                      </a:pPr>
-                      <a:r>
-                        <a:rPr lang="en-IN" sz="1600" dirty="0">
-                          <a:effectLst/>
-                        </a:rPr>
-                        <a:t>Price of service </a:t>
-                      </a:r>
-                      <a:endParaRPr lang="en-IN" sz="1100" dirty="0">
-                        <a:effectLst/>
-                        <a:latin typeface="Calibri" panose="020F0502020204030204" pitchFamily="34" charset="0"/>
-                        <a:ea typeface="Calibri" panose="020F0502020204030204" pitchFamily="34" charset="0"/>
-                        <a:cs typeface="Times New Roman" panose="02020603050405020304" pitchFamily="18" charset="0"/>
-                      </a:endParaRPr>
-                    </a:p>
-                  </a:txBody>
-                  <a:tcPr marL="68580" marR="68580" marT="0" marB="0"/>
-                </a:tc>
-                <a:tc>
-                  <a:txBody>
-                    <a:bodyPr/>
-                    <a:lstStyle/>
-                    <a:p>
-                      <a:pPr algn="just">
-                        <a:lnSpc>
-                          <a:spcPct val="115000"/>
-                        </a:lnSpc>
-                        <a:spcAft>
-                          <a:spcPts val="0"/>
-                        </a:spcAft>
-                      </a:pPr>
-                      <a:r>
-                        <a:rPr lang="en-IN" sz="1600" dirty="0">
-                          <a:effectLst/>
-                        </a:rPr>
-                        <a:t>10</a:t>
-                      </a:r>
-                      <a:endParaRPr lang="en-IN" sz="1100" dirty="0">
-                        <a:effectLst/>
-                        <a:latin typeface="Calibri" panose="020F0502020204030204" pitchFamily="34" charset="0"/>
-                        <a:ea typeface="Calibri" panose="020F0502020204030204" pitchFamily="34" charset="0"/>
-                        <a:cs typeface="Times New Roman" panose="02020603050405020304" pitchFamily="18" charset="0"/>
-                      </a:endParaRPr>
-                    </a:p>
-                  </a:txBody>
-                  <a:tcPr marL="68580" marR="68580" marT="0" marB="0"/>
-                </a:tc>
-              </a:tr>
-            </a:tbl>
-          </a:graphicData>
-        </a:graphic>
-      </p:graphicFrame>
-      <p:sp>
-        <p:nvSpPr>
-          <p:cNvPr id="8" name="TextBox 7"/>
-          <p:cNvSpPr txBox="1"/>
+      <p:pic>
+        <p:nvPicPr>
+          <p:cNvPr id="4" name="Picture 3" descr="C:\Users\admin\Pictures\Screenshots\Screenshot (228).png"/>
+          <p:cNvPicPr/>
           <p:nvPr/>
-        </p:nvSpPr>
-        <p:spPr>
+        </p:nvPicPr>
+        <p:blipFill>
+          <a:blip r:embed="rId2">
+            <a:extLst>
+              <a:ext uri="{28A0092B-C50C-407E-A947-70E740481C1C}">
+                <a14:useLocalDpi xmlns:a14="http://schemas.microsoft.com/office/drawing/2010/main" val="0"/>
+              </a:ext>
+            </a:extLst>
+          </a:blip>
+          <a:srcRect/>
+          <a:stretch>
+            <a:fillRect/>
+          </a:stretch>
+        </p:blipFill>
+        <p:spPr bwMode="auto">
           <a:xfrm>
-            <a:off x="6929215" y="1446070"/>
-            <a:ext cx="2573708" cy="523220"/>
+            <a:off x="2228045" y="94673"/>
+            <a:ext cx="9749307" cy="6763327"/>
           </a:xfrm>
           <a:prstGeom prst="rect">
             <a:avLst/>
           </a:prstGeom>
           <a:noFill/>
+          <a:ln>
+            <a:noFill/>
+          </a:ln>
         </p:spPr>
-        <p:txBody>
-          <a:bodyPr wrap="square" rtlCol="0">
-            <a:spAutoFit/>
-          </a:bodyPr>
-          <a:lstStyle/>
-          <a:p>
-            <a:r>
-              <a:rPr lang="en-US" sz="2800" dirty="0" smtClean="0">
-                <a:latin typeface="Times New Roman" panose="02020603050405020304" pitchFamily="18" charset="0"/>
-                <a:cs typeface="Times New Roman" panose="02020603050405020304" pitchFamily="18" charset="0"/>
-              </a:rPr>
-              <a:t>Service’s Table</a:t>
-            </a:r>
-            <a:endParaRPr lang="en-IN" sz="2800" dirty="0">
-              <a:latin typeface="Times New Roman" panose="02020603050405020304" pitchFamily="18" charset="0"/>
-              <a:cs typeface="Times New Roman" panose="02020603050405020304" pitchFamily="18" charset="0"/>
-            </a:endParaRPr>
-          </a:p>
-        </p:txBody>
-      </p:sp>
-      <p:sp>
-        <p:nvSpPr>
-          <p:cNvPr id="6" name="Rectangle 5"/>
-          <p:cNvSpPr/>
-          <p:nvPr/>
-        </p:nvSpPr>
-        <p:spPr>
-          <a:xfrm>
-            <a:off x="308654" y="1446070"/>
-            <a:ext cx="2706638" cy="523220"/>
-          </a:xfrm>
-          <a:prstGeom prst="rect">
-            <a:avLst/>
-          </a:prstGeom>
-        </p:spPr>
-        <p:txBody>
-          <a:bodyPr wrap="none">
-            <a:spAutoFit/>
-          </a:bodyPr>
-          <a:lstStyle/>
-          <a:p>
-            <a:r>
-              <a:rPr lang="en-US" sz="2800" dirty="0">
-                <a:latin typeface="Times New Roman" panose="02020603050405020304" pitchFamily="18" charset="0"/>
-                <a:cs typeface="Times New Roman" panose="02020603050405020304" pitchFamily="18" charset="0"/>
-              </a:rPr>
-              <a:t>Customer’s Table</a:t>
-            </a:r>
-            <a:endParaRPr lang="en-IN" sz="2800" dirty="0">
-              <a:latin typeface="Times New Roman" panose="02020603050405020304" pitchFamily="18" charset="0"/>
-              <a:cs typeface="Times New Roman" panose="02020603050405020304" pitchFamily="18" charset="0"/>
-            </a:endParaRPr>
-          </a:p>
-        </p:txBody>
-      </p:sp>
+      </p:pic>
     </p:spTree>
     <p:extLst>
       <p:ext uri="{BB962C8B-B14F-4D97-AF65-F5344CB8AC3E}">
-        <p14:creationId xmlns:p14="http://schemas.microsoft.com/office/powerpoint/2010/main" val="127692983"/>
+        <p14:creationId xmlns:p14="http://schemas.microsoft.com/office/powerpoint/2010/main" val="2550102858"/>
       </p:ext>
     </p:extLst>
   </p:cSld>
@@ -5490,72 +4196,37 @@
       </p:grpSpPr>
       <p:sp>
         <p:nvSpPr>
-          <p:cNvPr id="3" name="TextBox 2"/>
-          <p:cNvSpPr txBox="1"/>
-          <p:nvPr/>
+          <p:cNvPr id="2" name="Title 1"/>
+          <p:cNvSpPr>
+            <a:spLocks noGrp="1"/>
+          </p:cNvSpPr>
+          <p:nvPr>
+            <p:ph type="title"/>
+          </p:nvPr>
         </p:nvSpPr>
         <p:spPr>
           <a:xfrm>
-            <a:off x="4430995" y="176120"/>
-            <a:ext cx="3093578" cy="523220"/>
+            <a:off x="790011" y="244612"/>
+            <a:ext cx="3057568" cy="939800"/>
           </a:xfrm>
-          <a:prstGeom prst="rect">
-            <a:avLst/>
-          </a:prstGeom>
-          <a:noFill/>
         </p:spPr>
         <p:txBody>
-          <a:bodyPr wrap="square" rtlCol="0">
-            <a:spAutoFit/>
+          <a:bodyPr>
+            <a:normAutofit/>
           </a:bodyPr>
           <a:lstStyle/>
           <a:p>
-            <a:pPr algn="ctr"/>
-            <a:r>
-              <a:rPr lang="en-US" sz="2800" dirty="0" smtClean="0">
+            <a:pPr>
+              <a:defRPr/>
+            </a:pPr>
+            <a:r>
+              <a:rPr lang="en-US" sz="3200" b="1" dirty="0" smtClean="0">
                 <a:latin typeface="Times New Roman" panose="02020603050405020304" pitchFamily="18" charset="0"/>
                 <a:cs typeface="Times New Roman" panose="02020603050405020304" pitchFamily="18" charset="0"/>
               </a:rPr>
-              <a:t>Service man’s Table</a:t>
-            </a:r>
-            <a:endParaRPr lang="en-IN" sz="2800" dirty="0">
-              <a:latin typeface="Times New Roman" panose="02020603050405020304" pitchFamily="18" charset="0"/>
-              <a:cs typeface="Times New Roman" panose="02020603050405020304" pitchFamily="18" charset="0"/>
-            </a:endParaRPr>
-          </a:p>
-        </p:txBody>
-      </p:sp>
-      <p:sp>
-        <p:nvSpPr>
-          <p:cNvPr id="8" name="TextBox 7"/>
-          <p:cNvSpPr txBox="1"/>
-          <p:nvPr/>
-        </p:nvSpPr>
-        <p:spPr>
-          <a:xfrm>
-            <a:off x="4811284" y="3167148"/>
-            <a:ext cx="2333001" cy="523220"/>
-          </a:xfrm>
-          <a:prstGeom prst="rect">
-            <a:avLst/>
-          </a:prstGeom>
-          <a:noFill/>
-        </p:spPr>
-        <p:txBody>
-          <a:bodyPr wrap="square" rtlCol="0">
-            <a:spAutoFit/>
-          </a:bodyPr>
-          <a:lstStyle/>
-          <a:p>
-            <a:pPr algn="ctr"/>
-            <a:r>
-              <a:rPr lang="en-US" sz="2800" dirty="0" smtClean="0">
-                <a:latin typeface="Times New Roman" panose="02020603050405020304" pitchFamily="18" charset="0"/>
-                <a:cs typeface="Times New Roman" panose="02020603050405020304" pitchFamily="18" charset="0"/>
-              </a:rPr>
-              <a:t>Booking Table</a:t>
-            </a:r>
-            <a:endParaRPr lang="en-IN" sz="2800" dirty="0">
+              <a:t>Data Dictionary</a:t>
+            </a:r>
+            <a:endParaRPr lang="en-US" sz="3200" b="1" dirty="0">
               <a:latin typeface="Times New Roman" panose="02020603050405020304" pitchFamily="18" charset="0"/>
               <a:cs typeface="Times New Roman" panose="02020603050405020304" pitchFamily="18" charset="0"/>
             </a:endParaRPr>
@@ -5564,21 +4235,21 @@
       </p:sp>
       <p:graphicFrame>
         <p:nvGraphicFramePr>
-          <p:cNvPr id="7" name="Table 6"/>
+          <p:cNvPr id="4" name="Table 3"/>
           <p:cNvGraphicFramePr>
             <a:graphicFrameLocks noGrp="1"/>
           </p:cNvGraphicFramePr>
           <p:nvPr>
             <p:extLst>
               <p:ext uri="{D42A27DB-BD31-4B8C-83A1-F6EECF244321}">
-                <p14:modId xmlns:p14="http://schemas.microsoft.com/office/powerpoint/2010/main" val="3547661559"/>
+                <p14:modId xmlns:p14="http://schemas.microsoft.com/office/powerpoint/2010/main" val="1260238646"/>
               </p:ext>
             </p:extLst>
           </p:nvPr>
         </p:nvGraphicFramePr>
         <p:xfrm>
-          <a:off x="3111814" y="854579"/>
-          <a:ext cx="5868670" cy="2006223"/>
+          <a:off x="4542917" y="1008187"/>
+          <a:ext cx="6532914" cy="5537915"/>
         </p:xfrm>
         <a:graphic>
           <a:graphicData uri="http://schemas.openxmlformats.org/drawingml/2006/table">
@@ -5587,12 +4258,12 @@
                 <a:tableStyleId>{5C22544A-7EE6-4342-B048-85BDC9FD1C3A}</a:tableStyleId>
               </a:tblPr>
               <a:tblGrid>
-                <a:gridCol w="1466850"/>
-                <a:gridCol w="1466850"/>
-                <a:gridCol w="1467485"/>
-                <a:gridCol w="1467485"/>
+                <a:gridCol w="1685814"/>
+                <a:gridCol w="1579936"/>
+                <a:gridCol w="1633582"/>
+                <a:gridCol w="1633582"/>
               </a:tblGrid>
-              <a:tr h="323727">
+              <a:tr h="435364">
                 <a:tc>
                   <a:txBody>
                     <a:bodyPr/>
@@ -5636,10 +4307,39 @@
                         </a:spcAft>
                       </a:pPr>
                       <a:r>
+                        <a:rPr lang="en-IN" sz="1600" dirty="0">
+                          <a:effectLst/>
+                        </a:rPr>
+                        <a:t>Data Type</a:t>
+                      </a:r>
+                      <a:endParaRPr lang="en-IN" sz="1100" dirty="0">
+                        <a:effectLst/>
+                        <a:latin typeface="Calibri" panose="020F0502020204030204" pitchFamily="34" charset="0"/>
+                        <a:ea typeface="Calibri" panose="020F0502020204030204" pitchFamily="34" charset="0"/>
+                        <a:cs typeface="Times New Roman" panose="02020603050405020304" pitchFamily="18" charset="0"/>
+                      </a:endParaRPr>
+                    </a:p>
+                  </a:txBody>
+                  <a:tcPr marL="68580" marR="68580" marT="0" marB="0"/>
+                </a:tc>
+                <a:tc>
+                  <a:txBody>
+                    <a:bodyPr/>
+                    <a:lstStyle/>
+                    <a:p>
+                      <a:pPr algn="just">
+                        <a:lnSpc>
+                          <a:spcPct val="115000"/>
+                        </a:lnSpc>
+                        <a:spcAft>
+                          <a:spcPts val="0"/>
+                        </a:spcAft>
+                      </a:pPr>
+                      <a:r>
                         <a:rPr lang="en-IN" sz="1600">
                           <a:effectLst/>
                         </a:rPr>
-                        <a:t>Data Type</a:t>
+                        <a:t>Description</a:t>
                       </a:r>
                       <a:endParaRPr lang="en-IN" sz="1100">
                         <a:effectLst/>
@@ -5665,10 +4365,555 @@
                         </a:spcAft>
                       </a:pPr>
                       <a:r>
+                        <a:rPr lang="en-IN" sz="1600">
+                          <a:effectLst/>
+                        </a:rPr>
+                        <a:t>Size</a:t>
+                      </a:r>
+                      <a:endParaRPr lang="en-IN" sz="1100">
+                        <a:effectLst/>
+                        <a:latin typeface="Calibri" panose="020F0502020204030204" pitchFamily="34" charset="0"/>
+                        <a:ea typeface="Calibri" panose="020F0502020204030204" pitchFamily="34" charset="0"/>
+                        <a:cs typeface="Times New Roman" panose="02020603050405020304" pitchFamily="18" charset="0"/>
+                      </a:endParaRPr>
+                    </a:p>
+                  </a:txBody>
+                  <a:tcPr marL="68580" marR="68580" marT="0" marB="0"/>
+                </a:tc>
+              </a:tr>
+              <a:tr h="559038">
+                <a:tc>
+                  <a:txBody>
+                    <a:bodyPr/>
+                    <a:lstStyle/>
+                    <a:p>
+                      <a:pPr algn="just">
+                        <a:lnSpc>
+                          <a:spcPct val="115000"/>
+                        </a:lnSpc>
+                        <a:spcAft>
+                          <a:spcPts val="0"/>
+                        </a:spcAft>
+                      </a:pPr>
+                      <a:r>
+                        <a:rPr lang="en-IN" sz="1600" dirty="0" err="1" smtClean="0">
+                          <a:effectLst/>
+                          <a:latin typeface="Calibri" panose="020F0502020204030204" pitchFamily="34" charset="0"/>
+                          <a:ea typeface="Calibri" panose="020F0502020204030204" pitchFamily="34" charset="0"/>
+                          <a:cs typeface="Times New Roman" panose="02020603050405020304" pitchFamily="18" charset="0"/>
+                        </a:rPr>
+                        <a:t>Customer_Id</a:t>
+                      </a:r>
+                      <a:endParaRPr lang="en-IN" sz="1600" dirty="0">
+                        <a:effectLst/>
+                        <a:latin typeface="Calibri" panose="020F0502020204030204" pitchFamily="34" charset="0"/>
+                        <a:ea typeface="Calibri" panose="020F0502020204030204" pitchFamily="34" charset="0"/>
+                        <a:cs typeface="Times New Roman" panose="02020603050405020304" pitchFamily="18" charset="0"/>
+                      </a:endParaRPr>
+                    </a:p>
+                  </a:txBody>
+                  <a:tcPr marL="68580" marR="68580" marT="0" marB="0"/>
+                </a:tc>
+                <a:tc>
+                  <a:txBody>
+                    <a:bodyPr/>
+                    <a:lstStyle/>
+                    <a:p>
+                      <a:pPr algn="just">
+                        <a:lnSpc>
+                          <a:spcPct val="115000"/>
+                        </a:lnSpc>
+                        <a:spcAft>
+                          <a:spcPts val="0"/>
+                        </a:spcAft>
+                      </a:pPr>
+                      <a:r>
+                        <a:rPr lang="en-IN" sz="1600" dirty="0" smtClean="0">
+                          <a:effectLst/>
+                          <a:latin typeface="Calibri" panose="020F0502020204030204" pitchFamily="34" charset="0"/>
+                          <a:ea typeface="Calibri" panose="020F0502020204030204" pitchFamily="34" charset="0"/>
+                          <a:cs typeface="Times New Roman" panose="02020603050405020304" pitchFamily="18" charset="0"/>
+                        </a:rPr>
+                        <a:t>LONG</a:t>
+                      </a:r>
+                      <a:endParaRPr lang="en-IN" sz="1600" dirty="0">
+                        <a:effectLst/>
+                        <a:latin typeface="Calibri" panose="020F0502020204030204" pitchFamily="34" charset="0"/>
+                        <a:ea typeface="Calibri" panose="020F0502020204030204" pitchFamily="34" charset="0"/>
+                        <a:cs typeface="Times New Roman" panose="02020603050405020304" pitchFamily="18" charset="0"/>
+                      </a:endParaRPr>
+                    </a:p>
+                  </a:txBody>
+                  <a:tcPr marL="68580" marR="68580" marT="0" marB="0"/>
+                </a:tc>
+                <a:tc>
+                  <a:txBody>
+                    <a:bodyPr/>
+                    <a:lstStyle/>
+                    <a:p>
+                      <a:pPr algn="just">
+                        <a:lnSpc>
+                          <a:spcPct val="115000"/>
+                        </a:lnSpc>
+                        <a:spcAft>
+                          <a:spcPts val="0"/>
+                        </a:spcAft>
+                      </a:pPr>
+                      <a:r>
+                        <a:rPr lang="en-IN" sz="1600" dirty="0" smtClean="0">
+                          <a:effectLst/>
+                          <a:latin typeface="Calibri" panose="020F0502020204030204" pitchFamily="34" charset="0"/>
+                          <a:ea typeface="Calibri" panose="020F0502020204030204" pitchFamily="34" charset="0"/>
+                          <a:cs typeface="Times New Roman" panose="02020603050405020304" pitchFamily="18" charset="0"/>
+                        </a:rPr>
+                        <a:t>Customer</a:t>
+                      </a:r>
+                      <a:r>
+                        <a:rPr lang="en-IN" sz="1600" baseline="0" dirty="0" smtClean="0">
+                          <a:effectLst/>
+                          <a:latin typeface="Calibri" panose="020F0502020204030204" pitchFamily="34" charset="0"/>
+                          <a:ea typeface="Calibri" panose="020F0502020204030204" pitchFamily="34" charset="0"/>
+                          <a:cs typeface="Times New Roman" panose="02020603050405020304" pitchFamily="18" charset="0"/>
+                        </a:rPr>
+                        <a:t> Id</a:t>
+                      </a:r>
+                      <a:endParaRPr lang="en-IN" sz="1600" dirty="0">
+                        <a:effectLst/>
+                        <a:latin typeface="Calibri" panose="020F0502020204030204" pitchFamily="34" charset="0"/>
+                        <a:ea typeface="Calibri" panose="020F0502020204030204" pitchFamily="34" charset="0"/>
+                        <a:cs typeface="Times New Roman" panose="02020603050405020304" pitchFamily="18" charset="0"/>
+                      </a:endParaRPr>
+                    </a:p>
+                  </a:txBody>
+                  <a:tcPr marL="68580" marR="68580" marT="0" marB="0"/>
+                </a:tc>
+                <a:tc>
+                  <a:txBody>
+                    <a:bodyPr/>
+                    <a:lstStyle/>
+                    <a:p>
+                      <a:pPr algn="just">
+                        <a:lnSpc>
+                          <a:spcPct val="115000"/>
+                        </a:lnSpc>
+                        <a:spcAft>
+                          <a:spcPts val="0"/>
+                        </a:spcAft>
+                      </a:pPr>
+                      <a:r>
+                        <a:rPr lang="en-IN" sz="1600" dirty="0" smtClean="0">
+                          <a:effectLst/>
+                          <a:latin typeface="Calibri" panose="020F0502020204030204" pitchFamily="34" charset="0"/>
+                          <a:ea typeface="Calibri" panose="020F0502020204030204" pitchFamily="34" charset="0"/>
+                          <a:cs typeface="Times New Roman" panose="02020603050405020304" pitchFamily="18" charset="0"/>
+                        </a:rPr>
+                        <a:t>15</a:t>
+                      </a:r>
+                      <a:endParaRPr lang="en-IN" sz="1600" dirty="0">
+                        <a:effectLst/>
+                        <a:latin typeface="Calibri" panose="020F0502020204030204" pitchFamily="34" charset="0"/>
+                        <a:ea typeface="Calibri" panose="020F0502020204030204" pitchFamily="34" charset="0"/>
+                        <a:cs typeface="Times New Roman" panose="02020603050405020304" pitchFamily="18" charset="0"/>
+                      </a:endParaRPr>
+                    </a:p>
+                  </a:txBody>
+                  <a:tcPr marL="68580" marR="68580" marT="0" marB="0"/>
+                </a:tc>
+              </a:tr>
+              <a:tr h="618885">
+                <a:tc>
+                  <a:txBody>
+                    <a:bodyPr/>
+                    <a:lstStyle/>
+                    <a:p>
+                      <a:pPr algn="just">
+                        <a:lnSpc>
+                          <a:spcPct val="115000"/>
+                        </a:lnSpc>
+                        <a:spcAft>
+                          <a:spcPts val="0"/>
+                        </a:spcAft>
+                      </a:pPr>
+                      <a:r>
+                        <a:rPr lang="en-IN" sz="1600" dirty="0" err="1">
+                          <a:effectLst/>
+                        </a:rPr>
+                        <a:t>First_Name</a:t>
+                      </a:r>
+                      <a:endParaRPr lang="en-IN" sz="1100" dirty="0">
+                        <a:effectLst/>
+                        <a:latin typeface="Calibri" panose="020F0502020204030204" pitchFamily="34" charset="0"/>
+                        <a:ea typeface="Calibri" panose="020F0502020204030204" pitchFamily="34" charset="0"/>
+                        <a:cs typeface="Times New Roman" panose="02020603050405020304" pitchFamily="18" charset="0"/>
+                      </a:endParaRPr>
+                    </a:p>
+                  </a:txBody>
+                  <a:tcPr marL="68580" marR="68580" marT="0" marB="0"/>
+                </a:tc>
+                <a:tc>
+                  <a:txBody>
+                    <a:bodyPr/>
+                    <a:lstStyle/>
+                    <a:p>
+                      <a:pPr algn="just">
+                        <a:lnSpc>
+                          <a:spcPct val="115000"/>
+                        </a:lnSpc>
+                        <a:spcAft>
+                          <a:spcPts val="0"/>
+                        </a:spcAft>
+                      </a:pPr>
+                      <a:r>
+                        <a:rPr lang="en-IN" sz="1600" dirty="0" smtClean="0">
+                          <a:effectLst/>
+                        </a:rPr>
+                        <a:t>String</a:t>
+                      </a:r>
+                      <a:endParaRPr lang="en-IN" sz="1100" dirty="0">
+                        <a:effectLst/>
+                        <a:latin typeface="Calibri" panose="020F0502020204030204" pitchFamily="34" charset="0"/>
+                        <a:ea typeface="Calibri" panose="020F0502020204030204" pitchFamily="34" charset="0"/>
+                        <a:cs typeface="Times New Roman" panose="02020603050405020304" pitchFamily="18" charset="0"/>
+                      </a:endParaRPr>
+                    </a:p>
+                  </a:txBody>
+                  <a:tcPr marL="68580" marR="68580" marT="0" marB="0"/>
+                </a:tc>
+                <a:tc>
+                  <a:txBody>
+                    <a:bodyPr/>
+                    <a:lstStyle/>
+                    <a:p>
+                      <a:pPr algn="just">
+                        <a:lnSpc>
+                          <a:spcPct val="115000"/>
+                        </a:lnSpc>
+                        <a:spcAft>
+                          <a:spcPts val="0"/>
+                        </a:spcAft>
+                      </a:pPr>
+                      <a:r>
+                        <a:rPr lang="en-IN" sz="1600">
+                          <a:effectLst/>
+                        </a:rPr>
+                        <a:t>First name of customer</a:t>
+                      </a:r>
+                      <a:endParaRPr lang="en-IN" sz="1100">
+                        <a:effectLst/>
+                        <a:latin typeface="Calibri" panose="020F0502020204030204" pitchFamily="34" charset="0"/>
+                        <a:ea typeface="Calibri" panose="020F0502020204030204" pitchFamily="34" charset="0"/>
+                        <a:cs typeface="Times New Roman" panose="02020603050405020304" pitchFamily="18" charset="0"/>
+                      </a:endParaRPr>
+                    </a:p>
+                  </a:txBody>
+                  <a:tcPr marL="68580" marR="68580" marT="0" marB="0"/>
+                </a:tc>
+                <a:tc>
+                  <a:txBody>
+                    <a:bodyPr/>
+                    <a:lstStyle/>
+                    <a:p>
+                      <a:pPr algn="just">
+                        <a:lnSpc>
+                          <a:spcPct val="115000"/>
+                        </a:lnSpc>
+                        <a:spcAft>
+                          <a:spcPts val="0"/>
+                        </a:spcAft>
+                      </a:pPr>
+                      <a:r>
+                        <a:rPr lang="en-IN" sz="1600">
+                          <a:effectLst/>
+                        </a:rPr>
+                        <a:t>50</a:t>
+                      </a:r>
+                      <a:endParaRPr lang="en-IN" sz="1100">
+                        <a:effectLst/>
+                        <a:latin typeface="Calibri" panose="020F0502020204030204" pitchFamily="34" charset="0"/>
+                        <a:ea typeface="Calibri" panose="020F0502020204030204" pitchFamily="34" charset="0"/>
+                        <a:cs typeface="Times New Roman" panose="02020603050405020304" pitchFamily="18" charset="0"/>
+                      </a:endParaRPr>
+                    </a:p>
+                  </a:txBody>
+                  <a:tcPr marL="68580" marR="68580" marT="0" marB="0"/>
+                </a:tc>
+              </a:tr>
+              <a:tr h="618885">
+                <a:tc>
+                  <a:txBody>
+                    <a:bodyPr/>
+                    <a:lstStyle/>
+                    <a:p>
+                      <a:pPr algn="just">
+                        <a:lnSpc>
+                          <a:spcPct val="115000"/>
+                        </a:lnSpc>
+                        <a:spcAft>
+                          <a:spcPts val="0"/>
+                        </a:spcAft>
+                      </a:pPr>
+                      <a:r>
+                        <a:rPr lang="en-IN" sz="1600" dirty="0" err="1">
+                          <a:effectLst/>
+                        </a:rPr>
+                        <a:t>Last_Name</a:t>
+                      </a:r>
+                      <a:endParaRPr lang="en-IN" sz="1100" dirty="0">
+                        <a:effectLst/>
+                        <a:latin typeface="Calibri" panose="020F0502020204030204" pitchFamily="34" charset="0"/>
+                        <a:ea typeface="Calibri" panose="020F0502020204030204" pitchFamily="34" charset="0"/>
+                        <a:cs typeface="Times New Roman" panose="02020603050405020304" pitchFamily="18" charset="0"/>
+                      </a:endParaRPr>
+                    </a:p>
+                  </a:txBody>
+                  <a:tcPr marL="68580" marR="68580" marT="0" marB="0"/>
+                </a:tc>
+                <a:tc>
+                  <a:txBody>
+                    <a:bodyPr/>
+                    <a:lstStyle/>
+                    <a:p>
+                      <a:pPr algn="just">
+                        <a:lnSpc>
+                          <a:spcPct val="115000"/>
+                        </a:lnSpc>
+                        <a:spcAft>
+                          <a:spcPts val="0"/>
+                        </a:spcAft>
+                      </a:pPr>
+                      <a:r>
+                        <a:rPr lang="en-IN" sz="1600" dirty="0" smtClean="0">
+                          <a:effectLst/>
+                        </a:rPr>
+                        <a:t>String</a:t>
+                      </a:r>
+                      <a:endParaRPr lang="en-IN" sz="1100" dirty="0">
+                        <a:effectLst/>
+                        <a:latin typeface="Calibri" panose="020F0502020204030204" pitchFamily="34" charset="0"/>
+                        <a:ea typeface="Calibri" panose="020F0502020204030204" pitchFamily="34" charset="0"/>
+                        <a:cs typeface="Times New Roman" panose="02020603050405020304" pitchFamily="18" charset="0"/>
+                      </a:endParaRPr>
+                    </a:p>
+                  </a:txBody>
+                  <a:tcPr marL="68580" marR="68580" marT="0" marB="0"/>
+                </a:tc>
+                <a:tc>
+                  <a:txBody>
+                    <a:bodyPr/>
+                    <a:lstStyle/>
+                    <a:p>
+                      <a:pPr algn="just">
+                        <a:lnSpc>
+                          <a:spcPct val="115000"/>
+                        </a:lnSpc>
+                        <a:spcAft>
+                          <a:spcPts val="0"/>
+                        </a:spcAft>
+                      </a:pPr>
+                      <a:r>
+                        <a:rPr lang="en-IN" sz="1600">
+                          <a:effectLst/>
+                        </a:rPr>
+                        <a:t>Last name of customer</a:t>
+                      </a:r>
+                      <a:endParaRPr lang="en-IN" sz="1100">
+                        <a:effectLst/>
+                        <a:latin typeface="Calibri" panose="020F0502020204030204" pitchFamily="34" charset="0"/>
+                        <a:ea typeface="Calibri" panose="020F0502020204030204" pitchFamily="34" charset="0"/>
+                        <a:cs typeface="Times New Roman" panose="02020603050405020304" pitchFamily="18" charset="0"/>
+                      </a:endParaRPr>
+                    </a:p>
+                  </a:txBody>
+                  <a:tcPr marL="68580" marR="68580" marT="0" marB="0"/>
+                </a:tc>
+                <a:tc>
+                  <a:txBody>
+                    <a:bodyPr/>
+                    <a:lstStyle/>
+                    <a:p>
+                      <a:pPr algn="just">
+                        <a:lnSpc>
+                          <a:spcPct val="115000"/>
+                        </a:lnSpc>
+                        <a:spcAft>
+                          <a:spcPts val="0"/>
+                        </a:spcAft>
+                      </a:pPr>
+                      <a:r>
+                        <a:rPr lang="en-IN" sz="1600">
+                          <a:effectLst/>
+                        </a:rPr>
+                        <a:t>50</a:t>
+                      </a:r>
+                      <a:endParaRPr lang="en-IN" sz="1100">
+                        <a:effectLst/>
+                        <a:latin typeface="Calibri" panose="020F0502020204030204" pitchFamily="34" charset="0"/>
+                        <a:ea typeface="Calibri" panose="020F0502020204030204" pitchFamily="34" charset="0"/>
+                        <a:cs typeface="Times New Roman" panose="02020603050405020304" pitchFamily="18" charset="0"/>
+                      </a:endParaRPr>
+                    </a:p>
+                  </a:txBody>
+                  <a:tcPr marL="68580" marR="68580" marT="0" marB="0"/>
+                </a:tc>
+              </a:tr>
+              <a:tr h="638214">
+                <a:tc>
+                  <a:txBody>
+                    <a:bodyPr/>
+                    <a:lstStyle/>
+                    <a:p>
+                      <a:pPr algn="just">
+                        <a:lnSpc>
+                          <a:spcPct val="115000"/>
+                        </a:lnSpc>
+                        <a:spcAft>
+                          <a:spcPts val="0"/>
+                        </a:spcAft>
+                      </a:pPr>
+                      <a:r>
+                        <a:rPr lang="en-IN" sz="1600" dirty="0" err="1" smtClean="0">
+                          <a:effectLst/>
+                          <a:latin typeface="Calibri" panose="020F0502020204030204" pitchFamily="34" charset="0"/>
+                          <a:ea typeface="Calibri" panose="020F0502020204030204" pitchFamily="34" charset="0"/>
+                          <a:cs typeface="Times New Roman" panose="02020603050405020304" pitchFamily="18" charset="0"/>
+                        </a:rPr>
+                        <a:t>Middel_Name</a:t>
+                      </a:r>
+                      <a:endParaRPr lang="en-IN" sz="1600" dirty="0">
+                        <a:effectLst/>
+                        <a:latin typeface="Calibri" panose="020F0502020204030204" pitchFamily="34" charset="0"/>
+                        <a:ea typeface="Calibri" panose="020F0502020204030204" pitchFamily="34" charset="0"/>
+                        <a:cs typeface="Times New Roman" panose="02020603050405020304" pitchFamily="18" charset="0"/>
+                      </a:endParaRPr>
+                    </a:p>
+                  </a:txBody>
+                  <a:tcPr marL="68580" marR="68580" marT="0" marB="0"/>
+                </a:tc>
+                <a:tc>
+                  <a:txBody>
+                    <a:bodyPr/>
+                    <a:lstStyle/>
+                    <a:p>
+                      <a:pPr algn="just">
+                        <a:lnSpc>
+                          <a:spcPct val="115000"/>
+                        </a:lnSpc>
+                        <a:spcAft>
+                          <a:spcPts val="0"/>
+                        </a:spcAft>
+                      </a:pPr>
+                      <a:r>
+                        <a:rPr lang="en-IN" sz="1600" dirty="0" smtClean="0">
+                          <a:effectLst/>
+                          <a:latin typeface="Calibri" panose="020F0502020204030204" pitchFamily="34" charset="0"/>
+                          <a:ea typeface="Calibri" panose="020F0502020204030204" pitchFamily="34" charset="0"/>
+                          <a:cs typeface="Times New Roman" panose="02020603050405020304" pitchFamily="18" charset="0"/>
+                        </a:rPr>
+                        <a:t>String</a:t>
+                      </a:r>
+                      <a:endParaRPr lang="en-IN" sz="1600" dirty="0">
+                        <a:effectLst/>
+                        <a:latin typeface="Calibri" panose="020F0502020204030204" pitchFamily="34" charset="0"/>
+                        <a:ea typeface="Calibri" panose="020F0502020204030204" pitchFamily="34" charset="0"/>
+                        <a:cs typeface="Times New Roman" panose="02020603050405020304" pitchFamily="18" charset="0"/>
+                      </a:endParaRPr>
+                    </a:p>
+                  </a:txBody>
+                  <a:tcPr marL="68580" marR="68580" marT="0" marB="0"/>
+                </a:tc>
+                <a:tc>
+                  <a:txBody>
+                    <a:bodyPr/>
+                    <a:lstStyle/>
+                    <a:p>
+                      <a:pPr algn="just">
+                        <a:lnSpc>
+                          <a:spcPct val="115000"/>
+                        </a:lnSpc>
+                        <a:spcAft>
+                          <a:spcPts val="0"/>
+                        </a:spcAft>
+                      </a:pPr>
+                      <a:r>
+                        <a:rPr lang="en-IN" sz="1600" dirty="0" err="1" smtClean="0">
+                          <a:effectLst/>
+                          <a:latin typeface="Calibri" panose="020F0502020204030204" pitchFamily="34" charset="0"/>
+                          <a:ea typeface="Calibri" panose="020F0502020204030204" pitchFamily="34" charset="0"/>
+                          <a:cs typeface="Times New Roman" panose="02020603050405020304" pitchFamily="18" charset="0"/>
+                        </a:rPr>
+                        <a:t>Middel</a:t>
+                      </a:r>
+                      <a:r>
+                        <a:rPr lang="en-IN" sz="1600" dirty="0" smtClean="0">
+                          <a:effectLst/>
+                          <a:latin typeface="Calibri" panose="020F0502020204030204" pitchFamily="34" charset="0"/>
+                          <a:ea typeface="Calibri" panose="020F0502020204030204" pitchFamily="34" charset="0"/>
+                          <a:cs typeface="Times New Roman" panose="02020603050405020304" pitchFamily="18" charset="0"/>
+                        </a:rPr>
+                        <a:t> Name</a:t>
+                      </a:r>
+                      <a:endParaRPr lang="en-IN" sz="1600" dirty="0">
+                        <a:effectLst/>
+                        <a:latin typeface="Calibri" panose="020F0502020204030204" pitchFamily="34" charset="0"/>
+                        <a:ea typeface="Calibri" panose="020F0502020204030204" pitchFamily="34" charset="0"/>
+                        <a:cs typeface="Times New Roman" panose="02020603050405020304" pitchFamily="18" charset="0"/>
+                      </a:endParaRPr>
+                    </a:p>
+                  </a:txBody>
+                  <a:tcPr marL="68580" marR="68580" marT="0" marB="0"/>
+                </a:tc>
+                <a:tc>
+                  <a:txBody>
+                    <a:bodyPr/>
+                    <a:lstStyle/>
+                    <a:p>
+                      <a:pPr algn="just">
+                        <a:lnSpc>
+                          <a:spcPct val="115000"/>
+                        </a:lnSpc>
+                        <a:spcAft>
+                          <a:spcPts val="0"/>
+                        </a:spcAft>
+                      </a:pPr>
+                      <a:r>
+                        <a:rPr lang="en-IN" sz="1600" dirty="0" smtClean="0">
+                          <a:effectLst/>
+                          <a:latin typeface="Calibri" panose="020F0502020204030204" pitchFamily="34" charset="0"/>
+                          <a:ea typeface="Calibri" panose="020F0502020204030204" pitchFamily="34" charset="0"/>
+                          <a:cs typeface="Times New Roman" panose="02020603050405020304" pitchFamily="18" charset="0"/>
+                        </a:rPr>
+                        <a:t>50</a:t>
+                      </a:r>
+                      <a:endParaRPr lang="en-IN" sz="1600" dirty="0">
+                        <a:effectLst/>
+                        <a:latin typeface="Calibri" panose="020F0502020204030204" pitchFamily="34" charset="0"/>
+                        <a:ea typeface="Calibri" panose="020F0502020204030204" pitchFamily="34" charset="0"/>
+                        <a:cs typeface="Times New Roman" panose="02020603050405020304" pitchFamily="18" charset="0"/>
+                      </a:endParaRPr>
+                    </a:p>
+                  </a:txBody>
+                  <a:tcPr marL="68580" marR="68580" marT="0" marB="0"/>
+                </a:tc>
+              </a:tr>
+              <a:tr h="618885">
+                <a:tc>
+                  <a:txBody>
+                    <a:bodyPr/>
+                    <a:lstStyle/>
+                    <a:p>
+                      <a:pPr algn="just">
+                        <a:lnSpc>
+                          <a:spcPct val="115000"/>
+                        </a:lnSpc>
+                        <a:spcAft>
+                          <a:spcPts val="0"/>
+                        </a:spcAft>
+                      </a:pPr>
+                      <a:r>
                         <a:rPr lang="en-IN" sz="1600" dirty="0">
                           <a:effectLst/>
                         </a:rPr>
-                        <a:t>Description</a:t>
+                        <a:t>Email</a:t>
                       </a:r>
                       <a:endParaRPr lang="en-IN" sz="1100" dirty="0">
                         <a:effectLst/>
@@ -5697,7 +4942,7 @@
                         <a:rPr lang="en-IN" sz="1600">
                           <a:effectLst/>
                         </a:rPr>
-                        <a:t>Size</a:t>
+                        <a:t>Varchar2</a:t>
                       </a:r>
                       <a:endParaRPr lang="en-IN" sz="1100">
                         <a:effectLst/>
@@ -5709,8 +4954,205 @@
                   </a:txBody>
                   <a:tcPr marL="68580" marR="68580" marT="0" marB="0"/>
                 </a:tc>
+                <a:tc>
+                  <a:txBody>
+                    <a:bodyPr/>
+                    <a:lstStyle/>
+                    <a:p>
+                      <a:pPr algn="just">
+                        <a:lnSpc>
+                          <a:spcPct val="115000"/>
+                        </a:lnSpc>
+                        <a:spcAft>
+                          <a:spcPts val="0"/>
+                        </a:spcAft>
+                      </a:pPr>
+                      <a:r>
+                        <a:rPr lang="en-IN" sz="1600" dirty="0">
+                          <a:effectLst/>
+                        </a:rPr>
+                        <a:t>Email of customer</a:t>
+                      </a:r>
+                      <a:endParaRPr lang="en-IN" sz="1100" dirty="0">
+                        <a:effectLst/>
+                        <a:latin typeface="Calibri" panose="020F0502020204030204" pitchFamily="34" charset="0"/>
+                        <a:ea typeface="Calibri" panose="020F0502020204030204" pitchFamily="34" charset="0"/>
+                        <a:cs typeface="Times New Roman" panose="02020603050405020304" pitchFamily="18" charset="0"/>
+                      </a:endParaRPr>
+                    </a:p>
+                  </a:txBody>
+                  <a:tcPr marL="68580" marR="68580" marT="0" marB="0"/>
+                </a:tc>
+                <a:tc>
+                  <a:txBody>
+                    <a:bodyPr/>
+                    <a:lstStyle/>
+                    <a:p>
+                      <a:pPr algn="just">
+                        <a:lnSpc>
+                          <a:spcPct val="115000"/>
+                        </a:lnSpc>
+                        <a:spcAft>
+                          <a:spcPts val="0"/>
+                        </a:spcAft>
+                      </a:pPr>
+                      <a:r>
+                        <a:rPr lang="en-IN" sz="1600" dirty="0">
+                          <a:effectLst/>
+                        </a:rPr>
+                        <a:t>30</a:t>
+                      </a:r>
+                      <a:endParaRPr lang="en-IN" sz="1100" dirty="0">
+                        <a:effectLst/>
+                        <a:latin typeface="Calibri" panose="020F0502020204030204" pitchFamily="34" charset="0"/>
+                        <a:ea typeface="Calibri" panose="020F0502020204030204" pitchFamily="34" charset="0"/>
+                        <a:cs typeface="Times New Roman" panose="02020603050405020304" pitchFamily="18" charset="0"/>
+                      </a:endParaRPr>
+                    </a:p>
+                  </a:txBody>
+                  <a:tcPr marL="68580" marR="68580" marT="0" marB="0"/>
+                </a:tc>
               </a:tr>
-              <a:tr h="0">
+              <a:tr h="660194">
+                <a:tc>
+                  <a:txBody>
+                    <a:bodyPr/>
+                    <a:lstStyle/>
+                    <a:p>
+                      <a:pPr algn="just">
+                        <a:lnSpc>
+                          <a:spcPct val="115000"/>
+                        </a:lnSpc>
+                        <a:spcAft>
+                          <a:spcPts val="0"/>
+                        </a:spcAft>
+                      </a:pPr>
+                      <a:r>
+                        <a:rPr lang="en-IN" sz="1600" dirty="0" err="1" smtClean="0">
+                          <a:effectLst/>
+                          <a:latin typeface="Calibri" panose="020F0502020204030204" pitchFamily="34" charset="0"/>
+                          <a:ea typeface="Calibri" panose="020F0502020204030204" pitchFamily="34" charset="0"/>
+                          <a:cs typeface="Times New Roman" panose="02020603050405020304" pitchFamily="18" charset="0"/>
+                        </a:rPr>
+                        <a:t>Phone_Number</a:t>
+                      </a:r>
+                      <a:endParaRPr lang="en-IN" sz="1600" dirty="0">
+                        <a:effectLst/>
+                        <a:latin typeface="Calibri" panose="020F0502020204030204" pitchFamily="34" charset="0"/>
+                        <a:ea typeface="Calibri" panose="020F0502020204030204" pitchFamily="34" charset="0"/>
+                        <a:cs typeface="Times New Roman" panose="02020603050405020304" pitchFamily="18" charset="0"/>
+                      </a:endParaRPr>
+                    </a:p>
+                  </a:txBody>
+                  <a:tcPr marL="68580" marR="68580" marT="0" marB="0"/>
+                </a:tc>
+                <a:tc>
+                  <a:txBody>
+                    <a:bodyPr/>
+                    <a:lstStyle/>
+                    <a:p>
+                      <a:pPr algn="just">
+                        <a:lnSpc>
+                          <a:spcPct val="115000"/>
+                        </a:lnSpc>
+                        <a:spcAft>
+                          <a:spcPts val="0"/>
+                        </a:spcAft>
+                      </a:pPr>
+                      <a:r>
+                        <a:rPr lang="en-IN" sz="1600" dirty="0" smtClean="0">
+                          <a:effectLst/>
+                          <a:latin typeface="Calibri" panose="020F0502020204030204" pitchFamily="34" charset="0"/>
+                          <a:ea typeface="Calibri" panose="020F0502020204030204" pitchFamily="34" charset="0"/>
+                          <a:cs typeface="Times New Roman" panose="02020603050405020304" pitchFamily="18" charset="0"/>
+                        </a:rPr>
+                        <a:t>Long</a:t>
+                      </a:r>
+                      <a:endParaRPr lang="en-IN" sz="1600" dirty="0">
+                        <a:effectLst/>
+                        <a:latin typeface="Calibri" panose="020F0502020204030204" pitchFamily="34" charset="0"/>
+                        <a:ea typeface="Calibri" panose="020F0502020204030204" pitchFamily="34" charset="0"/>
+                        <a:cs typeface="Times New Roman" panose="02020603050405020304" pitchFamily="18" charset="0"/>
+                      </a:endParaRPr>
+                    </a:p>
+                  </a:txBody>
+                  <a:tcPr marL="68580" marR="68580" marT="0" marB="0"/>
+                </a:tc>
+                <a:tc>
+                  <a:txBody>
+                    <a:bodyPr/>
+                    <a:lstStyle/>
+                    <a:p>
+                      <a:pPr algn="just">
+                        <a:lnSpc>
+                          <a:spcPct val="115000"/>
+                        </a:lnSpc>
+                        <a:spcAft>
+                          <a:spcPts val="0"/>
+                        </a:spcAft>
+                      </a:pPr>
+                      <a:r>
+                        <a:rPr lang="en-IN" sz="1600" dirty="0" smtClean="0">
+                          <a:effectLst/>
+                          <a:latin typeface="Calibri" panose="020F0502020204030204" pitchFamily="34" charset="0"/>
+                          <a:ea typeface="Calibri" panose="020F0502020204030204" pitchFamily="34" charset="0"/>
+                          <a:cs typeface="Times New Roman" panose="02020603050405020304" pitchFamily="18" charset="0"/>
+                        </a:rPr>
+                        <a:t>Phone Number</a:t>
+                      </a:r>
+                      <a:r>
+                        <a:rPr lang="en-IN" sz="1600" baseline="0" dirty="0" smtClean="0">
+                          <a:effectLst/>
+                          <a:latin typeface="Calibri" panose="020F0502020204030204" pitchFamily="34" charset="0"/>
+                          <a:ea typeface="Calibri" panose="020F0502020204030204" pitchFamily="34" charset="0"/>
+                          <a:cs typeface="Times New Roman" panose="02020603050405020304" pitchFamily="18" charset="0"/>
+                        </a:rPr>
+                        <a:t> of Customer</a:t>
+                      </a:r>
+                      <a:endParaRPr lang="en-IN" sz="1600" dirty="0">
+                        <a:effectLst/>
+                        <a:latin typeface="Calibri" panose="020F0502020204030204" pitchFamily="34" charset="0"/>
+                        <a:ea typeface="Calibri" panose="020F0502020204030204" pitchFamily="34" charset="0"/>
+                        <a:cs typeface="Times New Roman" panose="02020603050405020304" pitchFamily="18" charset="0"/>
+                      </a:endParaRPr>
+                    </a:p>
+                  </a:txBody>
+                  <a:tcPr marL="68580" marR="68580" marT="0" marB="0"/>
+                </a:tc>
+                <a:tc>
+                  <a:txBody>
+                    <a:bodyPr/>
+                    <a:lstStyle/>
+                    <a:p>
+                      <a:pPr algn="just">
+                        <a:lnSpc>
+                          <a:spcPct val="115000"/>
+                        </a:lnSpc>
+                        <a:spcAft>
+                          <a:spcPts val="0"/>
+                        </a:spcAft>
+                      </a:pPr>
+                      <a:r>
+                        <a:rPr lang="en-IN" sz="1600" dirty="0" smtClean="0">
+                          <a:effectLst/>
+                          <a:latin typeface="Calibri" panose="020F0502020204030204" pitchFamily="34" charset="0"/>
+                          <a:ea typeface="Calibri" panose="020F0502020204030204" pitchFamily="34" charset="0"/>
+                          <a:cs typeface="Times New Roman" panose="02020603050405020304" pitchFamily="18" charset="0"/>
+                        </a:rPr>
+                        <a:t>10</a:t>
+                      </a:r>
+                      <a:endParaRPr lang="en-IN" sz="1600" dirty="0">
+                        <a:effectLst/>
+                        <a:latin typeface="Calibri" panose="020F0502020204030204" pitchFamily="34" charset="0"/>
+                        <a:ea typeface="Calibri" panose="020F0502020204030204" pitchFamily="34" charset="0"/>
+                        <a:cs typeface="Times New Roman" panose="02020603050405020304" pitchFamily="18" charset="0"/>
+                      </a:endParaRPr>
+                    </a:p>
+                  </a:txBody>
+                  <a:tcPr marL="68580" marR="68580" marT="0" marB="0"/>
+                </a:tc>
+              </a:tr>
+              <a:tr h="618885">
                 <a:tc>
                   <a:txBody>
                     <a:bodyPr/>
@@ -5728,7 +5170,7 @@
                         <a:rPr lang="en-IN" sz="1600">
                           <a:effectLst/>
                         </a:rPr>
-                        <a:t>Service man name</a:t>
+                        <a:t>Password</a:t>
                       </a:r>
                       <a:endParaRPr lang="en-IN" sz="1100">
                         <a:effectLst/>
@@ -5754,277 +5196,165 @@
                         </a:spcAft>
                       </a:pPr>
                       <a:r>
+                        <a:rPr lang="en-IN" sz="1600" dirty="0">
+                          <a:effectLst/>
+                        </a:rPr>
+                        <a:t>Varchar2</a:t>
+                      </a:r>
+                      <a:endParaRPr lang="en-IN" sz="1100" dirty="0">
+                        <a:effectLst/>
+                        <a:latin typeface="Calibri" panose="020F0502020204030204" pitchFamily="34" charset="0"/>
+                        <a:ea typeface="Calibri" panose="020F0502020204030204" pitchFamily="34" charset="0"/>
+                        <a:cs typeface="Times New Roman" panose="02020603050405020304" pitchFamily="18" charset="0"/>
+                      </a:endParaRPr>
+                    </a:p>
+                  </a:txBody>
+                  <a:tcPr marL="68580" marR="68580" marT="0" marB="0"/>
+                </a:tc>
+                <a:tc>
+                  <a:txBody>
+                    <a:bodyPr/>
+                    <a:lstStyle/>
+                    <a:p>
+                      <a:pPr algn="just">
+                        <a:lnSpc>
+                          <a:spcPct val="115000"/>
+                        </a:lnSpc>
+                        <a:spcAft>
+                          <a:spcPts val="0"/>
+                        </a:spcAft>
+                      </a:pPr>
+                      <a:r>
                         <a:rPr lang="en-IN" sz="1600">
                           <a:effectLst/>
                         </a:rPr>
+                        <a:t>Create password</a:t>
+                      </a:r>
+                      <a:endParaRPr lang="en-IN" sz="1100">
+                        <a:effectLst/>
+                        <a:latin typeface="Calibri" panose="020F0502020204030204" pitchFamily="34" charset="0"/>
+                        <a:ea typeface="Calibri" panose="020F0502020204030204" pitchFamily="34" charset="0"/>
+                        <a:cs typeface="Times New Roman" panose="02020603050405020304" pitchFamily="18" charset="0"/>
+                      </a:endParaRPr>
+                    </a:p>
+                  </a:txBody>
+                  <a:tcPr marL="68580" marR="68580" marT="0" marB="0"/>
+                </a:tc>
+                <a:tc>
+                  <a:txBody>
+                    <a:bodyPr/>
+                    <a:lstStyle/>
+                    <a:p>
+                      <a:pPr algn="just">
+                        <a:lnSpc>
+                          <a:spcPct val="115000"/>
+                        </a:lnSpc>
+                        <a:spcAft>
+                          <a:spcPts val="0"/>
+                        </a:spcAft>
+                      </a:pPr>
+                      <a:r>
+                        <a:rPr lang="en-IN" sz="1600" dirty="0" smtClean="0">
+                          <a:effectLst/>
+                        </a:rPr>
+                        <a:t>20</a:t>
+                      </a:r>
+                      <a:endParaRPr lang="en-IN" sz="1100" dirty="0">
+                        <a:effectLst/>
+                        <a:latin typeface="Calibri" panose="020F0502020204030204" pitchFamily="34" charset="0"/>
+                        <a:ea typeface="Calibri" panose="020F0502020204030204" pitchFamily="34" charset="0"/>
+                        <a:cs typeface="Times New Roman" panose="02020603050405020304" pitchFamily="18" charset="0"/>
+                      </a:endParaRPr>
+                    </a:p>
+                  </a:txBody>
+                  <a:tcPr marL="68580" marR="68580" marT="0" marB="0"/>
+                </a:tc>
+              </a:tr>
+              <a:tr h="769565">
+                <a:tc>
+                  <a:txBody>
+                    <a:bodyPr/>
+                    <a:lstStyle/>
+                    <a:p>
+                      <a:pPr algn="just">
+                        <a:lnSpc>
+                          <a:spcPct val="115000"/>
+                        </a:lnSpc>
+                        <a:spcAft>
+                          <a:spcPts val="0"/>
+                        </a:spcAft>
+                      </a:pPr>
+                      <a:r>
+                        <a:rPr lang="en-IN" sz="1600" dirty="0" smtClean="0">
+                          <a:effectLst/>
+                        </a:rPr>
+                        <a:t>Address</a:t>
+                      </a:r>
+                      <a:endParaRPr lang="en-IN" sz="1100" dirty="0">
+                        <a:effectLst/>
+                        <a:latin typeface="Calibri" panose="020F0502020204030204" pitchFamily="34" charset="0"/>
+                        <a:ea typeface="Calibri" panose="020F0502020204030204" pitchFamily="34" charset="0"/>
+                        <a:cs typeface="Times New Roman" panose="02020603050405020304" pitchFamily="18" charset="0"/>
+                      </a:endParaRPr>
+                    </a:p>
+                  </a:txBody>
+                  <a:tcPr marL="68580" marR="68580" marT="0" marB="0"/>
+                </a:tc>
+                <a:tc>
+                  <a:txBody>
+                    <a:bodyPr/>
+                    <a:lstStyle/>
+                    <a:p>
+                      <a:pPr algn="just">
+                        <a:lnSpc>
+                          <a:spcPct val="115000"/>
+                        </a:lnSpc>
+                        <a:spcAft>
+                          <a:spcPts val="0"/>
+                        </a:spcAft>
+                      </a:pPr>
+                      <a:r>
+                        <a:rPr lang="en-IN" sz="1600" dirty="0">
+                          <a:effectLst/>
+                        </a:rPr>
                         <a:t>Varchar2</a:t>
                       </a:r>
-                      <a:endParaRPr lang="en-IN" sz="1100">
-                        <a:effectLst/>
-                        <a:latin typeface="Calibri" panose="020F0502020204030204" pitchFamily="34" charset="0"/>
-                        <a:ea typeface="Calibri" panose="020F0502020204030204" pitchFamily="34" charset="0"/>
-                        <a:cs typeface="Times New Roman" panose="02020603050405020304" pitchFamily="18" charset="0"/>
-                      </a:endParaRPr>
-                    </a:p>
-                  </a:txBody>
-                  <a:tcPr marL="68580" marR="68580" marT="0" marB="0"/>
-                </a:tc>
-                <a:tc>
-                  <a:txBody>
-                    <a:bodyPr/>
-                    <a:lstStyle/>
-                    <a:p>
-                      <a:pPr algn="just">
-                        <a:lnSpc>
-                          <a:spcPct val="115000"/>
-                        </a:lnSpc>
-                        <a:spcAft>
-                          <a:spcPts val="0"/>
-                        </a:spcAft>
-                      </a:pPr>
-                      <a:r>
-                        <a:rPr lang="en-IN" sz="1600">
-                          <a:effectLst/>
-                        </a:rPr>
-                        <a:t>Name of service man</a:t>
-                      </a:r>
-                      <a:endParaRPr lang="en-IN" sz="1100">
-                        <a:effectLst/>
-                        <a:latin typeface="Calibri" panose="020F0502020204030204" pitchFamily="34" charset="0"/>
-                        <a:ea typeface="Calibri" panose="020F0502020204030204" pitchFamily="34" charset="0"/>
-                        <a:cs typeface="Times New Roman" panose="02020603050405020304" pitchFamily="18" charset="0"/>
-                      </a:endParaRPr>
-                    </a:p>
-                  </a:txBody>
-                  <a:tcPr marL="68580" marR="68580" marT="0" marB="0"/>
-                </a:tc>
-                <a:tc>
-                  <a:txBody>
-                    <a:bodyPr/>
-                    <a:lstStyle/>
-                    <a:p>
-                      <a:pPr algn="just">
-                        <a:lnSpc>
-                          <a:spcPct val="115000"/>
-                        </a:lnSpc>
-                        <a:spcAft>
-                          <a:spcPts val="0"/>
-                        </a:spcAft>
-                      </a:pPr>
-                      <a:r>
-                        <a:rPr lang="en-IN" sz="1600">
-                          <a:effectLst/>
-                        </a:rPr>
-                        <a:t>20</a:t>
-                      </a:r>
-                      <a:endParaRPr lang="en-IN" sz="1100">
-                        <a:effectLst/>
-                        <a:latin typeface="Calibri" panose="020F0502020204030204" pitchFamily="34" charset="0"/>
-                        <a:ea typeface="Calibri" panose="020F0502020204030204" pitchFamily="34" charset="0"/>
-                        <a:cs typeface="Times New Roman" panose="02020603050405020304" pitchFamily="18" charset="0"/>
-                      </a:endParaRPr>
-                    </a:p>
-                  </a:txBody>
-                  <a:tcPr marL="68580" marR="68580" marT="0" marB="0"/>
-                </a:tc>
-              </a:tr>
-              <a:tr h="0">
-                <a:tc>
-                  <a:txBody>
-                    <a:bodyPr/>
-                    <a:lstStyle/>
-                    <a:p>
-                      <a:pPr algn="just">
-                        <a:lnSpc>
-                          <a:spcPct val="115000"/>
-                        </a:lnSpc>
-                        <a:spcAft>
-                          <a:spcPts val="0"/>
-                        </a:spcAft>
-                      </a:pPr>
-                      <a:r>
-                        <a:rPr lang="en-IN" sz="1600">
-                          <a:effectLst/>
-                        </a:rPr>
-                        <a:t>Service man mobile no</a:t>
-                      </a:r>
-                      <a:endParaRPr lang="en-IN" sz="1100">
-                        <a:effectLst/>
-                        <a:latin typeface="Calibri" panose="020F0502020204030204" pitchFamily="34" charset="0"/>
-                        <a:ea typeface="Calibri" panose="020F0502020204030204" pitchFamily="34" charset="0"/>
-                        <a:cs typeface="Times New Roman" panose="02020603050405020304" pitchFamily="18" charset="0"/>
-                      </a:endParaRPr>
-                    </a:p>
-                  </a:txBody>
-                  <a:tcPr marL="68580" marR="68580" marT="0" marB="0"/>
-                </a:tc>
-                <a:tc>
-                  <a:txBody>
-                    <a:bodyPr/>
-                    <a:lstStyle/>
-                    <a:p>
-                      <a:pPr algn="just">
-                        <a:lnSpc>
-                          <a:spcPct val="115000"/>
-                        </a:lnSpc>
-                        <a:spcAft>
-                          <a:spcPts val="0"/>
-                        </a:spcAft>
-                      </a:pPr>
-                      <a:r>
-                        <a:rPr lang="en-IN" sz="1600">
-                          <a:effectLst/>
-                        </a:rPr>
-                        <a:t>Varchar2</a:t>
-                      </a:r>
-                      <a:endParaRPr lang="en-IN" sz="1100">
-                        <a:effectLst/>
-                        <a:latin typeface="Calibri" panose="020F0502020204030204" pitchFamily="34" charset="0"/>
-                        <a:ea typeface="Calibri" panose="020F0502020204030204" pitchFamily="34" charset="0"/>
-                        <a:cs typeface="Times New Roman" panose="02020603050405020304" pitchFamily="18" charset="0"/>
-                      </a:endParaRPr>
-                    </a:p>
-                  </a:txBody>
-                  <a:tcPr marL="68580" marR="68580" marT="0" marB="0"/>
-                </a:tc>
-                <a:tc>
-                  <a:txBody>
-                    <a:bodyPr/>
-                    <a:lstStyle/>
-                    <a:p>
-                      <a:pPr algn="just">
-                        <a:lnSpc>
-                          <a:spcPct val="115000"/>
-                        </a:lnSpc>
-                        <a:spcAft>
-                          <a:spcPts val="0"/>
-                        </a:spcAft>
-                      </a:pPr>
-                      <a:r>
-                        <a:rPr lang="en-IN" sz="1600">
-                          <a:effectLst/>
-                        </a:rPr>
-                        <a:t>Mobile no of service man</a:t>
-                      </a:r>
-                      <a:endParaRPr lang="en-IN" sz="1100">
-                        <a:effectLst/>
-                        <a:latin typeface="Calibri" panose="020F0502020204030204" pitchFamily="34" charset="0"/>
-                        <a:ea typeface="Calibri" panose="020F0502020204030204" pitchFamily="34" charset="0"/>
-                        <a:cs typeface="Times New Roman" panose="02020603050405020304" pitchFamily="18" charset="0"/>
-                      </a:endParaRPr>
-                    </a:p>
-                  </a:txBody>
-                  <a:tcPr marL="68580" marR="68580" marT="0" marB="0"/>
-                </a:tc>
-                <a:tc>
-                  <a:txBody>
-                    <a:bodyPr/>
-                    <a:lstStyle/>
-                    <a:p>
-                      <a:pPr algn="just">
-                        <a:lnSpc>
-                          <a:spcPct val="115000"/>
-                        </a:lnSpc>
-                        <a:spcAft>
-                          <a:spcPts val="0"/>
-                        </a:spcAft>
-                      </a:pPr>
-                      <a:r>
-                        <a:rPr lang="en-IN" sz="1600">
-                          <a:effectLst/>
-                        </a:rPr>
-                        <a:t>20</a:t>
-                      </a:r>
-                      <a:endParaRPr lang="en-IN" sz="1100">
-                        <a:effectLst/>
-                        <a:latin typeface="Calibri" panose="020F0502020204030204" pitchFamily="34" charset="0"/>
-                        <a:ea typeface="Calibri" panose="020F0502020204030204" pitchFamily="34" charset="0"/>
-                        <a:cs typeface="Times New Roman" panose="02020603050405020304" pitchFamily="18" charset="0"/>
-                      </a:endParaRPr>
-                    </a:p>
-                  </a:txBody>
-                  <a:tcPr marL="68580" marR="68580" marT="0" marB="0"/>
-                </a:tc>
-              </a:tr>
-              <a:tr h="0">
-                <a:tc>
-                  <a:txBody>
-                    <a:bodyPr/>
-                    <a:lstStyle/>
-                    <a:p>
-                      <a:pPr algn="just">
-                        <a:lnSpc>
-                          <a:spcPct val="115000"/>
-                        </a:lnSpc>
-                        <a:spcAft>
-                          <a:spcPts val="0"/>
-                        </a:spcAft>
-                      </a:pPr>
-                      <a:r>
-                        <a:rPr lang="en-IN" sz="1600">
-                          <a:effectLst/>
-                        </a:rPr>
-                        <a:t>Service man id number</a:t>
-                      </a:r>
-                      <a:endParaRPr lang="en-IN" sz="1100">
-                        <a:effectLst/>
-                        <a:latin typeface="Calibri" panose="020F0502020204030204" pitchFamily="34" charset="0"/>
-                        <a:ea typeface="Calibri" panose="020F0502020204030204" pitchFamily="34" charset="0"/>
-                        <a:cs typeface="Times New Roman" panose="02020603050405020304" pitchFamily="18" charset="0"/>
-                      </a:endParaRPr>
-                    </a:p>
-                  </a:txBody>
-                  <a:tcPr marL="68580" marR="68580" marT="0" marB="0"/>
-                </a:tc>
-                <a:tc>
-                  <a:txBody>
-                    <a:bodyPr/>
-                    <a:lstStyle/>
-                    <a:p>
-                      <a:pPr algn="just">
-                        <a:lnSpc>
-                          <a:spcPct val="115000"/>
-                        </a:lnSpc>
-                        <a:spcAft>
-                          <a:spcPts val="0"/>
-                        </a:spcAft>
-                      </a:pPr>
-                      <a:r>
-                        <a:rPr lang="en-IN" sz="1600">
-                          <a:effectLst/>
-                        </a:rPr>
-                        <a:t>number</a:t>
-                      </a:r>
-                      <a:endParaRPr lang="en-IN" sz="1100">
-                        <a:effectLst/>
-                        <a:latin typeface="Calibri" panose="020F0502020204030204" pitchFamily="34" charset="0"/>
-                        <a:ea typeface="Calibri" panose="020F0502020204030204" pitchFamily="34" charset="0"/>
-                        <a:cs typeface="Times New Roman" panose="02020603050405020304" pitchFamily="18" charset="0"/>
-                      </a:endParaRPr>
-                    </a:p>
-                  </a:txBody>
-                  <a:tcPr marL="68580" marR="68580" marT="0" marB="0"/>
-                </a:tc>
-                <a:tc>
-                  <a:txBody>
-                    <a:bodyPr/>
-                    <a:lstStyle/>
-                    <a:p>
-                      <a:pPr algn="just">
-                        <a:lnSpc>
-                          <a:spcPct val="115000"/>
-                        </a:lnSpc>
-                        <a:spcAft>
-                          <a:spcPts val="0"/>
-                        </a:spcAft>
-                      </a:pPr>
-                      <a:r>
-                        <a:rPr lang="en-IN" sz="1600">
-                          <a:effectLst/>
-                        </a:rPr>
-                        <a:t>Id number of service man</a:t>
-                      </a:r>
-                      <a:endParaRPr lang="en-IN" sz="1100">
+                      <a:endParaRPr lang="en-IN" sz="1100" dirty="0">
+                        <a:effectLst/>
+                        <a:latin typeface="Calibri" panose="020F0502020204030204" pitchFamily="34" charset="0"/>
+                        <a:ea typeface="Calibri" panose="020F0502020204030204" pitchFamily="34" charset="0"/>
+                        <a:cs typeface="Times New Roman" panose="02020603050405020304" pitchFamily="18" charset="0"/>
+                      </a:endParaRPr>
+                    </a:p>
+                  </a:txBody>
+                  <a:tcPr marL="68580" marR="68580" marT="0" marB="0"/>
+                </a:tc>
+                <a:tc>
+                  <a:txBody>
+                    <a:bodyPr/>
+                    <a:lstStyle/>
+                    <a:p>
+                      <a:pPr algn="just">
+                        <a:lnSpc>
+                          <a:spcPct val="115000"/>
+                        </a:lnSpc>
+                        <a:spcAft>
+                          <a:spcPts val="0"/>
+                        </a:spcAft>
+                      </a:pPr>
+                      <a:r>
+                        <a:rPr lang="en-IN" sz="1600" dirty="0">
+                          <a:effectLst/>
+                        </a:rPr>
+                        <a:t>Customer’s </a:t>
+                      </a:r>
+                      <a:r>
+                        <a:rPr lang="en-IN" sz="1600" dirty="0" smtClean="0">
+                          <a:effectLst/>
+                        </a:rPr>
+                        <a:t>Address</a:t>
+                      </a:r>
+                      <a:endParaRPr lang="en-IN" sz="1100" dirty="0">
                         <a:effectLst/>
                         <a:latin typeface="Calibri" panose="020F0502020204030204" pitchFamily="34" charset="0"/>
                         <a:ea typeface="Calibri" panose="020F0502020204030204" pitchFamily="34" charset="0"/>
@@ -6068,691 +5398,45 @@
           </a:graphicData>
         </a:graphic>
       </p:graphicFrame>
-      <p:graphicFrame>
-        <p:nvGraphicFramePr>
-          <p:cNvPr id="9" name="Table 8"/>
-          <p:cNvGraphicFramePr>
-            <a:graphicFrameLocks noGrp="1"/>
-          </p:cNvGraphicFramePr>
-          <p:nvPr>
-            <p:extLst>
-              <p:ext uri="{D42A27DB-BD31-4B8C-83A1-F6EECF244321}">
-                <p14:modId xmlns:p14="http://schemas.microsoft.com/office/powerpoint/2010/main" val="3111964465"/>
-              </p:ext>
-            </p:extLst>
-          </p:nvPr>
-        </p:nvGraphicFramePr>
-        <p:xfrm>
-          <a:off x="3111814" y="3835331"/>
-          <a:ext cx="5868670" cy="2311973"/>
-        </p:xfrm>
-        <a:graphic>
-          <a:graphicData uri="http://schemas.openxmlformats.org/drawingml/2006/table">
-            <a:tbl>
-              <a:tblPr firstRow="1" firstCol="1" bandRow="1">
-                <a:tableStyleId>{5C22544A-7EE6-4342-B048-85BDC9FD1C3A}</a:tableStyleId>
-              </a:tblPr>
-              <a:tblGrid>
-                <a:gridCol w="1466850"/>
-                <a:gridCol w="1466850"/>
-                <a:gridCol w="1467485"/>
-                <a:gridCol w="1467485"/>
-              </a:tblGrid>
-              <a:tr h="349061">
-                <a:tc>
-                  <a:txBody>
-                    <a:bodyPr/>
-                    <a:lstStyle/>
-                    <a:p>
-                      <a:pPr algn="just">
-                        <a:lnSpc>
-                          <a:spcPct val="115000"/>
-                        </a:lnSpc>
-                        <a:spcAft>
-                          <a:spcPts val="0"/>
-                        </a:spcAft>
-                      </a:pPr>
-                      <a:r>
-                        <a:rPr lang="en-IN" sz="1600">
-                          <a:effectLst/>
-                        </a:rPr>
-                        <a:t>Attribute</a:t>
-                      </a:r>
-                      <a:endParaRPr lang="en-IN" sz="1100">
-                        <a:effectLst/>
-                        <a:latin typeface="Calibri" panose="020F0502020204030204" pitchFamily="34" charset="0"/>
-                        <a:ea typeface="Calibri" panose="020F0502020204030204" pitchFamily="34" charset="0"/>
-                        <a:cs typeface="Times New Roman" panose="02020603050405020304" pitchFamily="18" charset="0"/>
-                      </a:endParaRPr>
-                    </a:p>
-                  </a:txBody>
-                  <a:tcPr marL="68580" marR="68580" marT="0" marB="0"/>
-                </a:tc>
-                <a:tc>
-                  <a:txBody>
-                    <a:bodyPr/>
-                    <a:lstStyle/>
-                    <a:p>
-                      <a:pPr algn="just">
-                        <a:lnSpc>
-                          <a:spcPct val="115000"/>
-                        </a:lnSpc>
-                        <a:spcAft>
-                          <a:spcPts val="0"/>
-                        </a:spcAft>
-                      </a:pPr>
-                      <a:r>
-                        <a:rPr lang="en-IN" sz="1600">
-                          <a:effectLst/>
-                        </a:rPr>
-                        <a:t>Data Type</a:t>
-                      </a:r>
-                      <a:endParaRPr lang="en-IN" sz="1100">
-                        <a:effectLst/>
-                        <a:latin typeface="Calibri" panose="020F0502020204030204" pitchFamily="34" charset="0"/>
-                        <a:ea typeface="Calibri" panose="020F0502020204030204" pitchFamily="34" charset="0"/>
-                        <a:cs typeface="Times New Roman" panose="02020603050405020304" pitchFamily="18" charset="0"/>
-                      </a:endParaRPr>
-                    </a:p>
-                  </a:txBody>
-                  <a:tcPr marL="68580" marR="68580" marT="0" marB="0"/>
-                </a:tc>
-                <a:tc>
-                  <a:txBody>
-                    <a:bodyPr/>
-                    <a:lstStyle/>
-                    <a:p>
-                      <a:pPr algn="just">
-                        <a:lnSpc>
-                          <a:spcPct val="115000"/>
-                        </a:lnSpc>
-                        <a:spcAft>
-                          <a:spcPts val="0"/>
-                        </a:spcAft>
-                      </a:pPr>
-                      <a:r>
-                        <a:rPr lang="en-IN" sz="1600">
-                          <a:effectLst/>
-                        </a:rPr>
-                        <a:t>Description</a:t>
-                      </a:r>
-                      <a:endParaRPr lang="en-IN" sz="1100">
-                        <a:effectLst/>
-                        <a:latin typeface="Calibri" panose="020F0502020204030204" pitchFamily="34" charset="0"/>
-                        <a:ea typeface="Calibri" panose="020F0502020204030204" pitchFamily="34" charset="0"/>
-                        <a:cs typeface="Times New Roman" panose="02020603050405020304" pitchFamily="18" charset="0"/>
-                      </a:endParaRPr>
-                    </a:p>
-                  </a:txBody>
-                  <a:tcPr marL="68580" marR="68580" marT="0" marB="0"/>
-                </a:tc>
-                <a:tc>
-                  <a:txBody>
-                    <a:bodyPr/>
-                    <a:lstStyle/>
-                    <a:p>
-                      <a:pPr algn="just">
-                        <a:lnSpc>
-                          <a:spcPct val="115000"/>
-                        </a:lnSpc>
-                        <a:spcAft>
-                          <a:spcPts val="0"/>
-                        </a:spcAft>
-                      </a:pPr>
-                      <a:r>
-                        <a:rPr lang="en-IN" sz="1600">
-                          <a:effectLst/>
-                        </a:rPr>
-                        <a:t>Size</a:t>
-                      </a:r>
-                      <a:endParaRPr lang="en-IN" sz="1100">
-                        <a:effectLst/>
-                        <a:latin typeface="Calibri" panose="020F0502020204030204" pitchFamily="34" charset="0"/>
-                        <a:ea typeface="Calibri" panose="020F0502020204030204" pitchFamily="34" charset="0"/>
-                        <a:cs typeface="Times New Roman" panose="02020603050405020304" pitchFamily="18" charset="0"/>
-                      </a:endParaRPr>
-                    </a:p>
-                  </a:txBody>
-                  <a:tcPr marL="68580" marR="68580" marT="0" marB="0"/>
-                </a:tc>
-              </a:tr>
-              <a:tr h="0">
-                <a:tc>
-                  <a:txBody>
-                    <a:bodyPr/>
-                    <a:lstStyle/>
-                    <a:p>
-                      <a:pPr algn="just">
-                        <a:lnSpc>
-                          <a:spcPct val="115000"/>
-                        </a:lnSpc>
-                        <a:spcAft>
-                          <a:spcPts val="0"/>
-                        </a:spcAft>
-                      </a:pPr>
-                      <a:r>
-                        <a:rPr lang="en-IN" sz="1600">
-                          <a:effectLst/>
-                        </a:rPr>
-                        <a:t>Service </a:t>
-                      </a:r>
-                      <a:endParaRPr lang="en-IN" sz="1100">
-                        <a:effectLst/>
-                      </a:endParaRPr>
-                    </a:p>
-                    <a:p>
-                      <a:pPr algn="just">
-                        <a:lnSpc>
-                          <a:spcPct val="115000"/>
-                        </a:lnSpc>
-                        <a:spcAft>
-                          <a:spcPts val="0"/>
-                        </a:spcAft>
-                      </a:pPr>
-                      <a:r>
-                        <a:rPr lang="en-IN" sz="1600">
-                          <a:effectLst/>
-                        </a:rPr>
-                        <a:t>name</a:t>
-                      </a:r>
-                      <a:endParaRPr lang="en-IN" sz="1100">
-                        <a:effectLst/>
-                        <a:latin typeface="Calibri" panose="020F0502020204030204" pitchFamily="34" charset="0"/>
-                        <a:ea typeface="Calibri" panose="020F0502020204030204" pitchFamily="34" charset="0"/>
-                        <a:cs typeface="Times New Roman" panose="02020603050405020304" pitchFamily="18" charset="0"/>
-                      </a:endParaRPr>
-                    </a:p>
-                  </a:txBody>
-                  <a:tcPr marL="68580" marR="68580" marT="0" marB="0"/>
-                </a:tc>
-                <a:tc>
-                  <a:txBody>
-                    <a:bodyPr/>
-                    <a:lstStyle/>
-                    <a:p>
-                      <a:pPr algn="just">
-                        <a:lnSpc>
-                          <a:spcPct val="115000"/>
-                        </a:lnSpc>
-                        <a:spcAft>
-                          <a:spcPts val="0"/>
-                        </a:spcAft>
-                      </a:pPr>
-                      <a:r>
-                        <a:rPr lang="en-IN" sz="1600">
-                          <a:effectLst/>
-                        </a:rPr>
-                        <a:t>Varchar2</a:t>
-                      </a:r>
-                      <a:endParaRPr lang="en-IN" sz="1100">
-                        <a:effectLst/>
-                        <a:latin typeface="Calibri" panose="020F0502020204030204" pitchFamily="34" charset="0"/>
-                        <a:ea typeface="Calibri" panose="020F0502020204030204" pitchFamily="34" charset="0"/>
-                        <a:cs typeface="Times New Roman" panose="02020603050405020304" pitchFamily="18" charset="0"/>
-                      </a:endParaRPr>
-                    </a:p>
-                  </a:txBody>
-                  <a:tcPr marL="68580" marR="68580" marT="0" marB="0"/>
-                </a:tc>
-                <a:tc>
-                  <a:txBody>
-                    <a:bodyPr/>
-                    <a:lstStyle/>
-                    <a:p>
-                      <a:pPr algn="just">
-                        <a:lnSpc>
-                          <a:spcPct val="115000"/>
-                        </a:lnSpc>
-                        <a:spcAft>
-                          <a:spcPts val="0"/>
-                        </a:spcAft>
-                      </a:pPr>
-                      <a:r>
-                        <a:rPr lang="en-IN" sz="1600">
-                          <a:effectLst/>
-                        </a:rPr>
-                        <a:t>Name of service</a:t>
-                      </a:r>
-                      <a:endParaRPr lang="en-IN" sz="1100">
-                        <a:effectLst/>
-                        <a:latin typeface="Calibri" panose="020F0502020204030204" pitchFamily="34" charset="0"/>
-                        <a:ea typeface="Calibri" panose="020F0502020204030204" pitchFamily="34" charset="0"/>
-                        <a:cs typeface="Times New Roman" panose="02020603050405020304" pitchFamily="18" charset="0"/>
-                      </a:endParaRPr>
-                    </a:p>
-                  </a:txBody>
-                  <a:tcPr marL="68580" marR="68580" marT="0" marB="0"/>
-                </a:tc>
-                <a:tc>
-                  <a:txBody>
-                    <a:bodyPr/>
-                    <a:lstStyle/>
-                    <a:p>
-                      <a:pPr algn="just">
-                        <a:lnSpc>
-                          <a:spcPct val="115000"/>
-                        </a:lnSpc>
-                        <a:spcAft>
-                          <a:spcPts val="0"/>
-                        </a:spcAft>
-                      </a:pPr>
-                      <a:r>
-                        <a:rPr lang="en-IN" sz="1600">
-                          <a:effectLst/>
-                        </a:rPr>
-                        <a:t>20</a:t>
-                      </a:r>
-                      <a:endParaRPr lang="en-IN" sz="1100">
-                        <a:effectLst/>
-                        <a:latin typeface="Calibri" panose="020F0502020204030204" pitchFamily="34" charset="0"/>
-                        <a:ea typeface="Calibri" panose="020F0502020204030204" pitchFamily="34" charset="0"/>
-                        <a:cs typeface="Times New Roman" panose="02020603050405020304" pitchFamily="18" charset="0"/>
-                      </a:endParaRPr>
-                    </a:p>
-                  </a:txBody>
-                  <a:tcPr marL="68580" marR="68580" marT="0" marB="0"/>
-                </a:tc>
-              </a:tr>
-              <a:tr h="0">
-                <a:tc>
-                  <a:txBody>
-                    <a:bodyPr/>
-                    <a:lstStyle/>
-                    <a:p>
-                      <a:pPr algn="just">
-                        <a:lnSpc>
-                          <a:spcPct val="115000"/>
-                        </a:lnSpc>
-                        <a:spcAft>
-                          <a:spcPts val="0"/>
-                        </a:spcAft>
-                      </a:pPr>
-                      <a:r>
-                        <a:rPr lang="en-IN" sz="1600">
-                          <a:effectLst/>
-                        </a:rPr>
-                        <a:t>Service</a:t>
-                      </a:r>
-                      <a:endParaRPr lang="en-IN" sz="1100">
-                        <a:effectLst/>
-                      </a:endParaRPr>
-                    </a:p>
-                    <a:p>
-                      <a:pPr algn="just">
-                        <a:lnSpc>
-                          <a:spcPct val="115000"/>
-                        </a:lnSpc>
-                        <a:spcAft>
-                          <a:spcPts val="0"/>
-                        </a:spcAft>
-                      </a:pPr>
-                      <a:r>
-                        <a:rPr lang="en-IN" sz="1600">
-                          <a:effectLst/>
-                        </a:rPr>
-                        <a:t> id</a:t>
-                      </a:r>
-                      <a:endParaRPr lang="en-IN" sz="1100">
-                        <a:effectLst/>
-                        <a:latin typeface="Calibri" panose="020F0502020204030204" pitchFamily="34" charset="0"/>
-                        <a:ea typeface="Calibri" panose="020F0502020204030204" pitchFamily="34" charset="0"/>
-                        <a:cs typeface="Times New Roman" panose="02020603050405020304" pitchFamily="18" charset="0"/>
-                      </a:endParaRPr>
-                    </a:p>
-                  </a:txBody>
-                  <a:tcPr marL="68580" marR="68580" marT="0" marB="0"/>
-                </a:tc>
-                <a:tc>
-                  <a:txBody>
-                    <a:bodyPr/>
-                    <a:lstStyle/>
-                    <a:p>
-                      <a:pPr algn="just">
-                        <a:lnSpc>
-                          <a:spcPct val="115000"/>
-                        </a:lnSpc>
-                        <a:spcAft>
-                          <a:spcPts val="0"/>
-                        </a:spcAft>
-                      </a:pPr>
-                      <a:r>
-                        <a:rPr lang="en-IN" sz="1600">
-                          <a:effectLst/>
-                        </a:rPr>
-                        <a:t>Number</a:t>
-                      </a:r>
-                      <a:endParaRPr lang="en-IN" sz="1100">
-                        <a:effectLst/>
-                        <a:latin typeface="Calibri" panose="020F0502020204030204" pitchFamily="34" charset="0"/>
-                        <a:ea typeface="Calibri" panose="020F0502020204030204" pitchFamily="34" charset="0"/>
-                        <a:cs typeface="Times New Roman" panose="02020603050405020304" pitchFamily="18" charset="0"/>
-                      </a:endParaRPr>
-                    </a:p>
-                  </a:txBody>
-                  <a:tcPr marL="68580" marR="68580" marT="0" marB="0"/>
-                </a:tc>
-                <a:tc>
-                  <a:txBody>
-                    <a:bodyPr/>
-                    <a:lstStyle/>
-                    <a:p>
-                      <a:pPr algn="just">
-                        <a:lnSpc>
-                          <a:spcPct val="115000"/>
-                        </a:lnSpc>
-                        <a:spcAft>
-                          <a:spcPts val="0"/>
-                        </a:spcAft>
-                      </a:pPr>
-                      <a:r>
-                        <a:rPr lang="en-IN" sz="1600">
-                          <a:effectLst/>
-                        </a:rPr>
-                        <a:t>Id of service</a:t>
-                      </a:r>
-                      <a:endParaRPr lang="en-IN" sz="1100">
-                        <a:effectLst/>
-                        <a:latin typeface="Calibri" panose="020F0502020204030204" pitchFamily="34" charset="0"/>
-                        <a:ea typeface="Calibri" panose="020F0502020204030204" pitchFamily="34" charset="0"/>
-                        <a:cs typeface="Times New Roman" panose="02020603050405020304" pitchFamily="18" charset="0"/>
-                      </a:endParaRPr>
-                    </a:p>
-                  </a:txBody>
-                  <a:tcPr marL="68580" marR="68580" marT="0" marB="0"/>
-                </a:tc>
-                <a:tc>
-                  <a:txBody>
-                    <a:bodyPr/>
-                    <a:lstStyle/>
-                    <a:p>
-                      <a:pPr algn="just">
-                        <a:lnSpc>
-                          <a:spcPct val="115000"/>
-                        </a:lnSpc>
-                        <a:spcAft>
-                          <a:spcPts val="0"/>
-                        </a:spcAft>
-                      </a:pPr>
-                      <a:r>
-                        <a:rPr lang="en-IN" sz="1600">
-                          <a:effectLst/>
-                        </a:rPr>
-                        <a:t>20</a:t>
-                      </a:r>
-                      <a:endParaRPr lang="en-IN" sz="1100">
-                        <a:effectLst/>
-                        <a:latin typeface="Calibri" panose="020F0502020204030204" pitchFamily="34" charset="0"/>
-                        <a:ea typeface="Calibri" panose="020F0502020204030204" pitchFamily="34" charset="0"/>
-                        <a:cs typeface="Times New Roman" panose="02020603050405020304" pitchFamily="18" charset="0"/>
-                      </a:endParaRPr>
-                    </a:p>
-                  </a:txBody>
-                  <a:tcPr marL="68580" marR="68580" marT="0" marB="0"/>
-                </a:tc>
-              </a:tr>
-              <a:tr h="0">
-                <a:tc>
-                  <a:txBody>
-                    <a:bodyPr/>
-                    <a:lstStyle/>
-                    <a:p>
-                      <a:pPr algn="just">
-                        <a:lnSpc>
-                          <a:spcPct val="115000"/>
-                        </a:lnSpc>
-                        <a:spcAft>
-                          <a:spcPts val="0"/>
-                        </a:spcAft>
-                      </a:pPr>
-                      <a:r>
-                        <a:rPr lang="en-IN" sz="1600">
-                          <a:effectLst/>
-                        </a:rPr>
-                        <a:t>price</a:t>
-                      </a:r>
-                      <a:endParaRPr lang="en-IN" sz="1100">
-                        <a:effectLst/>
-                        <a:latin typeface="Calibri" panose="020F0502020204030204" pitchFamily="34" charset="0"/>
-                        <a:ea typeface="Calibri" panose="020F0502020204030204" pitchFamily="34" charset="0"/>
-                        <a:cs typeface="Times New Roman" panose="02020603050405020304" pitchFamily="18" charset="0"/>
-                      </a:endParaRPr>
-                    </a:p>
-                  </a:txBody>
-                  <a:tcPr marL="68580" marR="68580" marT="0" marB="0"/>
-                </a:tc>
-                <a:tc>
-                  <a:txBody>
-                    <a:bodyPr/>
-                    <a:lstStyle/>
-                    <a:p>
-                      <a:pPr algn="just">
-                        <a:lnSpc>
-                          <a:spcPct val="115000"/>
-                        </a:lnSpc>
-                        <a:spcAft>
-                          <a:spcPts val="0"/>
-                        </a:spcAft>
-                      </a:pPr>
-                      <a:r>
-                        <a:rPr lang="en-IN" sz="1600">
-                          <a:effectLst/>
-                        </a:rPr>
-                        <a:t>Number</a:t>
-                      </a:r>
-                      <a:endParaRPr lang="en-IN" sz="1100">
-                        <a:effectLst/>
-                        <a:latin typeface="Calibri" panose="020F0502020204030204" pitchFamily="34" charset="0"/>
-                        <a:ea typeface="Calibri" panose="020F0502020204030204" pitchFamily="34" charset="0"/>
-                        <a:cs typeface="Times New Roman" panose="02020603050405020304" pitchFamily="18" charset="0"/>
-                      </a:endParaRPr>
-                    </a:p>
-                  </a:txBody>
-                  <a:tcPr marL="68580" marR="68580" marT="0" marB="0"/>
-                </a:tc>
-                <a:tc>
-                  <a:txBody>
-                    <a:bodyPr/>
-                    <a:lstStyle/>
-                    <a:p>
-                      <a:pPr algn="just">
-                        <a:lnSpc>
-                          <a:spcPct val="115000"/>
-                        </a:lnSpc>
-                        <a:spcAft>
-                          <a:spcPts val="0"/>
-                        </a:spcAft>
-                      </a:pPr>
-                      <a:r>
-                        <a:rPr lang="en-IN" sz="1600">
-                          <a:effectLst/>
-                        </a:rPr>
-                        <a:t>Cost of service</a:t>
-                      </a:r>
-                      <a:endParaRPr lang="en-IN" sz="1100">
-                        <a:effectLst/>
-                        <a:latin typeface="Calibri" panose="020F0502020204030204" pitchFamily="34" charset="0"/>
-                        <a:ea typeface="Calibri" panose="020F0502020204030204" pitchFamily="34" charset="0"/>
-                        <a:cs typeface="Times New Roman" panose="02020603050405020304" pitchFamily="18" charset="0"/>
-                      </a:endParaRPr>
-                    </a:p>
-                  </a:txBody>
-                  <a:tcPr marL="68580" marR="68580" marT="0" marB="0"/>
-                </a:tc>
-                <a:tc>
-                  <a:txBody>
-                    <a:bodyPr/>
-                    <a:lstStyle/>
-                    <a:p>
-                      <a:pPr algn="just">
-                        <a:lnSpc>
-                          <a:spcPct val="115000"/>
-                        </a:lnSpc>
-                        <a:spcAft>
-                          <a:spcPts val="0"/>
-                        </a:spcAft>
-                      </a:pPr>
-                      <a:r>
-                        <a:rPr lang="en-IN" sz="1600">
-                          <a:effectLst/>
-                        </a:rPr>
-                        <a:t>10</a:t>
-                      </a:r>
-                      <a:endParaRPr lang="en-IN" sz="1100">
-                        <a:effectLst/>
-                        <a:latin typeface="Calibri" panose="020F0502020204030204" pitchFamily="34" charset="0"/>
-                        <a:ea typeface="Calibri" panose="020F0502020204030204" pitchFamily="34" charset="0"/>
-                        <a:cs typeface="Times New Roman" panose="02020603050405020304" pitchFamily="18" charset="0"/>
-                      </a:endParaRPr>
-                    </a:p>
-                  </a:txBody>
-                  <a:tcPr marL="68580" marR="68580" marT="0" marB="0"/>
-                </a:tc>
-              </a:tr>
-              <a:tr h="0">
-                <a:tc>
-                  <a:txBody>
-                    <a:bodyPr/>
-                    <a:lstStyle/>
-                    <a:p>
-                      <a:pPr algn="just">
-                        <a:lnSpc>
-                          <a:spcPct val="115000"/>
-                        </a:lnSpc>
-                        <a:spcAft>
-                          <a:spcPts val="0"/>
-                        </a:spcAft>
-                      </a:pPr>
-                      <a:r>
-                        <a:rPr lang="en-IN" sz="1600">
-                          <a:effectLst/>
-                        </a:rPr>
-                        <a:t>Date of </a:t>
-                      </a:r>
-                      <a:endParaRPr lang="en-IN" sz="1100">
-                        <a:effectLst/>
-                      </a:endParaRPr>
-                    </a:p>
-                    <a:p>
-                      <a:pPr algn="just">
-                        <a:lnSpc>
-                          <a:spcPct val="115000"/>
-                        </a:lnSpc>
-                        <a:spcAft>
-                          <a:spcPts val="0"/>
-                        </a:spcAft>
-                      </a:pPr>
-                      <a:r>
-                        <a:rPr lang="en-IN" sz="1600">
-                          <a:effectLst/>
-                        </a:rPr>
-                        <a:t>service</a:t>
-                      </a:r>
-                      <a:endParaRPr lang="en-IN" sz="1100">
-                        <a:effectLst/>
-                        <a:latin typeface="Calibri" panose="020F0502020204030204" pitchFamily="34" charset="0"/>
-                        <a:ea typeface="Calibri" panose="020F0502020204030204" pitchFamily="34" charset="0"/>
-                        <a:cs typeface="Times New Roman" panose="02020603050405020304" pitchFamily="18" charset="0"/>
-                      </a:endParaRPr>
-                    </a:p>
-                  </a:txBody>
-                  <a:tcPr marL="68580" marR="68580" marT="0" marB="0"/>
-                </a:tc>
-                <a:tc>
-                  <a:txBody>
-                    <a:bodyPr/>
-                    <a:lstStyle/>
-                    <a:p>
-                      <a:pPr algn="just">
-                        <a:lnSpc>
-                          <a:spcPct val="115000"/>
-                        </a:lnSpc>
-                        <a:spcAft>
-                          <a:spcPts val="0"/>
-                        </a:spcAft>
-                      </a:pPr>
-                      <a:r>
-                        <a:rPr lang="en-IN" sz="1600">
-                          <a:effectLst/>
-                        </a:rPr>
-                        <a:t>Date </a:t>
-                      </a:r>
-                      <a:endParaRPr lang="en-IN" sz="1100">
-                        <a:effectLst/>
-                        <a:latin typeface="Calibri" panose="020F0502020204030204" pitchFamily="34" charset="0"/>
-                        <a:ea typeface="Calibri" panose="020F0502020204030204" pitchFamily="34" charset="0"/>
-                        <a:cs typeface="Times New Roman" panose="02020603050405020304" pitchFamily="18" charset="0"/>
-                      </a:endParaRPr>
-                    </a:p>
-                  </a:txBody>
-                  <a:tcPr marL="68580" marR="68580" marT="0" marB="0"/>
-                </a:tc>
-                <a:tc>
-                  <a:txBody>
-                    <a:bodyPr/>
-                    <a:lstStyle/>
-                    <a:p>
-                      <a:pPr algn="just">
-                        <a:lnSpc>
-                          <a:spcPct val="115000"/>
-                        </a:lnSpc>
-                        <a:spcAft>
-                          <a:spcPts val="0"/>
-                        </a:spcAft>
-                      </a:pPr>
-                      <a:r>
-                        <a:rPr lang="en-IN" sz="1600">
-                          <a:effectLst/>
-                        </a:rPr>
-                        <a:t>Date of service</a:t>
-                      </a:r>
-                      <a:endParaRPr lang="en-IN" sz="1100">
-                        <a:effectLst/>
-                        <a:latin typeface="Calibri" panose="020F0502020204030204" pitchFamily="34" charset="0"/>
-                        <a:ea typeface="Calibri" panose="020F0502020204030204" pitchFamily="34" charset="0"/>
-                        <a:cs typeface="Times New Roman" panose="02020603050405020304" pitchFamily="18" charset="0"/>
-                      </a:endParaRPr>
-                    </a:p>
-                  </a:txBody>
-                  <a:tcPr marL="68580" marR="68580" marT="0" marB="0"/>
-                </a:tc>
-                <a:tc>
-                  <a:txBody>
-                    <a:bodyPr/>
-                    <a:lstStyle/>
-                    <a:p>
-                      <a:pPr algn="just">
-                        <a:lnSpc>
-                          <a:spcPct val="115000"/>
-                        </a:lnSpc>
-                        <a:spcAft>
-                          <a:spcPts val="0"/>
-                        </a:spcAft>
-                      </a:pPr>
-                      <a:r>
-                        <a:rPr lang="en-IN" sz="1600" dirty="0">
-                          <a:effectLst/>
-                        </a:rPr>
-                        <a:t>10</a:t>
-                      </a:r>
-                      <a:endParaRPr lang="en-IN" sz="1100" dirty="0">
-                        <a:effectLst/>
-                        <a:latin typeface="Calibri" panose="020F0502020204030204" pitchFamily="34" charset="0"/>
-                        <a:ea typeface="Calibri" panose="020F0502020204030204" pitchFamily="34" charset="0"/>
-                        <a:cs typeface="Times New Roman" panose="02020603050405020304" pitchFamily="18" charset="0"/>
-                      </a:endParaRPr>
-                    </a:p>
-                  </a:txBody>
-                  <a:tcPr marL="68580" marR="68580" marT="0" marB="0"/>
-                </a:tc>
-              </a:tr>
-            </a:tbl>
-          </a:graphicData>
-        </a:graphic>
-      </p:graphicFrame>
+      <p:sp>
+        <p:nvSpPr>
+          <p:cNvPr id="6" name="Rectangle 5"/>
+          <p:cNvSpPr/>
+          <p:nvPr/>
+        </p:nvSpPr>
+        <p:spPr>
+          <a:xfrm>
+            <a:off x="965476" y="3253925"/>
+            <a:ext cx="2706639" cy="523220"/>
+          </a:xfrm>
+          <a:prstGeom prst="rect">
+            <a:avLst/>
+          </a:prstGeom>
+        </p:spPr>
+        <p:txBody>
+          <a:bodyPr wrap="square">
+            <a:spAutoFit/>
+          </a:bodyPr>
+          <a:lstStyle/>
+          <a:p>
+            <a:r>
+              <a:rPr lang="en-US" sz="2800" dirty="0">
+                <a:latin typeface="Times New Roman" panose="02020603050405020304" pitchFamily="18" charset="0"/>
+                <a:cs typeface="Times New Roman" panose="02020603050405020304" pitchFamily="18" charset="0"/>
+              </a:rPr>
+              <a:t>Customer’s Table</a:t>
+            </a:r>
+            <a:endParaRPr lang="en-IN" sz="2800" dirty="0">
+              <a:latin typeface="Times New Roman" panose="02020603050405020304" pitchFamily="18" charset="0"/>
+              <a:cs typeface="Times New Roman" panose="02020603050405020304" pitchFamily="18" charset="0"/>
+            </a:endParaRPr>
+          </a:p>
+        </p:txBody>
+      </p:sp>
     </p:spTree>
     <p:extLst>
       <p:ext uri="{BB962C8B-B14F-4D97-AF65-F5344CB8AC3E}">
-        <p14:creationId xmlns:p14="http://schemas.microsoft.com/office/powerpoint/2010/main" val="2467695784"/>
+        <p14:creationId xmlns:p14="http://schemas.microsoft.com/office/powerpoint/2010/main" val="127692983"/>
       </p:ext>
     </p:extLst>
   </p:cSld>
@@ -6788,114 +5472,1618 @@
       </p:grpSpPr>
       <p:sp>
         <p:nvSpPr>
-          <p:cNvPr id="2" name="Title 1"/>
-          <p:cNvSpPr>
-            <a:spLocks noGrp="1"/>
-          </p:cNvSpPr>
-          <p:nvPr>
-            <p:ph type="title"/>
-          </p:nvPr>
+          <p:cNvPr id="5" name="Rectangle 4"/>
+          <p:cNvSpPr/>
+          <p:nvPr/>
         </p:nvSpPr>
         <p:spPr>
           <a:xfrm>
-            <a:off x="2179320" y="265090"/>
-            <a:ext cx="7498080" cy="1143000"/>
+            <a:off x="952597" y="3253924"/>
+            <a:ext cx="3181521" cy="523220"/>
           </a:xfrm>
+          <a:prstGeom prst="rect">
+            <a:avLst/>
+          </a:prstGeom>
         </p:spPr>
         <p:txBody>
-          <a:bodyPr>
-            <a:normAutofit/>
+          <a:bodyPr wrap="square">
+            <a:spAutoFit/>
           </a:bodyPr>
           <a:lstStyle/>
           <a:p>
-            <a:pPr algn="ctr"/>
-            <a:r>
-              <a:rPr lang="en-US" sz="3200" b="1" dirty="0">
-                <a:latin typeface="Times New Roman" pitchFamily="18" charset="0"/>
-                <a:cs typeface="Times New Roman" pitchFamily="18" charset="0"/>
+            <a:r>
+              <a:rPr lang="en-US" sz="2800" dirty="0" smtClean="0">
+                <a:latin typeface="Times New Roman" panose="02020603050405020304" pitchFamily="18" charset="0"/>
+                <a:cs typeface="Times New Roman" panose="02020603050405020304" pitchFamily="18" charset="0"/>
               </a:rPr>
-              <a:t>Application</a:t>
-            </a:r>
+              <a:t>Professional</a:t>
+            </a:r>
+            <a:r>
+              <a:rPr lang="en-US" sz="2800" dirty="0" smtClean="0">
+                <a:latin typeface="Times New Roman" panose="02020603050405020304" pitchFamily="18" charset="0"/>
+                <a:cs typeface="Times New Roman" panose="02020603050405020304" pitchFamily="18" charset="0"/>
+              </a:rPr>
+              <a:t>’s </a:t>
+            </a:r>
+            <a:r>
+              <a:rPr lang="en-US" sz="2800" dirty="0">
+                <a:latin typeface="Times New Roman" panose="02020603050405020304" pitchFamily="18" charset="0"/>
+                <a:cs typeface="Times New Roman" panose="02020603050405020304" pitchFamily="18" charset="0"/>
+              </a:rPr>
+              <a:t>Table</a:t>
+            </a:r>
+            <a:endParaRPr lang="en-IN" sz="2800" dirty="0">
+              <a:latin typeface="Times New Roman" panose="02020603050405020304" pitchFamily="18" charset="0"/>
+              <a:cs typeface="Times New Roman" panose="02020603050405020304" pitchFamily="18" charset="0"/>
+            </a:endParaRPr>
           </a:p>
         </p:txBody>
       </p:sp>
-      <p:sp>
-        <p:nvSpPr>
-          <p:cNvPr id="3" name="Content Placeholder 2"/>
-          <p:cNvSpPr>
-            <a:spLocks noGrp="1"/>
-          </p:cNvSpPr>
+      <p:graphicFrame>
+        <p:nvGraphicFramePr>
+          <p:cNvPr id="6" name="Table 5"/>
+          <p:cNvGraphicFramePr>
+            <a:graphicFrameLocks noGrp="1"/>
+          </p:cNvGraphicFramePr>
           <p:nvPr>
-            <p:ph sz="quarter" idx="1"/>
+            <p:extLst>
+              <p:ext uri="{D42A27DB-BD31-4B8C-83A1-F6EECF244321}">
+                <p14:modId xmlns:p14="http://schemas.microsoft.com/office/powerpoint/2010/main" val="990639045"/>
+              </p:ext>
+            </p:extLst>
           </p:nvPr>
-        </p:nvSpPr>
-        <p:spPr>
-          <a:xfrm>
-            <a:off x="2575560" y="1702157"/>
-            <a:ext cx="6705600" cy="4572000"/>
-          </a:xfrm>
-        </p:spPr>
-        <p:txBody>
-          <a:bodyPr>
-            <a:normAutofit/>
-          </a:bodyPr>
-          <a:lstStyle/>
-          <a:p>
-            <a:pPr algn="just"/>
-            <a:r>
-              <a:rPr lang="en-US" sz="2000" dirty="0">
-                <a:latin typeface="Times New Roman" pitchFamily="18" charset="0"/>
-                <a:cs typeface="Times New Roman" pitchFamily="18" charset="0"/>
-              </a:rPr>
-              <a:t>Easily available of Services at customer’s door steps.</a:t>
-            </a:r>
-          </a:p>
-          <a:p>
-            <a:pPr algn="just"/>
-            <a:r>
-              <a:rPr lang="en-US" sz="2000" dirty="0">
-                <a:latin typeface="Times New Roman" pitchFamily="18" charset="0"/>
-                <a:cs typeface="Times New Roman" pitchFamily="18" charset="0"/>
-              </a:rPr>
-              <a:t>Getting trusted high end Services.</a:t>
-            </a:r>
-          </a:p>
-          <a:p>
-            <a:pPr algn="just"/>
-            <a:r>
-              <a:rPr lang="en-US" sz="2000" dirty="0">
-                <a:latin typeface="Times New Roman" pitchFamily="18" charset="0"/>
-                <a:cs typeface="Times New Roman" pitchFamily="18" charset="0"/>
-              </a:rPr>
-              <a:t>Provider’s passion is converted into profession at this platform.</a:t>
-            </a:r>
-          </a:p>
-          <a:p>
-            <a:pPr algn="just"/>
-            <a:endParaRPr lang="en-US" sz="2000" dirty="0" smtClean="0">
-              <a:latin typeface="Times New Roman" pitchFamily="18" charset="0"/>
-              <a:cs typeface="Times New Roman" pitchFamily="18" charset="0"/>
-            </a:endParaRPr>
-          </a:p>
-        </p:txBody>
-      </p:sp>
+        </p:nvGraphicFramePr>
+        <p:xfrm>
+          <a:off x="5070952" y="178913"/>
+          <a:ext cx="6842005" cy="6473026"/>
+        </p:xfrm>
+        <a:graphic>
+          <a:graphicData uri="http://schemas.openxmlformats.org/drawingml/2006/table">
+            <a:tbl>
+              <a:tblPr firstRow="1" firstCol="1" bandRow="1">
+                <a:tableStyleId>{5C22544A-7EE6-4342-B048-85BDC9FD1C3A}</a:tableStyleId>
+              </a:tblPr>
+              <a:tblGrid>
+                <a:gridCol w="2117932"/>
+                <a:gridCol w="1112825"/>
+                <a:gridCol w="2051137"/>
+                <a:gridCol w="1560111"/>
+              </a:tblGrid>
+              <a:tr h="366216">
+                <a:tc>
+                  <a:txBody>
+                    <a:bodyPr/>
+                    <a:lstStyle/>
+                    <a:p>
+                      <a:pPr algn="just">
+                        <a:lnSpc>
+                          <a:spcPct val="115000"/>
+                        </a:lnSpc>
+                        <a:spcAft>
+                          <a:spcPts val="0"/>
+                        </a:spcAft>
+                      </a:pPr>
+                      <a:r>
+                        <a:rPr lang="en-IN" sz="1600" dirty="0">
+                          <a:effectLst/>
+                        </a:rPr>
+                        <a:t>Attribute</a:t>
+                      </a:r>
+                      <a:endParaRPr lang="en-IN" sz="1100" dirty="0">
+                        <a:effectLst/>
+                        <a:latin typeface="Calibri" panose="020F0502020204030204" pitchFamily="34" charset="0"/>
+                        <a:ea typeface="Calibri" panose="020F0502020204030204" pitchFamily="34" charset="0"/>
+                        <a:cs typeface="Times New Roman" panose="02020603050405020304" pitchFamily="18" charset="0"/>
+                      </a:endParaRPr>
+                    </a:p>
+                  </a:txBody>
+                  <a:tcPr marL="68580" marR="68580" marT="0" marB="0"/>
+                </a:tc>
+                <a:tc>
+                  <a:txBody>
+                    <a:bodyPr/>
+                    <a:lstStyle/>
+                    <a:p>
+                      <a:pPr algn="just">
+                        <a:lnSpc>
+                          <a:spcPct val="115000"/>
+                        </a:lnSpc>
+                        <a:spcAft>
+                          <a:spcPts val="0"/>
+                        </a:spcAft>
+                      </a:pPr>
+                      <a:r>
+                        <a:rPr lang="en-IN" sz="1600" dirty="0">
+                          <a:effectLst/>
+                        </a:rPr>
+                        <a:t>Data Type</a:t>
+                      </a:r>
+                      <a:endParaRPr lang="en-IN" sz="1100" dirty="0">
+                        <a:effectLst/>
+                        <a:latin typeface="Calibri" panose="020F0502020204030204" pitchFamily="34" charset="0"/>
+                        <a:ea typeface="Calibri" panose="020F0502020204030204" pitchFamily="34" charset="0"/>
+                        <a:cs typeface="Times New Roman" panose="02020603050405020304" pitchFamily="18" charset="0"/>
+                      </a:endParaRPr>
+                    </a:p>
+                  </a:txBody>
+                  <a:tcPr marL="68580" marR="68580" marT="0" marB="0"/>
+                </a:tc>
+                <a:tc>
+                  <a:txBody>
+                    <a:bodyPr/>
+                    <a:lstStyle/>
+                    <a:p>
+                      <a:pPr algn="just">
+                        <a:lnSpc>
+                          <a:spcPct val="115000"/>
+                        </a:lnSpc>
+                        <a:spcAft>
+                          <a:spcPts val="0"/>
+                        </a:spcAft>
+                      </a:pPr>
+                      <a:r>
+                        <a:rPr lang="en-IN" sz="1600">
+                          <a:effectLst/>
+                        </a:rPr>
+                        <a:t>Description</a:t>
+                      </a:r>
+                      <a:endParaRPr lang="en-IN" sz="1100">
+                        <a:effectLst/>
+                        <a:latin typeface="Calibri" panose="020F0502020204030204" pitchFamily="34" charset="0"/>
+                        <a:ea typeface="Calibri" panose="020F0502020204030204" pitchFamily="34" charset="0"/>
+                        <a:cs typeface="Times New Roman" panose="02020603050405020304" pitchFamily="18" charset="0"/>
+                      </a:endParaRPr>
+                    </a:p>
+                  </a:txBody>
+                  <a:tcPr marL="68580" marR="68580" marT="0" marB="0"/>
+                </a:tc>
+                <a:tc>
+                  <a:txBody>
+                    <a:bodyPr/>
+                    <a:lstStyle/>
+                    <a:p>
+                      <a:pPr algn="just">
+                        <a:lnSpc>
+                          <a:spcPct val="115000"/>
+                        </a:lnSpc>
+                        <a:spcAft>
+                          <a:spcPts val="0"/>
+                        </a:spcAft>
+                      </a:pPr>
+                      <a:r>
+                        <a:rPr lang="en-IN" sz="1600">
+                          <a:effectLst/>
+                        </a:rPr>
+                        <a:t>Size</a:t>
+                      </a:r>
+                      <a:endParaRPr lang="en-IN" sz="1100">
+                        <a:effectLst/>
+                        <a:latin typeface="Calibri" panose="020F0502020204030204" pitchFamily="34" charset="0"/>
+                        <a:ea typeface="Calibri" panose="020F0502020204030204" pitchFamily="34" charset="0"/>
+                        <a:cs typeface="Times New Roman" panose="02020603050405020304" pitchFamily="18" charset="0"/>
+                      </a:endParaRPr>
+                    </a:p>
+                  </a:txBody>
+                  <a:tcPr marL="68580" marR="68580" marT="0" marB="0"/>
+                </a:tc>
+              </a:tr>
+              <a:tr h="549324">
+                <a:tc>
+                  <a:txBody>
+                    <a:bodyPr/>
+                    <a:lstStyle/>
+                    <a:p>
+                      <a:pPr algn="just">
+                        <a:lnSpc>
+                          <a:spcPct val="115000"/>
+                        </a:lnSpc>
+                        <a:spcAft>
+                          <a:spcPts val="0"/>
+                        </a:spcAft>
+                      </a:pPr>
+                      <a:r>
+                        <a:rPr lang="en-IN" sz="1600" dirty="0" err="1" smtClean="0">
+                          <a:effectLst/>
+                          <a:latin typeface="Calibri" panose="020F0502020204030204" pitchFamily="34" charset="0"/>
+                          <a:ea typeface="Calibri" panose="020F0502020204030204" pitchFamily="34" charset="0"/>
+                          <a:cs typeface="Times New Roman" panose="02020603050405020304" pitchFamily="18" charset="0"/>
+                        </a:rPr>
+                        <a:t>Professional_Id</a:t>
+                      </a:r>
+                      <a:endParaRPr lang="en-IN" sz="1600" dirty="0">
+                        <a:effectLst/>
+                        <a:latin typeface="Calibri" panose="020F0502020204030204" pitchFamily="34" charset="0"/>
+                        <a:ea typeface="Calibri" panose="020F0502020204030204" pitchFamily="34" charset="0"/>
+                        <a:cs typeface="Times New Roman" panose="02020603050405020304" pitchFamily="18" charset="0"/>
+                      </a:endParaRPr>
+                    </a:p>
+                  </a:txBody>
+                  <a:tcPr marL="68580" marR="68580" marT="0" marB="0"/>
+                </a:tc>
+                <a:tc>
+                  <a:txBody>
+                    <a:bodyPr/>
+                    <a:lstStyle/>
+                    <a:p>
+                      <a:pPr algn="just">
+                        <a:lnSpc>
+                          <a:spcPct val="115000"/>
+                        </a:lnSpc>
+                        <a:spcAft>
+                          <a:spcPts val="0"/>
+                        </a:spcAft>
+                      </a:pPr>
+                      <a:r>
+                        <a:rPr lang="en-IN" sz="1600" dirty="0" smtClean="0">
+                          <a:effectLst/>
+                          <a:latin typeface="Calibri" panose="020F0502020204030204" pitchFamily="34" charset="0"/>
+                          <a:ea typeface="Calibri" panose="020F0502020204030204" pitchFamily="34" charset="0"/>
+                          <a:cs typeface="Times New Roman" panose="02020603050405020304" pitchFamily="18" charset="0"/>
+                        </a:rPr>
+                        <a:t>LONG</a:t>
+                      </a:r>
+                      <a:endParaRPr lang="en-IN" sz="1600" dirty="0">
+                        <a:effectLst/>
+                        <a:latin typeface="Calibri" panose="020F0502020204030204" pitchFamily="34" charset="0"/>
+                        <a:ea typeface="Calibri" panose="020F0502020204030204" pitchFamily="34" charset="0"/>
+                        <a:cs typeface="Times New Roman" panose="02020603050405020304" pitchFamily="18" charset="0"/>
+                      </a:endParaRPr>
+                    </a:p>
+                  </a:txBody>
+                  <a:tcPr marL="68580" marR="68580" marT="0" marB="0"/>
+                </a:tc>
+                <a:tc>
+                  <a:txBody>
+                    <a:bodyPr/>
+                    <a:lstStyle/>
+                    <a:p>
+                      <a:pPr algn="just">
+                        <a:lnSpc>
+                          <a:spcPct val="115000"/>
+                        </a:lnSpc>
+                        <a:spcAft>
+                          <a:spcPts val="0"/>
+                        </a:spcAft>
+                      </a:pPr>
+                      <a:r>
+                        <a:rPr lang="en-IN" sz="1600" dirty="0" smtClean="0">
+                          <a:effectLst/>
+                          <a:latin typeface="Calibri" panose="020F0502020204030204" pitchFamily="34" charset="0"/>
+                          <a:ea typeface="Calibri" panose="020F0502020204030204" pitchFamily="34" charset="0"/>
+                          <a:cs typeface="Times New Roman" panose="02020603050405020304" pitchFamily="18" charset="0"/>
+                        </a:rPr>
+                        <a:t>Customer</a:t>
+                      </a:r>
+                      <a:r>
+                        <a:rPr lang="en-IN" sz="1600" baseline="0" dirty="0" smtClean="0">
+                          <a:effectLst/>
+                          <a:latin typeface="Calibri" panose="020F0502020204030204" pitchFamily="34" charset="0"/>
+                          <a:ea typeface="Calibri" panose="020F0502020204030204" pitchFamily="34" charset="0"/>
+                          <a:cs typeface="Times New Roman" panose="02020603050405020304" pitchFamily="18" charset="0"/>
+                        </a:rPr>
+                        <a:t> Id</a:t>
+                      </a:r>
+                      <a:endParaRPr lang="en-IN" sz="1600" dirty="0">
+                        <a:effectLst/>
+                        <a:latin typeface="Calibri" panose="020F0502020204030204" pitchFamily="34" charset="0"/>
+                        <a:ea typeface="Calibri" panose="020F0502020204030204" pitchFamily="34" charset="0"/>
+                        <a:cs typeface="Times New Roman" panose="02020603050405020304" pitchFamily="18" charset="0"/>
+                      </a:endParaRPr>
+                    </a:p>
+                  </a:txBody>
+                  <a:tcPr marL="68580" marR="68580" marT="0" marB="0"/>
+                </a:tc>
+                <a:tc>
+                  <a:txBody>
+                    <a:bodyPr/>
+                    <a:lstStyle/>
+                    <a:p>
+                      <a:pPr algn="just">
+                        <a:lnSpc>
+                          <a:spcPct val="115000"/>
+                        </a:lnSpc>
+                        <a:spcAft>
+                          <a:spcPts val="0"/>
+                        </a:spcAft>
+                      </a:pPr>
+                      <a:r>
+                        <a:rPr lang="en-IN" sz="1600" dirty="0" smtClean="0">
+                          <a:effectLst/>
+                          <a:latin typeface="Calibri" panose="020F0502020204030204" pitchFamily="34" charset="0"/>
+                          <a:ea typeface="Calibri" panose="020F0502020204030204" pitchFamily="34" charset="0"/>
+                          <a:cs typeface="Times New Roman" panose="02020603050405020304" pitchFamily="18" charset="0"/>
+                        </a:rPr>
+                        <a:t>15</a:t>
+                      </a:r>
+                      <a:endParaRPr lang="en-IN" sz="1600" dirty="0">
+                        <a:effectLst/>
+                        <a:latin typeface="Calibri" panose="020F0502020204030204" pitchFamily="34" charset="0"/>
+                        <a:ea typeface="Calibri" panose="020F0502020204030204" pitchFamily="34" charset="0"/>
+                        <a:cs typeface="Times New Roman" panose="02020603050405020304" pitchFamily="18" charset="0"/>
+                      </a:endParaRPr>
+                    </a:p>
+                  </a:txBody>
+                  <a:tcPr marL="68580" marR="68580" marT="0" marB="0"/>
+                </a:tc>
+              </a:tr>
+              <a:tr h="754533">
+                <a:tc>
+                  <a:txBody>
+                    <a:bodyPr/>
+                    <a:lstStyle/>
+                    <a:p>
+                      <a:pPr algn="just">
+                        <a:lnSpc>
+                          <a:spcPct val="115000"/>
+                        </a:lnSpc>
+                        <a:spcAft>
+                          <a:spcPts val="0"/>
+                        </a:spcAft>
+                      </a:pPr>
+                      <a:r>
+                        <a:rPr lang="en-IN" sz="1600" dirty="0" err="1">
+                          <a:effectLst/>
+                        </a:rPr>
+                        <a:t>First_Name</a:t>
+                      </a:r>
+                      <a:endParaRPr lang="en-IN" sz="1100" dirty="0">
+                        <a:effectLst/>
+                        <a:latin typeface="Calibri" panose="020F0502020204030204" pitchFamily="34" charset="0"/>
+                        <a:ea typeface="Calibri" panose="020F0502020204030204" pitchFamily="34" charset="0"/>
+                        <a:cs typeface="Times New Roman" panose="02020603050405020304" pitchFamily="18" charset="0"/>
+                      </a:endParaRPr>
+                    </a:p>
+                  </a:txBody>
+                  <a:tcPr marL="68580" marR="68580" marT="0" marB="0"/>
+                </a:tc>
+                <a:tc>
+                  <a:txBody>
+                    <a:bodyPr/>
+                    <a:lstStyle/>
+                    <a:p>
+                      <a:pPr algn="just">
+                        <a:lnSpc>
+                          <a:spcPct val="115000"/>
+                        </a:lnSpc>
+                        <a:spcAft>
+                          <a:spcPts val="0"/>
+                        </a:spcAft>
+                      </a:pPr>
+                      <a:r>
+                        <a:rPr lang="en-IN" sz="1600" dirty="0" smtClean="0">
+                          <a:effectLst/>
+                        </a:rPr>
+                        <a:t>String</a:t>
+                      </a:r>
+                      <a:endParaRPr lang="en-IN" sz="1100" dirty="0">
+                        <a:effectLst/>
+                        <a:latin typeface="Calibri" panose="020F0502020204030204" pitchFamily="34" charset="0"/>
+                        <a:ea typeface="Calibri" panose="020F0502020204030204" pitchFamily="34" charset="0"/>
+                        <a:cs typeface="Times New Roman" panose="02020603050405020304" pitchFamily="18" charset="0"/>
+                      </a:endParaRPr>
+                    </a:p>
+                  </a:txBody>
+                  <a:tcPr marL="68580" marR="68580" marT="0" marB="0"/>
+                </a:tc>
+                <a:tc>
+                  <a:txBody>
+                    <a:bodyPr/>
+                    <a:lstStyle/>
+                    <a:p>
+                      <a:pPr algn="just">
+                        <a:lnSpc>
+                          <a:spcPct val="115000"/>
+                        </a:lnSpc>
+                        <a:spcAft>
+                          <a:spcPts val="0"/>
+                        </a:spcAft>
+                      </a:pPr>
+                      <a:r>
+                        <a:rPr lang="en-IN" sz="1600" dirty="0">
+                          <a:effectLst/>
+                        </a:rPr>
+                        <a:t>First name of customer</a:t>
+                      </a:r>
+                      <a:endParaRPr lang="en-IN" sz="1100" dirty="0">
+                        <a:effectLst/>
+                        <a:latin typeface="Calibri" panose="020F0502020204030204" pitchFamily="34" charset="0"/>
+                        <a:ea typeface="Calibri" panose="020F0502020204030204" pitchFamily="34" charset="0"/>
+                        <a:cs typeface="Times New Roman" panose="02020603050405020304" pitchFamily="18" charset="0"/>
+                      </a:endParaRPr>
+                    </a:p>
+                  </a:txBody>
+                  <a:tcPr marL="68580" marR="68580" marT="0" marB="0"/>
+                </a:tc>
+                <a:tc>
+                  <a:txBody>
+                    <a:bodyPr/>
+                    <a:lstStyle/>
+                    <a:p>
+                      <a:pPr algn="just">
+                        <a:lnSpc>
+                          <a:spcPct val="115000"/>
+                        </a:lnSpc>
+                        <a:spcAft>
+                          <a:spcPts val="0"/>
+                        </a:spcAft>
+                      </a:pPr>
+                      <a:r>
+                        <a:rPr lang="en-IN" sz="1600" dirty="0">
+                          <a:effectLst/>
+                        </a:rPr>
+                        <a:t>50</a:t>
+                      </a:r>
+                      <a:endParaRPr lang="en-IN" sz="1100" dirty="0">
+                        <a:effectLst/>
+                        <a:latin typeface="Calibri" panose="020F0502020204030204" pitchFamily="34" charset="0"/>
+                        <a:ea typeface="Calibri" panose="020F0502020204030204" pitchFamily="34" charset="0"/>
+                        <a:cs typeface="Times New Roman" panose="02020603050405020304" pitchFamily="18" charset="0"/>
+                      </a:endParaRPr>
+                    </a:p>
+                  </a:txBody>
+                  <a:tcPr marL="68580" marR="68580" marT="0" marB="0"/>
+                </a:tc>
+              </a:tr>
+              <a:tr h="710727">
+                <a:tc>
+                  <a:txBody>
+                    <a:bodyPr/>
+                    <a:lstStyle/>
+                    <a:p>
+                      <a:pPr algn="just">
+                        <a:lnSpc>
+                          <a:spcPct val="115000"/>
+                        </a:lnSpc>
+                        <a:spcAft>
+                          <a:spcPts val="0"/>
+                        </a:spcAft>
+                      </a:pPr>
+                      <a:r>
+                        <a:rPr lang="en-IN" sz="1600" dirty="0" err="1">
+                          <a:effectLst/>
+                        </a:rPr>
+                        <a:t>Last_Name</a:t>
+                      </a:r>
+                      <a:endParaRPr lang="en-IN" sz="1100" dirty="0">
+                        <a:effectLst/>
+                        <a:latin typeface="Calibri" panose="020F0502020204030204" pitchFamily="34" charset="0"/>
+                        <a:ea typeface="Calibri" panose="020F0502020204030204" pitchFamily="34" charset="0"/>
+                        <a:cs typeface="Times New Roman" panose="02020603050405020304" pitchFamily="18" charset="0"/>
+                      </a:endParaRPr>
+                    </a:p>
+                  </a:txBody>
+                  <a:tcPr marL="68580" marR="68580" marT="0" marB="0"/>
+                </a:tc>
+                <a:tc>
+                  <a:txBody>
+                    <a:bodyPr/>
+                    <a:lstStyle/>
+                    <a:p>
+                      <a:pPr algn="just">
+                        <a:lnSpc>
+                          <a:spcPct val="115000"/>
+                        </a:lnSpc>
+                        <a:spcAft>
+                          <a:spcPts val="0"/>
+                        </a:spcAft>
+                      </a:pPr>
+                      <a:r>
+                        <a:rPr lang="en-IN" sz="1600" dirty="0" smtClean="0">
+                          <a:effectLst/>
+                        </a:rPr>
+                        <a:t>String</a:t>
+                      </a:r>
+                      <a:endParaRPr lang="en-IN" sz="1100" dirty="0">
+                        <a:effectLst/>
+                        <a:latin typeface="Calibri" panose="020F0502020204030204" pitchFamily="34" charset="0"/>
+                        <a:ea typeface="Calibri" panose="020F0502020204030204" pitchFamily="34" charset="0"/>
+                        <a:cs typeface="Times New Roman" panose="02020603050405020304" pitchFamily="18" charset="0"/>
+                      </a:endParaRPr>
+                    </a:p>
+                  </a:txBody>
+                  <a:tcPr marL="68580" marR="68580" marT="0" marB="0"/>
+                </a:tc>
+                <a:tc>
+                  <a:txBody>
+                    <a:bodyPr/>
+                    <a:lstStyle/>
+                    <a:p>
+                      <a:pPr algn="just">
+                        <a:lnSpc>
+                          <a:spcPct val="115000"/>
+                        </a:lnSpc>
+                        <a:spcAft>
+                          <a:spcPts val="0"/>
+                        </a:spcAft>
+                      </a:pPr>
+                      <a:r>
+                        <a:rPr lang="en-IN" sz="1600">
+                          <a:effectLst/>
+                        </a:rPr>
+                        <a:t>Last name of customer</a:t>
+                      </a:r>
+                      <a:endParaRPr lang="en-IN" sz="1100">
+                        <a:effectLst/>
+                        <a:latin typeface="Calibri" panose="020F0502020204030204" pitchFamily="34" charset="0"/>
+                        <a:ea typeface="Calibri" panose="020F0502020204030204" pitchFamily="34" charset="0"/>
+                        <a:cs typeface="Times New Roman" panose="02020603050405020304" pitchFamily="18" charset="0"/>
+                      </a:endParaRPr>
+                    </a:p>
+                  </a:txBody>
+                  <a:tcPr marL="68580" marR="68580" marT="0" marB="0"/>
+                </a:tc>
+                <a:tc>
+                  <a:txBody>
+                    <a:bodyPr/>
+                    <a:lstStyle/>
+                    <a:p>
+                      <a:pPr algn="just">
+                        <a:lnSpc>
+                          <a:spcPct val="115000"/>
+                        </a:lnSpc>
+                        <a:spcAft>
+                          <a:spcPts val="0"/>
+                        </a:spcAft>
+                      </a:pPr>
+                      <a:r>
+                        <a:rPr lang="en-IN" sz="1600">
+                          <a:effectLst/>
+                        </a:rPr>
+                        <a:t>50</a:t>
+                      </a:r>
+                      <a:endParaRPr lang="en-IN" sz="1100">
+                        <a:effectLst/>
+                        <a:latin typeface="Calibri" panose="020F0502020204030204" pitchFamily="34" charset="0"/>
+                        <a:ea typeface="Calibri" panose="020F0502020204030204" pitchFamily="34" charset="0"/>
+                        <a:cs typeface="Times New Roman" panose="02020603050405020304" pitchFamily="18" charset="0"/>
+                      </a:endParaRPr>
+                    </a:p>
+                  </a:txBody>
+                  <a:tcPr marL="68580" marR="68580" marT="0" marB="0"/>
+                </a:tc>
+              </a:tr>
+              <a:tr h="549324">
+                <a:tc>
+                  <a:txBody>
+                    <a:bodyPr/>
+                    <a:lstStyle/>
+                    <a:p>
+                      <a:pPr algn="just">
+                        <a:lnSpc>
+                          <a:spcPct val="115000"/>
+                        </a:lnSpc>
+                        <a:spcAft>
+                          <a:spcPts val="0"/>
+                        </a:spcAft>
+                      </a:pPr>
+                      <a:r>
+                        <a:rPr lang="en-IN" sz="1600" dirty="0" err="1" smtClean="0">
+                          <a:effectLst/>
+                          <a:latin typeface="Calibri" panose="020F0502020204030204" pitchFamily="34" charset="0"/>
+                          <a:ea typeface="Calibri" panose="020F0502020204030204" pitchFamily="34" charset="0"/>
+                          <a:cs typeface="Times New Roman" panose="02020603050405020304" pitchFamily="18" charset="0"/>
+                        </a:rPr>
+                        <a:t>Middel_Name</a:t>
+                      </a:r>
+                      <a:endParaRPr lang="en-IN" sz="1600" dirty="0">
+                        <a:effectLst/>
+                        <a:latin typeface="Calibri" panose="020F0502020204030204" pitchFamily="34" charset="0"/>
+                        <a:ea typeface="Calibri" panose="020F0502020204030204" pitchFamily="34" charset="0"/>
+                        <a:cs typeface="Times New Roman" panose="02020603050405020304" pitchFamily="18" charset="0"/>
+                      </a:endParaRPr>
+                    </a:p>
+                  </a:txBody>
+                  <a:tcPr marL="68580" marR="68580" marT="0" marB="0"/>
+                </a:tc>
+                <a:tc>
+                  <a:txBody>
+                    <a:bodyPr/>
+                    <a:lstStyle/>
+                    <a:p>
+                      <a:pPr algn="just">
+                        <a:lnSpc>
+                          <a:spcPct val="115000"/>
+                        </a:lnSpc>
+                        <a:spcAft>
+                          <a:spcPts val="0"/>
+                        </a:spcAft>
+                      </a:pPr>
+                      <a:r>
+                        <a:rPr lang="en-IN" sz="1600" dirty="0" smtClean="0">
+                          <a:effectLst/>
+                          <a:latin typeface="Calibri" panose="020F0502020204030204" pitchFamily="34" charset="0"/>
+                          <a:ea typeface="Calibri" panose="020F0502020204030204" pitchFamily="34" charset="0"/>
+                          <a:cs typeface="Times New Roman" panose="02020603050405020304" pitchFamily="18" charset="0"/>
+                        </a:rPr>
+                        <a:t>String</a:t>
+                      </a:r>
+                      <a:endParaRPr lang="en-IN" sz="1600" dirty="0">
+                        <a:effectLst/>
+                        <a:latin typeface="Calibri" panose="020F0502020204030204" pitchFamily="34" charset="0"/>
+                        <a:ea typeface="Calibri" panose="020F0502020204030204" pitchFamily="34" charset="0"/>
+                        <a:cs typeface="Times New Roman" panose="02020603050405020304" pitchFamily="18" charset="0"/>
+                      </a:endParaRPr>
+                    </a:p>
+                  </a:txBody>
+                  <a:tcPr marL="68580" marR="68580" marT="0" marB="0"/>
+                </a:tc>
+                <a:tc>
+                  <a:txBody>
+                    <a:bodyPr/>
+                    <a:lstStyle/>
+                    <a:p>
+                      <a:pPr algn="just">
+                        <a:lnSpc>
+                          <a:spcPct val="115000"/>
+                        </a:lnSpc>
+                        <a:spcAft>
+                          <a:spcPts val="0"/>
+                        </a:spcAft>
+                      </a:pPr>
+                      <a:r>
+                        <a:rPr lang="en-IN" sz="1600" dirty="0" err="1" smtClean="0">
+                          <a:effectLst/>
+                          <a:latin typeface="Calibri" panose="020F0502020204030204" pitchFamily="34" charset="0"/>
+                          <a:ea typeface="Calibri" panose="020F0502020204030204" pitchFamily="34" charset="0"/>
+                          <a:cs typeface="Times New Roman" panose="02020603050405020304" pitchFamily="18" charset="0"/>
+                        </a:rPr>
+                        <a:t>Middel</a:t>
+                      </a:r>
+                      <a:r>
+                        <a:rPr lang="en-IN" sz="1600" dirty="0" smtClean="0">
+                          <a:effectLst/>
+                          <a:latin typeface="Calibri" panose="020F0502020204030204" pitchFamily="34" charset="0"/>
+                          <a:ea typeface="Calibri" panose="020F0502020204030204" pitchFamily="34" charset="0"/>
+                          <a:cs typeface="Times New Roman" panose="02020603050405020304" pitchFamily="18" charset="0"/>
+                        </a:rPr>
+                        <a:t> Name</a:t>
+                      </a:r>
+                      <a:endParaRPr lang="en-IN" sz="1600" dirty="0">
+                        <a:effectLst/>
+                        <a:latin typeface="Calibri" panose="020F0502020204030204" pitchFamily="34" charset="0"/>
+                        <a:ea typeface="Calibri" panose="020F0502020204030204" pitchFamily="34" charset="0"/>
+                        <a:cs typeface="Times New Roman" panose="02020603050405020304" pitchFamily="18" charset="0"/>
+                      </a:endParaRPr>
+                    </a:p>
+                  </a:txBody>
+                  <a:tcPr marL="68580" marR="68580" marT="0" marB="0"/>
+                </a:tc>
+                <a:tc>
+                  <a:txBody>
+                    <a:bodyPr/>
+                    <a:lstStyle/>
+                    <a:p>
+                      <a:pPr algn="just">
+                        <a:lnSpc>
+                          <a:spcPct val="115000"/>
+                        </a:lnSpc>
+                        <a:spcAft>
+                          <a:spcPts val="0"/>
+                        </a:spcAft>
+                      </a:pPr>
+                      <a:r>
+                        <a:rPr lang="en-IN" sz="1600" dirty="0" smtClean="0">
+                          <a:effectLst/>
+                          <a:latin typeface="Calibri" panose="020F0502020204030204" pitchFamily="34" charset="0"/>
+                          <a:ea typeface="Calibri" panose="020F0502020204030204" pitchFamily="34" charset="0"/>
+                          <a:cs typeface="Times New Roman" panose="02020603050405020304" pitchFamily="18" charset="0"/>
+                        </a:rPr>
+                        <a:t>50</a:t>
+                      </a:r>
+                      <a:endParaRPr lang="en-IN" sz="1600" dirty="0">
+                        <a:effectLst/>
+                        <a:latin typeface="Calibri" panose="020F0502020204030204" pitchFamily="34" charset="0"/>
+                        <a:ea typeface="Calibri" panose="020F0502020204030204" pitchFamily="34" charset="0"/>
+                        <a:cs typeface="Times New Roman" panose="02020603050405020304" pitchFamily="18" charset="0"/>
+                      </a:endParaRPr>
+                    </a:p>
+                  </a:txBody>
+                  <a:tcPr marL="68580" marR="68580" marT="0" marB="0"/>
+                </a:tc>
+              </a:tr>
+              <a:tr h="558293">
+                <a:tc>
+                  <a:txBody>
+                    <a:bodyPr/>
+                    <a:lstStyle/>
+                    <a:p>
+                      <a:pPr algn="just">
+                        <a:lnSpc>
+                          <a:spcPct val="115000"/>
+                        </a:lnSpc>
+                        <a:spcAft>
+                          <a:spcPts val="0"/>
+                        </a:spcAft>
+                      </a:pPr>
+                      <a:r>
+                        <a:rPr lang="en-IN" sz="1600" dirty="0">
+                          <a:effectLst/>
+                        </a:rPr>
+                        <a:t>Email</a:t>
+                      </a:r>
+                      <a:endParaRPr lang="en-IN" sz="1100" dirty="0">
+                        <a:effectLst/>
+                        <a:latin typeface="Calibri" panose="020F0502020204030204" pitchFamily="34" charset="0"/>
+                        <a:ea typeface="Calibri" panose="020F0502020204030204" pitchFamily="34" charset="0"/>
+                        <a:cs typeface="Times New Roman" panose="02020603050405020304" pitchFamily="18" charset="0"/>
+                      </a:endParaRPr>
+                    </a:p>
+                  </a:txBody>
+                  <a:tcPr marL="68580" marR="68580" marT="0" marB="0"/>
+                </a:tc>
+                <a:tc>
+                  <a:txBody>
+                    <a:bodyPr/>
+                    <a:lstStyle/>
+                    <a:p>
+                      <a:pPr algn="just">
+                        <a:lnSpc>
+                          <a:spcPct val="115000"/>
+                        </a:lnSpc>
+                        <a:spcAft>
+                          <a:spcPts val="0"/>
+                        </a:spcAft>
+                      </a:pPr>
+                      <a:r>
+                        <a:rPr lang="en-IN" sz="1600">
+                          <a:effectLst/>
+                        </a:rPr>
+                        <a:t>Varchar2</a:t>
+                      </a:r>
+                      <a:endParaRPr lang="en-IN" sz="1100">
+                        <a:effectLst/>
+                        <a:latin typeface="Calibri" panose="020F0502020204030204" pitchFamily="34" charset="0"/>
+                        <a:ea typeface="Calibri" panose="020F0502020204030204" pitchFamily="34" charset="0"/>
+                        <a:cs typeface="Times New Roman" panose="02020603050405020304" pitchFamily="18" charset="0"/>
+                      </a:endParaRPr>
+                    </a:p>
+                  </a:txBody>
+                  <a:tcPr marL="68580" marR="68580" marT="0" marB="0"/>
+                </a:tc>
+                <a:tc>
+                  <a:txBody>
+                    <a:bodyPr/>
+                    <a:lstStyle/>
+                    <a:p>
+                      <a:pPr algn="just">
+                        <a:lnSpc>
+                          <a:spcPct val="115000"/>
+                        </a:lnSpc>
+                        <a:spcAft>
+                          <a:spcPts val="0"/>
+                        </a:spcAft>
+                      </a:pPr>
+                      <a:r>
+                        <a:rPr lang="en-IN" sz="1600" dirty="0">
+                          <a:effectLst/>
+                        </a:rPr>
+                        <a:t>Email of customer</a:t>
+                      </a:r>
+                      <a:endParaRPr lang="en-IN" sz="1100" dirty="0">
+                        <a:effectLst/>
+                        <a:latin typeface="Calibri" panose="020F0502020204030204" pitchFamily="34" charset="0"/>
+                        <a:ea typeface="Calibri" panose="020F0502020204030204" pitchFamily="34" charset="0"/>
+                        <a:cs typeface="Times New Roman" panose="02020603050405020304" pitchFamily="18" charset="0"/>
+                      </a:endParaRPr>
+                    </a:p>
+                  </a:txBody>
+                  <a:tcPr marL="68580" marR="68580" marT="0" marB="0"/>
+                </a:tc>
+                <a:tc>
+                  <a:txBody>
+                    <a:bodyPr/>
+                    <a:lstStyle/>
+                    <a:p>
+                      <a:pPr algn="just">
+                        <a:lnSpc>
+                          <a:spcPct val="115000"/>
+                        </a:lnSpc>
+                        <a:spcAft>
+                          <a:spcPts val="0"/>
+                        </a:spcAft>
+                      </a:pPr>
+                      <a:r>
+                        <a:rPr lang="en-IN" sz="1600" dirty="0">
+                          <a:effectLst/>
+                        </a:rPr>
+                        <a:t>30</a:t>
+                      </a:r>
+                      <a:endParaRPr lang="en-IN" sz="1100" dirty="0">
+                        <a:effectLst/>
+                        <a:latin typeface="Calibri" panose="020F0502020204030204" pitchFamily="34" charset="0"/>
+                        <a:ea typeface="Calibri" panose="020F0502020204030204" pitchFamily="34" charset="0"/>
+                        <a:cs typeface="Times New Roman" panose="02020603050405020304" pitchFamily="18" charset="0"/>
+                      </a:endParaRPr>
+                    </a:p>
+                  </a:txBody>
+                  <a:tcPr marL="68580" marR="68580" marT="0" marB="0"/>
+                </a:tc>
+              </a:tr>
+              <a:tr h="750880">
+                <a:tc>
+                  <a:txBody>
+                    <a:bodyPr/>
+                    <a:lstStyle/>
+                    <a:p>
+                      <a:pPr algn="just">
+                        <a:lnSpc>
+                          <a:spcPct val="115000"/>
+                        </a:lnSpc>
+                        <a:spcAft>
+                          <a:spcPts val="0"/>
+                        </a:spcAft>
+                      </a:pPr>
+                      <a:r>
+                        <a:rPr lang="en-IN" sz="1600" dirty="0" err="1" smtClean="0">
+                          <a:effectLst/>
+                          <a:latin typeface="Calibri" panose="020F0502020204030204" pitchFamily="34" charset="0"/>
+                          <a:ea typeface="Calibri" panose="020F0502020204030204" pitchFamily="34" charset="0"/>
+                          <a:cs typeface="Times New Roman" panose="02020603050405020304" pitchFamily="18" charset="0"/>
+                        </a:rPr>
+                        <a:t>Phone_Number</a:t>
+                      </a:r>
+                      <a:endParaRPr lang="en-IN" sz="1600" dirty="0">
+                        <a:effectLst/>
+                        <a:latin typeface="Calibri" panose="020F0502020204030204" pitchFamily="34" charset="0"/>
+                        <a:ea typeface="Calibri" panose="020F0502020204030204" pitchFamily="34" charset="0"/>
+                        <a:cs typeface="Times New Roman" panose="02020603050405020304" pitchFamily="18" charset="0"/>
+                      </a:endParaRPr>
+                    </a:p>
+                  </a:txBody>
+                  <a:tcPr marL="68580" marR="68580" marT="0" marB="0"/>
+                </a:tc>
+                <a:tc>
+                  <a:txBody>
+                    <a:bodyPr/>
+                    <a:lstStyle/>
+                    <a:p>
+                      <a:pPr algn="just">
+                        <a:lnSpc>
+                          <a:spcPct val="115000"/>
+                        </a:lnSpc>
+                        <a:spcAft>
+                          <a:spcPts val="0"/>
+                        </a:spcAft>
+                      </a:pPr>
+                      <a:r>
+                        <a:rPr lang="en-IN" sz="1600" dirty="0" smtClean="0">
+                          <a:effectLst/>
+                          <a:latin typeface="Calibri" panose="020F0502020204030204" pitchFamily="34" charset="0"/>
+                          <a:ea typeface="Calibri" panose="020F0502020204030204" pitchFamily="34" charset="0"/>
+                          <a:cs typeface="Times New Roman" panose="02020603050405020304" pitchFamily="18" charset="0"/>
+                        </a:rPr>
+                        <a:t>Long</a:t>
+                      </a:r>
+                      <a:endParaRPr lang="en-IN" sz="1600" dirty="0">
+                        <a:effectLst/>
+                        <a:latin typeface="Calibri" panose="020F0502020204030204" pitchFamily="34" charset="0"/>
+                        <a:ea typeface="Calibri" panose="020F0502020204030204" pitchFamily="34" charset="0"/>
+                        <a:cs typeface="Times New Roman" panose="02020603050405020304" pitchFamily="18" charset="0"/>
+                      </a:endParaRPr>
+                    </a:p>
+                  </a:txBody>
+                  <a:tcPr marL="68580" marR="68580" marT="0" marB="0"/>
+                </a:tc>
+                <a:tc>
+                  <a:txBody>
+                    <a:bodyPr/>
+                    <a:lstStyle/>
+                    <a:p>
+                      <a:pPr algn="just">
+                        <a:lnSpc>
+                          <a:spcPct val="115000"/>
+                        </a:lnSpc>
+                        <a:spcAft>
+                          <a:spcPts val="0"/>
+                        </a:spcAft>
+                      </a:pPr>
+                      <a:r>
+                        <a:rPr lang="en-IN" sz="1600" dirty="0" smtClean="0">
+                          <a:effectLst/>
+                          <a:latin typeface="Calibri" panose="020F0502020204030204" pitchFamily="34" charset="0"/>
+                          <a:ea typeface="Calibri" panose="020F0502020204030204" pitchFamily="34" charset="0"/>
+                          <a:cs typeface="Times New Roman" panose="02020603050405020304" pitchFamily="18" charset="0"/>
+                        </a:rPr>
+                        <a:t>Phone Number</a:t>
+                      </a:r>
+                      <a:r>
+                        <a:rPr lang="en-IN" sz="1600" baseline="0" dirty="0" smtClean="0">
+                          <a:effectLst/>
+                          <a:latin typeface="Calibri" panose="020F0502020204030204" pitchFamily="34" charset="0"/>
+                          <a:ea typeface="Calibri" panose="020F0502020204030204" pitchFamily="34" charset="0"/>
+                          <a:cs typeface="Times New Roman" panose="02020603050405020304" pitchFamily="18" charset="0"/>
+                        </a:rPr>
+                        <a:t> of Customer</a:t>
+                      </a:r>
+                      <a:endParaRPr lang="en-IN" sz="1600" dirty="0">
+                        <a:effectLst/>
+                        <a:latin typeface="Calibri" panose="020F0502020204030204" pitchFamily="34" charset="0"/>
+                        <a:ea typeface="Calibri" panose="020F0502020204030204" pitchFamily="34" charset="0"/>
+                        <a:cs typeface="Times New Roman" panose="02020603050405020304" pitchFamily="18" charset="0"/>
+                      </a:endParaRPr>
+                    </a:p>
+                  </a:txBody>
+                  <a:tcPr marL="68580" marR="68580" marT="0" marB="0"/>
+                </a:tc>
+                <a:tc>
+                  <a:txBody>
+                    <a:bodyPr/>
+                    <a:lstStyle/>
+                    <a:p>
+                      <a:pPr algn="just">
+                        <a:lnSpc>
+                          <a:spcPct val="115000"/>
+                        </a:lnSpc>
+                        <a:spcAft>
+                          <a:spcPts val="0"/>
+                        </a:spcAft>
+                      </a:pPr>
+                      <a:r>
+                        <a:rPr lang="en-IN" sz="1600" dirty="0" smtClean="0">
+                          <a:effectLst/>
+                          <a:latin typeface="Calibri" panose="020F0502020204030204" pitchFamily="34" charset="0"/>
+                          <a:ea typeface="Calibri" panose="020F0502020204030204" pitchFamily="34" charset="0"/>
+                          <a:cs typeface="Times New Roman" panose="02020603050405020304" pitchFamily="18" charset="0"/>
+                        </a:rPr>
+                        <a:t>10</a:t>
+                      </a:r>
+                      <a:endParaRPr lang="en-IN" sz="1600" dirty="0">
+                        <a:effectLst/>
+                        <a:latin typeface="Calibri" panose="020F0502020204030204" pitchFamily="34" charset="0"/>
+                        <a:ea typeface="Calibri" panose="020F0502020204030204" pitchFamily="34" charset="0"/>
+                        <a:cs typeface="Times New Roman" panose="02020603050405020304" pitchFamily="18" charset="0"/>
+                      </a:endParaRPr>
+                    </a:p>
+                  </a:txBody>
+                  <a:tcPr marL="68580" marR="68580" marT="0" marB="0"/>
+                </a:tc>
+              </a:tr>
+              <a:tr h="445320">
+                <a:tc>
+                  <a:txBody>
+                    <a:bodyPr/>
+                    <a:lstStyle/>
+                    <a:p>
+                      <a:pPr algn="just">
+                        <a:lnSpc>
+                          <a:spcPct val="115000"/>
+                        </a:lnSpc>
+                        <a:spcAft>
+                          <a:spcPts val="0"/>
+                        </a:spcAft>
+                      </a:pPr>
+                      <a:r>
+                        <a:rPr lang="en-IN" sz="1600">
+                          <a:effectLst/>
+                        </a:rPr>
+                        <a:t>Password</a:t>
+                      </a:r>
+                      <a:endParaRPr lang="en-IN" sz="1100">
+                        <a:effectLst/>
+                        <a:latin typeface="Calibri" panose="020F0502020204030204" pitchFamily="34" charset="0"/>
+                        <a:ea typeface="Calibri" panose="020F0502020204030204" pitchFamily="34" charset="0"/>
+                        <a:cs typeface="Times New Roman" panose="02020603050405020304" pitchFamily="18" charset="0"/>
+                      </a:endParaRPr>
+                    </a:p>
+                  </a:txBody>
+                  <a:tcPr marL="68580" marR="68580" marT="0" marB="0"/>
+                </a:tc>
+                <a:tc>
+                  <a:txBody>
+                    <a:bodyPr/>
+                    <a:lstStyle/>
+                    <a:p>
+                      <a:pPr algn="just">
+                        <a:lnSpc>
+                          <a:spcPct val="115000"/>
+                        </a:lnSpc>
+                        <a:spcAft>
+                          <a:spcPts val="0"/>
+                        </a:spcAft>
+                      </a:pPr>
+                      <a:r>
+                        <a:rPr lang="en-IN" sz="1600" dirty="0">
+                          <a:effectLst/>
+                        </a:rPr>
+                        <a:t>Varchar2</a:t>
+                      </a:r>
+                      <a:endParaRPr lang="en-IN" sz="1100" dirty="0">
+                        <a:effectLst/>
+                        <a:latin typeface="Calibri" panose="020F0502020204030204" pitchFamily="34" charset="0"/>
+                        <a:ea typeface="Calibri" panose="020F0502020204030204" pitchFamily="34" charset="0"/>
+                        <a:cs typeface="Times New Roman" panose="02020603050405020304" pitchFamily="18" charset="0"/>
+                      </a:endParaRPr>
+                    </a:p>
+                  </a:txBody>
+                  <a:tcPr marL="68580" marR="68580" marT="0" marB="0"/>
+                </a:tc>
+                <a:tc>
+                  <a:txBody>
+                    <a:bodyPr/>
+                    <a:lstStyle/>
+                    <a:p>
+                      <a:pPr algn="just">
+                        <a:lnSpc>
+                          <a:spcPct val="115000"/>
+                        </a:lnSpc>
+                        <a:spcAft>
+                          <a:spcPts val="0"/>
+                        </a:spcAft>
+                      </a:pPr>
+                      <a:r>
+                        <a:rPr lang="en-IN" sz="1600">
+                          <a:effectLst/>
+                        </a:rPr>
+                        <a:t>Create password</a:t>
+                      </a:r>
+                      <a:endParaRPr lang="en-IN" sz="1100">
+                        <a:effectLst/>
+                        <a:latin typeface="Calibri" panose="020F0502020204030204" pitchFamily="34" charset="0"/>
+                        <a:ea typeface="Calibri" panose="020F0502020204030204" pitchFamily="34" charset="0"/>
+                        <a:cs typeface="Times New Roman" panose="02020603050405020304" pitchFamily="18" charset="0"/>
+                      </a:endParaRPr>
+                    </a:p>
+                  </a:txBody>
+                  <a:tcPr marL="68580" marR="68580" marT="0" marB="0"/>
+                </a:tc>
+                <a:tc>
+                  <a:txBody>
+                    <a:bodyPr/>
+                    <a:lstStyle/>
+                    <a:p>
+                      <a:pPr algn="just">
+                        <a:lnSpc>
+                          <a:spcPct val="115000"/>
+                        </a:lnSpc>
+                        <a:spcAft>
+                          <a:spcPts val="0"/>
+                        </a:spcAft>
+                      </a:pPr>
+                      <a:r>
+                        <a:rPr lang="en-IN" sz="1600" dirty="0" smtClean="0">
+                          <a:effectLst/>
+                        </a:rPr>
+                        <a:t>20</a:t>
+                      </a:r>
+                      <a:endParaRPr lang="en-IN" sz="1100" dirty="0">
+                        <a:effectLst/>
+                        <a:latin typeface="Calibri" panose="020F0502020204030204" pitchFamily="34" charset="0"/>
+                        <a:ea typeface="Calibri" panose="020F0502020204030204" pitchFamily="34" charset="0"/>
+                        <a:cs typeface="Times New Roman" panose="02020603050405020304" pitchFamily="18" charset="0"/>
+                      </a:endParaRPr>
+                    </a:p>
+                  </a:txBody>
+                  <a:tcPr marL="68580" marR="68580" marT="0" marB="0"/>
+                </a:tc>
+              </a:tr>
+              <a:tr h="523040">
+                <a:tc>
+                  <a:txBody>
+                    <a:bodyPr/>
+                    <a:lstStyle/>
+                    <a:p>
+                      <a:pPr algn="just">
+                        <a:lnSpc>
+                          <a:spcPct val="115000"/>
+                        </a:lnSpc>
+                        <a:spcAft>
+                          <a:spcPts val="0"/>
+                        </a:spcAft>
+                      </a:pPr>
+                      <a:r>
+                        <a:rPr lang="en-IN" sz="1600" dirty="0" smtClean="0">
+                          <a:effectLst/>
+                        </a:rPr>
+                        <a:t>Address</a:t>
+                      </a:r>
+                      <a:endParaRPr lang="en-IN" sz="1100" dirty="0">
+                        <a:effectLst/>
+                        <a:latin typeface="Calibri" panose="020F0502020204030204" pitchFamily="34" charset="0"/>
+                        <a:ea typeface="Calibri" panose="020F0502020204030204" pitchFamily="34" charset="0"/>
+                        <a:cs typeface="Times New Roman" panose="02020603050405020304" pitchFamily="18" charset="0"/>
+                      </a:endParaRPr>
+                    </a:p>
+                  </a:txBody>
+                  <a:tcPr marL="68580" marR="68580" marT="0" marB="0"/>
+                </a:tc>
+                <a:tc>
+                  <a:txBody>
+                    <a:bodyPr/>
+                    <a:lstStyle/>
+                    <a:p>
+                      <a:pPr algn="just">
+                        <a:lnSpc>
+                          <a:spcPct val="115000"/>
+                        </a:lnSpc>
+                        <a:spcAft>
+                          <a:spcPts val="0"/>
+                        </a:spcAft>
+                      </a:pPr>
+                      <a:r>
+                        <a:rPr lang="en-IN" sz="1600" dirty="0">
+                          <a:effectLst/>
+                        </a:rPr>
+                        <a:t>Varchar2</a:t>
+                      </a:r>
+                      <a:endParaRPr lang="en-IN" sz="1100" dirty="0">
+                        <a:effectLst/>
+                        <a:latin typeface="Calibri" panose="020F0502020204030204" pitchFamily="34" charset="0"/>
+                        <a:ea typeface="Calibri" panose="020F0502020204030204" pitchFamily="34" charset="0"/>
+                        <a:cs typeface="Times New Roman" panose="02020603050405020304" pitchFamily="18" charset="0"/>
+                      </a:endParaRPr>
+                    </a:p>
+                  </a:txBody>
+                  <a:tcPr marL="68580" marR="68580" marT="0" marB="0"/>
+                </a:tc>
+                <a:tc>
+                  <a:txBody>
+                    <a:bodyPr/>
+                    <a:lstStyle/>
+                    <a:p>
+                      <a:pPr algn="just">
+                        <a:lnSpc>
+                          <a:spcPct val="115000"/>
+                        </a:lnSpc>
+                        <a:spcAft>
+                          <a:spcPts val="0"/>
+                        </a:spcAft>
+                      </a:pPr>
+                      <a:r>
+                        <a:rPr lang="en-IN" sz="1600" dirty="0">
+                          <a:effectLst/>
+                        </a:rPr>
+                        <a:t>Customer’s </a:t>
+                      </a:r>
+                      <a:r>
+                        <a:rPr lang="en-IN" sz="1600" dirty="0" smtClean="0">
+                          <a:effectLst/>
+                        </a:rPr>
+                        <a:t>Address</a:t>
+                      </a:r>
+                      <a:endParaRPr lang="en-IN" sz="1100" dirty="0">
+                        <a:effectLst/>
+                        <a:latin typeface="Calibri" panose="020F0502020204030204" pitchFamily="34" charset="0"/>
+                        <a:ea typeface="Calibri" panose="020F0502020204030204" pitchFamily="34" charset="0"/>
+                        <a:cs typeface="Times New Roman" panose="02020603050405020304" pitchFamily="18" charset="0"/>
+                      </a:endParaRPr>
+                    </a:p>
+                  </a:txBody>
+                  <a:tcPr marL="68580" marR="68580" marT="0" marB="0"/>
+                </a:tc>
+                <a:tc>
+                  <a:txBody>
+                    <a:bodyPr/>
+                    <a:lstStyle/>
+                    <a:p>
+                      <a:pPr algn="just">
+                        <a:lnSpc>
+                          <a:spcPct val="115000"/>
+                        </a:lnSpc>
+                        <a:spcAft>
+                          <a:spcPts val="0"/>
+                        </a:spcAft>
+                      </a:pPr>
+                      <a:r>
+                        <a:rPr lang="en-IN" sz="1600" dirty="0">
+                          <a:effectLst/>
+                        </a:rPr>
+                        <a:t>20</a:t>
+                      </a:r>
+                      <a:endParaRPr lang="en-IN" sz="1100" dirty="0">
+                        <a:effectLst/>
+                        <a:latin typeface="Calibri" panose="020F0502020204030204" pitchFamily="34" charset="0"/>
+                        <a:ea typeface="Calibri" panose="020F0502020204030204" pitchFamily="34" charset="0"/>
+                        <a:cs typeface="Times New Roman" panose="02020603050405020304" pitchFamily="18" charset="0"/>
+                      </a:endParaRPr>
+                    </a:p>
+                  </a:txBody>
+                  <a:tcPr marL="68580" marR="68580" marT="0" marB="0"/>
+                </a:tc>
+              </a:tr>
+              <a:tr h="316342">
+                <a:tc>
+                  <a:txBody>
+                    <a:bodyPr/>
+                    <a:lstStyle/>
+                    <a:p>
+                      <a:pPr algn="just">
+                        <a:lnSpc>
+                          <a:spcPct val="115000"/>
+                        </a:lnSpc>
+                        <a:spcAft>
+                          <a:spcPts val="0"/>
+                        </a:spcAft>
+                      </a:pPr>
+                      <a:r>
+                        <a:rPr lang="en-IN" sz="1600" dirty="0" err="1" smtClean="0">
+                          <a:effectLst/>
+                          <a:latin typeface="Calibri" panose="020F0502020204030204" pitchFamily="34" charset="0"/>
+                          <a:ea typeface="Calibri" panose="020F0502020204030204" pitchFamily="34" charset="0"/>
+                          <a:cs typeface="Times New Roman" panose="02020603050405020304" pitchFamily="18" charset="0"/>
+                        </a:rPr>
+                        <a:t>AdharCard_Number</a:t>
+                      </a:r>
+                      <a:endParaRPr lang="en-IN" sz="1600" dirty="0">
+                        <a:effectLst/>
+                        <a:latin typeface="Calibri" panose="020F0502020204030204" pitchFamily="34" charset="0"/>
+                        <a:ea typeface="Calibri" panose="020F0502020204030204" pitchFamily="34" charset="0"/>
+                        <a:cs typeface="Times New Roman" panose="02020603050405020304" pitchFamily="18" charset="0"/>
+                      </a:endParaRPr>
+                    </a:p>
+                  </a:txBody>
+                  <a:tcPr marL="68580" marR="68580" marT="0" marB="0"/>
+                </a:tc>
+                <a:tc>
+                  <a:txBody>
+                    <a:bodyPr/>
+                    <a:lstStyle/>
+                    <a:p>
+                      <a:pPr algn="just">
+                        <a:lnSpc>
+                          <a:spcPct val="115000"/>
+                        </a:lnSpc>
+                        <a:spcAft>
+                          <a:spcPts val="0"/>
+                        </a:spcAft>
+                      </a:pPr>
+                      <a:r>
+                        <a:rPr lang="en-IN" sz="1600" dirty="0" smtClean="0">
+                          <a:effectLst/>
+                          <a:latin typeface="Calibri" panose="020F0502020204030204" pitchFamily="34" charset="0"/>
+                          <a:ea typeface="Calibri" panose="020F0502020204030204" pitchFamily="34" charset="0"/>
+                          <a:cs typeface="Times New Roman" panose="02020603050405020304" pitchFamily="18" charset="0"/>
+                        </a:rPr>
+                        <a:t>Integer</a:t>
+                      </a:r>
+                      <a:endParaRPr lang="en-IN" sz="1600" dirty="0">
+                        <a:effectLst/>
+                        <a:latin typeface="Calibri" panose="020F0502020204030204" pitchFamily="34" charset="0"/>
+                        <a:ea typeface="Calibri" panose="020F0502020204030204" pitchFamily="34" charset="0"/>
+                        <a:cs typeface="Times New Roman" panose="02020603050405020304" pitchFamily="18" charset="0"/>
+                      </a:endParaRPr>
+                    </a:p>
+                  </a:txBody>
+                  <a:tcPr marL="68580" marR="68580" marT="0" marB="0"/>
+                </a:tc>
+                <a:tc>
+                  <a:txBody>
+                    <a:bodyPr/>
+                    <a:lstStyle/>
+                    <a:p>
+                      <a:pPr algn="just">
+                        <a:lnSpc>
+                          <a:spcPct val="115000"/>
+                        </a:lnSpc>
+                        <a:spcAft>
+                          <a:spcPts val="0"/>
+                        </a:spcAft>
+                      </a:pPr>
+                      <a:r>
+                        <a:rPr lang="en-IN" sz="1600" dirty="0" err="1" smtClean="0">
+                          <a:effectLst/>
+                          <a:latin typeface="Calibri" panose="020F0502020204030204" pitchFamily="34" charset="0"/>
+                          <a:ea typeface="Calibri" panose="020F0502020204030204" pitchFamily="34" charset="0"/>
+                          <a:cs typeface="Times New Roman" panose="02020603050405020304" pitchFamily="18" charset="0"/>
+                        </a:rPr>
+                        <a:t>AdharCard_Number</a:t>
+                      </a:r>
+                      <a:endParaRPr lang="en-IN" sz="1600" dirty="0">
+                        <a:effectLst/>
+                        <a:latin typeface="Calibri" panose="020F0502020204030204" pitchFamily="34" charset="0"/>
+                        <a:ea typeface="Calibri" panose="020F0502020204030204" pitchFamily="34" charset="0"/>
+                        <a:cs typeface="Times New Roman" panose="02020603050405020304" pitchFamily="18" charset="0"/>
+                      </a:endParaRPr>
+                    </a:p>
+                  </a:txBody>
+                  <a:tcPr marL="68580" marR="68580" marT="0" marB="0"/>
+                </a:tc>
+                <a:tc>
+                  <a:txBody>
+                    <a:bodyPr/>
+                    <a:lstStyle/>
+                    <a:p>
+                      <a:pPr algn="just">
+                        <a:lnSpc>
+                          <a:spcPct val="115000"/>
+                        </a:lnSpc>
+                        <a:spcAft>
+                          <a:spcPts val="0"/>
+                        </a:spcAft>
+                      </a:pPr>
+                      <a:r>
+                        <a:rPr lang="en-IN" sz="1600" dirty="0" smtClean="0">
+                          <a:effectLst/>
+                          <a:latin typeface="Calibri" panose="020F0502020204030204" pitchFamily="34" charset="0"/>
+                          <a:ea typeface="Calibri" panose="020F0502020204030204" pitchFamily="34" charset="0"/>
+                          <a:cs typeface="Times New Roman" panose="02020603050405020304" pitchFamily="18" charset="0"/>
+                        </a:rPr>
+                        <a:t>16</a:t>
+                      </a:r>
+                      <a:endParaRPr lang="en-IN" sz="1600" dirty="0">
+                        <a:effectLst/>
+                        <a:latin typeface="Calibri" panose="020F0502020204030204" pitchFamily="34" charset="0"/>
+                        <a:ea typeface="Calibri" panose="020F0502020204030204" pitchFamily="34" charset="0"/>
+                        <a:cs typeface="Times New Roman" panose="02020603050405020304" pitchFamily="18" charset="0"/>
+                      </a:endParaRPr>
+                    </a:p>
+                  </a:txBody>
+                  <a:tcPr marL="68580" marR="68580" marT="0" marB="0"/>
+                </a:tc>
+              </a:tr>
+              <a:tr h="316342">
+                <a:tc>
+                  <a:txBody>
+                    <a:bodyPr/>
+                    <a:lstStyle/>
+                    <a:p>
+                      <a:pPr algn="just">
+                        <a:lnSpc>
+                          <a:spcPct val="115000"/>
+                        </a:lnSpc>
+                        <a:spcAft>
+                          <a:spcPts val="0"/>
+                        </a:spcAft>
+                      </a:pPr>
+                      <a:r>
+                        <a:rPr lang="en-IN" sz="1600" dirty="0" err="1" smtClean="0">
+                          <a:effectLst/>
+                          <a:latin typeface="Calibri" panose="020F0502020204030204" pitchFamily="34" charset="0"/>
+                          <a:ea typeface="Calibri" panose="020F0502020204030204" pitchFamily="34" charset="0"/>
+                          <a:cs typeface="Times New Roman" panose="02020603050405020304" pitchFamily="18" charset="0"/>
+                        </a:rPr>
+                        <a:t>Pancard_Number</a:t>
+                      </a:r>
+                      <a:endParaRPr lang="en-IN" sz="1600" dirty="0">
+                        <a:effectLst/>
+                        <a:latin typeface="Calibri" panose="020F0502020204030204" pitchFamily="34" charset="0"/>
+                        <a:ea typeface="Calibri" panose="020F0502020204030204" pitchFamily="34" charset="0"/>
+                        <a:cs typeface="Times New Roman" panose="02020603050405020304" pitchFamily="18" charset="0"/>
+                      </a:endParaRPr>
+                    </a:p>
+                  </a:txBody>
+                  <a:tcPr marL="68580" marR="68580" marT="0" marB="0"/>
+                </a:tc>
+                <a:tc>
+                  <a:txBody>
+                    <a:bodyPr/>
+                    <a:lstStyle/>
+                    <a:p>
+                      <a:pPr algn="just">
+                        <a:lnSpc>
+                          <a:spcPct val="115000"/>
+                        </a:lnSpc>
+                        <a:spcAft>
+                          <a:spcPts val="0"/>
+                        </a:spcAft>
+                      </a:pPr>
+                      <a:r>
+                        <a:rPr lang="en-IN" sz="1600" dirty="0" smtClean="0">
+                          <a:effectLst/>
+                          <a:latin typeface="Calibri" panose="020F0502020204030204" pitchFamily="34" charset="0"/>
+                          <a:ea typeface="Calibri" panose="020F0502020204030204" pitchFamily="34" charset="0"/>
+                          <a:cs typeface="Times New Roman" panose="02020603050405020304" pitchFamily="18" charset="0"/>
+                        </a:rPr>
+                        <a:t>Integer</a:t>
+                      </a:r>
+                      <a:endParaRPr lang="en-IN" sz="1600" dirty="0">
+                        <a:effectLst/>
+                        <a:latin typeface="Calibri" panose="020F0502020204030204" pitchFamily="34" charset="0"/>
+                        <a:ea typeface="Calibri" panose="020F0502020204030204" pitchFamily="34" charset="0"/>
+                        <a:cs typeface="Times New Roman" panose="02020603050405020304" pitchFamily="18" charset="0"/>
+                      </a:endParaRPr>
+                    </a:p>
+                  </a:txBody>
+                  <a:tcPr marL="68580" marR="68580" marT="0" marB="0"/>
+                </a:tc>
+                <a:tc>
+                  <a:txBody>
+                    <a:bodyPr/>
+                    <a:lstStyle/>
+                    <a:p>
+                      <a:pPr algn="just">
+                        <a:lnSpc>
+                          <a:spcPct val="115000"/>
+                        </a:lnSpc>
+                        <a:spcAft>
+                          <a:spcPts val="0"/>
+                        </a:spcAft>
+                      </a:pPr>
+                      <a:r>
+                        <a:rPr lang="en-IN" sz="1600" dirty="0" err="1" smtClean="0">
+                          <a:effectLst/>
+                          <a:latin typeface="Calibri" panose="020F0502020204030204" pitchFamily="34" charset="0"/>
+                          <a:ea typeface="Calibri" panose="020F0502020204030204" pitchFamily="34" charset="0"/>
+                          <a:cs typeface="Times New Roman" panose="02020603050405020304" pitchFamily="18" charset="0"/>
+                        </a:rPr>
+                        <a:t>Pancard_Number</a:t>
+                      </a:r>
+                      <a:endParaRPr lang="en-IN" sz="1600" dirty="0">
+                        <a:effectLst/>
+                        <a:latin typeface="Calibri" panose="020F0502020204030204" pitchFamily="34" charset="0"/>
+                        <a:ea typeface="Calibri" panose="020F0502020204030204" pitchFamily="34" charset="0"/>
+                        <a:cs typeface="Times New Roman" panose="02020603050405020304" pitchFamily="18" charset="0"/>
+                      </a:endParaRPr>
+                    </a:p>
+                  </a:txBody>
+                  <a:tcPr marL="68580" marR="68580" marT="0" marB="0"/>
+                </a:tc>
+                <a:tc>
+                  <a:txBody>
+                    <a:bodyPr/>
+                    <a:lstStyle/>
+                    <a:p>
+                      <a:pPr algn="just">
+                        <a:lnSpc>
+                          <a:spcPct val="115000"/>
+                        </a:lnSpc>
+                        <a:spcAft>
+                          <a:spcPts val="0"/>
+                        </a:spcAft>
+                      </a:pPr>
+                      <a:r>
+                        <a:rPr lang="en-IN" sz="1600" dirty="0" smtClean="0">
+                          <a:effectLst/>
+                          <a:latin typeface="Calibri" panose="020F0502020204030204" pitchFamily="34" charset="0"/>
+                          <a:ea typeface="Calibri" panose="020F0502020204030204" pitchFamily="34" charset="0"/>
+                          <a:cs typeface="Times New Roman" panose="02020603050405020304" pitchFamily="18" charset="0"/>
+                        </a:rPr>
+                        <a:t>10</a:t>
+                      </a:r>
+                      <a:endParaRPr lang="en-IN" sz="1600" dirty="0">
+                        <a:effectLst/>
+                        <a:latin typeface="Calibri" panose="020F0502020204030204" pitchFamily="34" charset="0"/>
+                        <a:ea typeface="Calibri" panose="020F0502020204030204" pitchFamily="34" charset="0"/>
+                        <a:cs typeface="Times New Roman" panose="02020603050405020304" pitchFamily="18" charset="0"/>
+                      </a:endParaRPr>
+                    </a:p>
+                  </a:txBody>
+                  <a:tcPr marL="68580" marR="68580" marT="0" marB="0"/>
+                </a:tc>
+              </a:tr>
+              <a:tr h="632685">
+                <a:tc>
+                  <a:txBody>
+                    <a:bodyPr/>
+                    <a:lstStyle/>
+                    <a:p>
+                      <a:pPr algn="just">
+                        <a:lnSpc>
+                          <a:spcPct val="115000"/>
+                        </a:lnSpc>
+                        <a:spcAft>
+                          <a:spcPts val="0"/>
+                        </a:spcAft>
+                      </a:pPr>
+                      <a:r>
+                        <a:rPr lang="en-IN" sz="1600" dirty="0" smtClean="0">
+                          <a:effectLst/>
+                          <a:latin typeface="Calibri" panose="020F0502020204030204" pitchFamily="34" charset="0"/>
+                          <a:ea typeface="Calibri" panose="020F0502020204030204" pitchFamily="34" charset="0"/>
+                          <a:cs typeface="Times New Roman" panose="02020603050405020304" pitchFamily="18" charset="0"/>
+                        </a:rPr>
+                        <a:t>Field</a:t>
+                      </a:r>
+                      <a:endParaRPr lang="en-IN" sz="1600" dirty="0">
+                        <a:effectLst/>
+                        <a:latin typeface="Calibri" panose="020F0502020204030204" pitchFamily="34" charset="0"/>
+                        <a:ea typeface="Calibri" panose="020F0502020204030204" pitchFamily="34" charset="0"/>
+                        <a:cs typeface="Times New Roman" panose="02020603050405020304" pitchFamily="18" charset="0"/>
+                      </a:endParaRPr>
+                    </a:p>
+                  </a:txBody>
+                  <a:tcPr marL="68580" marR="68580" marT="0" marB="0"/>
+                </a:tc>
+                <a:tc>
+                  <a:txBody>
+                    <a:bodyPr/>
+                    <a:lstStyle/>
+                    <a:p>
+                      <a:pPr algn="just">
+                        <a:lnSpc>
+                          <a:spcPct val="115000"/>
+                        </a:lnSpc>
+                        <a:spcAft>
+                          <a:spcPts val="0"/>
+                        </a:spcAft>
+                      </a:pPr>
+                      <a:r>
+                        <a:rPr lang="en-IN" sz="1600" dirty="0" smtClean="0">
+                          <a:effectLst/>
+                          <a:latin typeface="Calibri" panose="020F0502020204030204" pitchFamily="34" charset="0"/>
+                          <a:ea typeface="Calibri" panose="020F0502020204030204" pitchFamily="34" charset="0"/>
+                          <a:cs typeface="Times New Roman" panose="02020603050405020304" pitchFamily="18" charset="0"/>
+                        </a:rPr>
+                        <a:t>String</a:t>
+                      </a:r>
+                      <a:endParaRPr lang="en-IN" sz="1600" dirty="0">
+                        <a:effectLst/>
+                        <a:latin typeface="Calibri" panose="020F0502020204030204" pitchFamily="34" charset="0"/>
+                        <a:ea typeface="Calibri" panose="020F0502020204030204" pitchFamily="34" charset="0"/>
+                        <a:cs typeface="Times New Roman" panose="02020603050405020304" pitchFamily="18" charset="0"/>
+                      </a:endParaRPr>
+                    </a:p>
+                  </a:txBody>
+                  <a:tcPr marL="68580" marR="68580" marT="0" marB="0"/>
+                </a:tc>
+                <a:tc>
+                  <a:txBody>
+                    <a:bodyPr/>
+                    <a:lstStyle/>
+                    <a:p>
+                      <a:pPr algn="just">
+                        <a:lnSpc>
+                          <a:spcPct val="115000"/>
+                        </a:lnSpc>
+                        <a:spcAft>
+                          <a:spcPts val="0"/>
+                        </a:spcAft>
+                      </a:pPr>
+                      <a:r>
+                        <a:rPr lang="en-IN" sz="1600" dirty="0" smtClean="0">
+                          <a:effectLst/>
+                          <a:latin typeface="Calibri" panose="020F0502020204030204" pitchFamily="34" charset="0"/>
+                          <a:ea typeface="Calibri" panose="020F0502020204030204" pitchFamily="34" charset="0"/>
+                          <a:cs typeface="Times New Roman" panose="02020603050405020304" pitchFamily="18" charset="0"/>
+                        </a:rPr>
+                        <a:t>Specific Field of Professionals</a:t>
+                      </a:r>
+                      <a:endParaRPr lang="en-IN" sz="1600" dirty="0">
+                        <a:effectLst/>
+                        <a:latin typeface="Calibri" panose="020F0502020204030204" pitchFamily="34" charset="0"/>
+                        <a:ea typeface="Calibri" panose="020F0502020204030204" pitchFamily="34" charset="0"/>
+                        <a:cs typeface="Times New Roman" panose="02020603050405020304" pitchFamily="18" charset="0"/>
+                      </a:endParaRPr>
+                    </a:p>
+                  </a:txBody>
+                  <a:tcPr marL="68580" marR="68580" marT="0" marB="0"/>
+                </a:tc>
+                <a:tc>
+                  <a:txBody>
+                    <a:bodyPr/>
+                    <a:lstStyle/>
+                    <a:p>
+                      <a:pPr algn="just">
+                        <a:lnSpc>
+                          <a:spcPct val="115000"/>
+                        </a:lnSpc>
+                        <a:spcAft>
+                          <a:spcPts val="0"/>
+                        </a:spcAft>
+                      </a:pPr>
+                      <a:r>
+                        <a:rPr lang="en-IN" sz="1600" dirty="0" smtClean="0">
+                          <a:effectLst/>
+                          <a:latin typeface="Calibri" panose="020F0502020204030204" pitchFamily="34" charset="0"/>
+                          <a:ea typeface="Calibri" panose="020F0502020204030204" pitchFamily="34" charset="0"/>
+                          <a:cs typeface="Times New Roman" panose="02020603050405020304" pitchFamily="18" charset="0"/>
+                        </a:rPr>
+                        <a:t>20</a:t>
+                      </a:r>
+                      <a:endParaRPr lang="en-IN" sz="1600" dirty="0">
+                        <a:effectLst/>
+                        <a:latin typeface="Calibri" panose="020F0502020204030204" pitchFamily="34" charset="0"/>
+                        <a:ea typeface="Calibri" panose="020F0502020204030204" pitchFamily="34" charset="0"/>
+                        <a:cs typeface="Times New Roman" panose="02020603050405020304" pitchFamily="18" charset="0"/>
+                      </a:endParaRPr>
+                    </a:p>
+                  </a:txBody>
+                  <a:tcPr marL="68580" marR="68580" marT="0" marB="0"/>
+                </a:tc>
+              </a:tr>
+            </a:tbl>
+          </a:graphicData>
+        </a:graphic>
+      </p:graphicFrame>
     </p:spTree>
     <p:extLst>
       <p:ext uri="{BB962C8B-B14F-4D97-AF65-F5344CB8AC3E}">
-        <p14:creationId xmlns:p14="http://schemas.microsoft.com/office/powerpoint/2010/main" val="3911467855"/>
+        <p14:creationId xmlns:p14="http://schemas.microsoft.com/office/powerpoint/2010/main" val="4029743632"/>
       </p:ext>
     </p:extLst>
   </p:cSld>
   <p:clrMapOvr>
     <a:masterClrMapping/>
   </p:clrMapOvr>
-  <p:timing>
-    <p:tnLst>
-      <p:par>
-        <p:cTn id="1" dur="indefinite" restart="never" nodeType="tmRoot"/>
-      </p:par>
-    </p:tnLst>
-  </p:timing>
 </p:sld>
 </file>
 
@@ -6916,141 +7104,1097 @@
           <a:chExt cx="0" cy="0"/>
         </a:xfrm>
       </p:grpSpPr>
+      <p:graphicFrame>
+        <p:nvGraphicFramePr>
+          <p:cNvPr id="4" name="Table 3"/>
+          <p:cNvGraphicFramePr>
+            <a:graphicFrameLocks noGrp="1"/>
+          </p:cNvGraphicFramePr>
+          <p:nvPr>
+            <p:extLst>
+              <p:ext uri="{D42A27DB-BD31-4B8C-83A1-F6EECF244321}">
+                <p14:modId xmlns:p14="http://schemas.microsoft.com/office/powerpoint/2010/main" val="1347913810"/>
+              </p:ext>
+            </p:extLst>
+          </p:nvPr>
+        </p:nvGraphicFramePr>
+        <p:xfrm>
+          <a:off x="4765887" y="875764"/>
+          <a:ext cx="6452314" cy="5151549"/>
+        </p:xfrm>
+        <a:graphic>
+          <a:graphicData uri="http://schemas.openxmlformats.org/drawingml/2006/table">
+            <a:tbl>
+              <a:tblPr firstRow="1" firstCol="1" bandRow="1">
+                <a:tableStyleId>{5C22544A-7EE6-4342-B048-85BDC9FD1C3A}</a:tableStyleId>
+              </a:tblPr>
+              <a:tblGrid>
+                <a:gridCol w="1612730"/>
+                <a:gridCol w="1612730"/>
+                <a:gridCol w="1613427"/>
+                <a:gridCol w="1613427"/>
+              </a:tblGrid>
+              <a:tr h="647993">
+                <a:tc>
+                  <a:txBody>
+                    <a:bodyPr/>
+                    <a:lstStyle/>
+                    <a:p>
+                      <a:pPr algn="just">
+                        <a:lnSpc>
+                          <a:spcPct val="115000"/>
+                        </a:lnSpc>
+                        <a:spcAft>
+                          <a:spcPts val="0"/>
+                        </a:spcAft>
+                      </a:pPr>
+                      <a:r>
+                        <a:rPr lang="en-IN" sz="1600" dirty="0">
+                          <a:effectLst/>
+                        </a:rPr>
+                        <a:t>Attribute</a:t>
+                      </a:r>
+                      <a:endParaRPr lang="en-IN" sz="1100" dirty="0">
+                        <a:effectLst/>
+                        <a:latin typeface="Calibri" panose="020F0502020204030204" pitchFamily="34" charset="0"/>
+                        <a:ea typeface="Calibri" panose="020F0502020204030204" pitchFamily="34" charset="0"/>
+                        <a:cs typeface="Times New Roman" panose="02020603050405020304" pitchFamily="18" charset="0"/>
+                      </a:endParaRPr>
+                    </a:p>
+                  </a:txBody>
+                  <a:tcPr marL="68580" marR="68580" marT="0" marB="0"/>
+                </a:tc>
+                <a:tc>
+                  <a:txBody>
+                    <a:bodyPr/>
+                    <a:lstStyle/>
+                    <a:p>
+                      <a:pPr algn="just">
+                        <a:lnSpc>
+                          <a:spcPct val="115000"/>
+                        </a:lnSpc>
+                        <a:spcAft>
+                          <a:spcPts val="0"/>
+                        </a:spcAft>
+                      </a:pPr>
+                      <a:r>
+                        <a:rPr lang="en-IN" sz="1600" dirty="0">
+                          <a:effectLst/>
+                        </a:rPr>
+                        <a:t>Data Type</a:t>
+                      </a:r>
+                      <a:endParaRPr lang="en-IN" sz="1100" dirty="0">
+                        <a:effectLst/>
+                        <a:latin typeface="Calibri" panose="020F0502020204030204" pitchFamily="34" charset="0"/>
+                        <a:ea typeface="Calibri" panose="020F0502020204030204" pitchFamily="34" charset="0"/>
+                        <a:cs typeface="Times New Roman" panose="02020603050405020304" pitchFamily="18" charset="0"/>
+                      </a:endParaRPr>
+                    </a:p>
+                  </a:txBody>
+                  <a:tcPr marL="68580" marR="68580" marT="0" marB="0"/>
+                </a:tc>
+                <a:tc>
+                  <a:txBody>
+                    <a:bodyPr/>
+                    <a:lstStyle/>
+                    <a:p>
+                      <a:pPr algn="just">
+                        <a:lnSpc>
+                          <a:spcPct val="115000"/>
+                        </a:lnSpc>
+                        <a:spcAft>
+                          <a:spcPts val="0"/>
+                        </a:spcAft>
+                      </a:pPr>
+                      <a:r>
+                        <a:rPr lang="en-IN" sz="1600" dirty="0">
+                          <a:effectLst/>
+                        </a:rPr>
+                        <a:t>Description </a:t>
+                      </a:r>
+                      <a:endParaRPr lang="en-IN" sz="1100" dirty="0">
+                        <a:effectLst/>
+                        <a:latin typeface="Calibri" panose="020F0502020204030204" pitchFamily="34" charset="0"/>
+                        <a:ea typeface="Calibri" panose="020F0502020204030204" pitchFamily="34" charset="0"/>
+                        <a:cs typeface="Times New Roman" panose="02020603050405020304" pitchFamily="18" charset="0"/>
+                      </a:endParaRPr>
+                    </a:p>
+                  </a:txBody>
+                  <a:tcPr marL="68580" marR="68580" marT="0" marB="0"/>
+                </a:tc>
+                <a:tc>
+                  <a:txBody>
+                    <a:bodyPr/>
+                    <a:lstStyle/>
+                    <a:p>
+                      <a:pPr algn="just">
+                        <a:lnSpc>
+                          <a:spcPct val="115000"/>
+                        </a:lnSpc>
+                        <a:spcAft>
+                          <a:spcPts val="0"/>
+                        </a:spcAft>
+                      </a:pPr>
+                      <a:r>
+                        <a:rPr lang="en-IN" sz="1600">
+                          <a:effectLst/>
+                        </a:rPr>
+                        <a:t>Size</a:t>
+                      </a:r>
+                      <a:endParaRPr lang="en-IN" sz="1100">
+                        <a:effectLst/>
+                        <a:latin typeface="Calibri" panose="020F0502020204030204" pitchFamily="34" charset="0"/>
+                        <a:ea typeface="Calibri" panose="020F0502020204030204" pitchFamily="34" charset="0"/>
+                        <a:cs typeface="Times New Roman" panose="02020603050405020304" pitchFamily="18" charset="0"/>
+                      </a:endParaRPr>
+                    </a:p>
+                  </a:txBody>
+                  <a:tcPr marL="68580" marR="68580" marT="0" marB="0"/>
+                </a:tc>
+              </a:tr>
+              <a:tr h="670942">
+                <a:tc>
+                  <a:txBody>
+                    <a:bodyPr/>
+                    <a:lstStyle/>
+                    <a:p>
+                      <a:pPr algn="just">
+                        <a:lnSpc>
+                          <a:spcPct val="115000"/>
+                        </a:lnSpc>
+                        <a:spcAft>
+                          <a:spcPts val="0"/>
+                        </a:spcAft>
+                      </a:pPr>
+                      <a:r>
+                        <a:rPr lang="en-IN" sz="1600" dirty="0" err="1" smtClean="0">
+                          <a:effectLst/>
+                          <a:latin typeface="Calibri" panose="020F0502020204030204" pitchFamily="34" charset="0"/>
+                          <a:ea typeface="Calibri" panose="020F0502020204030204" pitchFamily="34" charset="0"/>
+                          <a:cs typeface="Times New Roman" panose="02020603050405020304" pitchFamily="18" charset="0"/>
+                        </a:rPr>
+                        <a:t>Customer_Name</a:t>
+                      </a:r>
+                      <a:endParaRPr lang="en-IN" sz="1600" dirty="0">
+                        <a:effectLst/>
+                        <a:latin typeface="Calibri" panose="020F0502020204030204" pitchFamily="34" charset="0"/>
+                        <a:ea typeface="Calibri" panose="020F0502020204030204" pitchFamily="34" charset="0"/>
+                        <a:cs typeface="Times New Roman" panose="02020603050405020304" pitchFamily="18" charset="0"/>
+                      </a:endParaRPr>
+                    </a:p>
+                  </a:txBody>
+                  <a:tcPr marL="68580" marR="68580" marT="0" marB="0"/>
+                </a:tc>
+                <a:tc>
+                  <a:txBody>
+                    <a:bodyPr/>
+                    <a:lstStyle/>
+                    <a:p>
+                      <a:pPr algn="just">
+                        <a:lnSpc>
+                          <a:spcPct val="115000"/>
+                        </a:lnSpc>
+                        <a:spcAft>
+                          <a:spcPts val="0"/>
+                        </a:spcAft>
+                      </a:pPr>
+                      <a:r>
+                        <a:rPr lang="en-IN" sz="1600" dirty="0" smtClean="0">
+                          <a:effectLst/>
+                          <a:latin typeface="Calibri" panose="020F0502020204030204" pitchFamily="34" charset="0"/>
+                          <a:ea typeface="Calibri" panose="020F0502020204030204" pitchFamily="34" charset="0"/>
+                          <a:cs typeface="Times New Roman" panose="02020603050405020304" pitchFamily="18" charset="0"/>
+                        </a:rPr>
+                        <a:t>String</a:t>
+                      </a:r>
+                      <a:endParaRPr lang="en-IN" sz="1600" dirty="0">
+                        <a:effectLst/>
+                        <a:latin typeface="Calibri" panose="020F0502020204030204" pitchFamily="34" charset="0"/>
+                        <a:ea typeface="Calibri" panose="020F0502020204030204" pitchFamily="34" charset="0"/>
+                        <a:cs typeface="Times New Roman" panose="02020603050405020304" pitchFamily="18" charset="0"/>
+                      </a:endParaRPr>
+                    </a:p>
+                  </a:txBody>
+                  <a:tcPr marL="68580" marR="68580" marT="0" marB="0"/>
+                </a:tc>
+                <a:tc>
+                  <a:txBody>
+                    <a:bodyPr/>
+                    <a:lstStyle/>
+                    <a:p>
+                      <a:pPr algn="just">
+                        <a:lnSpc>
+                          <a:spcPct val="115000"/>
+                        </a:lnSpc>
+                        <a:spcAft>
+                          <a:spcPts val="0"/>
+                        </a:spcAft>
+                      </a:pPr>
+                      <a:r>
+                        <a:rPr lang="en-IN" sz="1600" dirty="0" smtClean="0">
+                          <a:effectLst/>
+                          <a:latin typeface="Calibri" panose="020F0502020204030204" pitchFamily="34" charset="0"/>
+                          <a:ea typeface="Calibri" panose="020F0502020204030204" pitchFamily="34" charset="0"/>
+                          <a:cs typeface="Times New Roman" panose="02020603050405020304" pitchFamily="18" charset="0"/>
+                        </a:rPr>
+                        <a:t>Name of the customer</a:t>
+                      </a:r>
+                      <a:endParaRPr lang="en-IN" sz="1600" dirty="0">
+                        <a:effectLst/>
+                        <a:latin typeface="Calibri" panose="020F0502020204030204" pitchFamily="34" charset="0"/>
+                        <a:ea typeface="Calibri" panose="020F0502020204030204" pitchFamily="34" charset="0"/>
+                        <a:cs typeface="Times New Roman" panose="02020603050405020304" pitchFamily="18" charset="0"/>
+                      </a:endParaRPr>
+                    </a:p>
+                  </a:txBody>
+                  <a:tcPr marL="68580" marR="68580" marT="0" marB="0"/>
+                </a:tc>
+                <a:tc>
+                  <a:txBody>
+                    <a:bodyPr/>
+                    <a:lstStyle/>
+                    <a:p>
+                      <a:pPr algn="just">
+                        <a:lnSpc>
+                          <a:spcPct val="115000"/>
+                        </a:lnSpc>
+                        <a:spcAft>
+                          <a:spcPts val="0"/>
+                        </a:spcAft>
+                      </a:pPr>
+                      <a:r>
+                        <a:rPr lang="en-IN" sz="1600" dirty="0" smtClean="0">
+                          <a:effectLst/>
+                          <a:latin typeface="Calibri" panose="020F0502020204030204" pitchFamily="34" charset="0"/>
+                          <a:ea typeface="Calibri" panose="020F0502020204030204" pitchFamily="34" charset="0"/>
+                          <a:cs typeface="Times New Roman" panose="02020603050405020304" pitchFamily="18" charset="0"/>
+                        </a:rPr>
+                        <a:t>20</a:t>
+                      </a:r>
+                      <a:endParaRPr lang="en-IN" sz="1600" dirty="0">
+                        <a:effectLst/>
+                        <a:latin typeface="Calibri" panose="020F0502020204030204" pitchFamily="34" charset="0"/>
+                        <a:ea typeface="Calibri" panose="020F0502020204030204" pitchFamily="34" charset="0"/>
+                        <a:cs typeface="Times New Roman" panose="02020603050405020304" pitchFamily="18" charset="0"/>
+                      </a:endParaRPr>
+                    </a:p>
+                  </a:txBody>
+                  <a:tcPr marL="68580" marR="68580" marT="0" marB="0"/>
+                </a:tc>
+              </a:tr>
+              <a:tr h="579549">
+                <a:tc>
+                  <a:txBody>
+                    <a:bodyPr/>
+                    <a:lstStyle/>
+                    <a:p>
+                      <a:pPr algn="just">
+                        <a:lnSpc>
+                          <a:spcPct val="115000"/>
+                        </a:lnSpc>
+                        <a:spcAft>
+                          <a:spcPts val="0"/>
+                        </a:spcAft>
+                      </a:pPr>
+                      <a:r>
+                        <a:rPr lang="en-IN" sz="1600" dirty="0">
+                          <a:effectLst/>
+                        </a:rPr>
+                        <a:t>Name of services</a:t>
+                      </a:r>
+                      <a:endParaRPr lang="en-IN" sz="1100" dirty="0">
+                        <a:effectLst/>
+                        <a:latin typeface="Calibri" panose="020F0502020204030204" pitchFamily="34" charset="0"/>
+                        <a:ea typeface="Calibri" panose="020F0502020204030204" pitchFamily="34" charset="0"/>
+                        <a:cs typeface="Times New Roman" panose="02020603050405020304" pitchFamily="18" charset="0"/>
+                      </a:endParaRPr>
+                    </a:p>
+                  </a:txBody>
+                  <a:tcPr marL="68580" marR="68580" marT="0" marB="0"/>
+                </a:tc>
+                <a:tc>
+                  <a:txBody>
+                    <a:bodyPr/>
+                    <a:lstStyle/>
+                    <a:p>
+                      <a:pPr algn="just">
+                        <a:lnSpc>
+                          <a:spcPct val="115000"/>
+                        </a:lnSpc>
+                        <a:spcAft>
+                          <a:spcPts val="0"/>
+                        </a:spcAft>
+                      </a:pPr>
+                      <a:r>
+                        <a:rPr lang="en-IN" sz="1600" dirty="0">
+                          <a:effectLst/>
+                        </a:rPr>
+                        <a:t>Varchar2</a:t>
+                      </a:r>
+                      <a:endParaRPr lang="en-IN" sz="1100" dirty="0">
+                        <a:effectLst/>
+                        <a:latin typeface="Calibri" panose="020F0502020204030204" pitchFamily="34" charset="0"/>
+                        <a:ea typeface="Calibri" panose="020F0502020204030204" pitchFamily="34" charset="0"/>
+                        <a:cs typeface="Times New Roman" panose="02020603050405020304" pitchFamily="18" charset="0"/>
+                      </a:endParaRPr>
+                    </a:p>
+                  </a:txBody>
+                  <a:tcPr marL="68580" marR="68580" marT="0" marB="0"/>
+                </a:tc>
+                <a:tc>
+                  <a:txBody>
+                    <a:bodyPr/>
+                    <a:lstStyle/>
+                    <a:p>
+                      <a:pPr algn="just">
+                        <a:lnSpc>
+                          <a:spcPct val="115000"/>
+                        </a:lnSpc>
+                        <a:spcAft>
+                          <a:spcPts val="0"/>
+                        </a:spcAft>
+                      </a:pPr>
+                      <a:r>
+                        <a:rPr lang="en-IN" sz="1600" dirty="0">
+                          <a:effectLst/>
+                        </a:rPr>
+                        <a:t>Services name</a:t>
+                      </a:r>
+                      <a:endParaRPr lang="en-IN" sz="1100" dirty="0">
+                        <a:effectLst/>
+                        <a:latin typeface="Calibri" panose="020F0502020204030204" pitchFamily="34" charset="0"/>
+                        <a:ea typeface="Calibri" panose="020F0502020204030204" pitchFamily="34" charset="0"/>
+                        <a:cs typeface="Times New Roman" panose="02020603050405020304" pitchFamily="18" charset="0"/>
+                      </a:endParaRPr>
+                    </a:p>
+                  </a:txBody>
+                  <a:tcPr marL="68580" marR="68580" marT="0" marB="0"/>
+                </a:tc>
+                <a:tc>
+                  <a:txBody>
+                    <a:bodyPr/>
+                    <a:lstStyle/>
+                    <a:p>
+                      <a:pPr algn="just">
+                        <a:lnSpc>
+                          <a:spcPct val="115000"/>
+                        </a:lnSpc>
+                        <a:spcAft>
+                          <a:spcPts val="0"/>
+                        </a:spcAft>
+                      </a:pPr>
+                      <a:r>
+                        <a:rPr lang="en-IN" sz="1600">
+                          <a:effectLst/>
+                        </a:rPr>
+                        <a:t>30</a:t>
+                      </a:r>
+                      <a:endParaRPr lang="en-IN" sz="1100">
+                        <a:effectLst/>
+                        <a:latin typeface="Calibri" panose="020F0502020204030204" pitchFamily="34" charset="0"/>
+                        <a:ea typeface="Calibri" panose="020F0502020204030204" pitchFamily="34" charset="0"/>
+                        <a:cs typeface="Times New Roman" panose="02020603050405020304" pitchFamily="18" charset="0"/>
+                      </a:endParaRPr>
+                    </a:p>
+                  </a:txBody>
+                  <a:tcPr marL="68580" marR="68580" marT="0" marB="0"/>
+                </a:tc>
+              </a:tr>
+              <a:tr h="656823">
+                <a:tc>
+                  <a:txBody>
+                    <a:bodyPr/>
+                    <a:lstStyle/>
+                    <a:p>
+                      <a:pPr algn="just">
+                        <a:lnSpc>
+                          <a:spcPct val="115000"/>
+                        </a:lnSpc>
+                        <a:spcAft>
+                          <a:spcPts val="0"/>
+                        </a:spcAft>
+                      </a:pPr>
+                      <a:r>
+                        <a:rPr lang="en-IN" sz="1600">
+                          <a:effectLst/>
+                        </a:rPr>
+                        <a:t>Service id</a:t>
+                      </a:r>
+                      <a:endParaRPr lang="en-IN" sz="1100">
+                        <a:effectLst/>
+                        <a:latin typeface="Calibri" panose="020F0502020204030204" pitchFamily="34" charset="0"/>
+                        <a:ea typeface="Calibri" panose="020F0502020204030204" pitchFamily="34" charset="0"/>
+                        <a:cs typeface="Times New Roman" panose="02020603050405020304" pitchFamily="18" charset="0"/>
+                      </a:endParaRPr>
+                    </a:p>
+                  </a:txBody>
+                  <a:tcPr marL="68580" marR="68580" marT="0" marB="0"/>
+                </a:tc>
+                <a:tc>
+                  <a:txBody>
+                    <a:bodyPr/>
+                    <a:lstStyle/>
+                    <a:p>
+                      <a:pPr algn="just">
+                        <a:lnSpc>
+                          <a:spcPct val="115000"/>
+                        </a:lnSpc>
+                        <a:spcAft>
+                          <a:spcPts val="0"/>
+                        </a:spcAft>
+                      </a:pPr>
+                      <a:r>
+                        <a:rPr lang="en-IN" sz="1600" dirty="0">
+                          <a:effectLst/>
+                        </a:rPr>
+                        <a:t>Varchar2</a:t>
+                      </a:r>
+                      <a:endParaRPr lang="en-IN" sz="1100" dirty="0">
+                        <a:effectLst/>
+                        <a:latin typeface="Calibri" panose="020F0502020204030204" pitchFamily="34" charset="0"/>
+                        <a:ea typeface="Calibri" panose="020F0502020204030204" pitchFamily="34" charset="0"/>
+                        <a:cs typeface="Times New Roman" panose="02020603050405020304" pitchFamily="18" charset="0"/>
+                      </a:endParaRPr>
+                    </a:p>
+                  </a:txBody>
+                  <a:tcPr marL="68580" marR="68580" marT="0" marB="0"/>
+                </a:tc>
+                <a:tc>
+                  <a:txBody>
+                    <a:bodyPr/>
+                    <a:lstStyle/>
+                    <a:p>
+                      <a:pPr algn="just">
+                        <a:lnSpc>
+                          <a:spcPct val="115000"/>
+                        </a:lnSpc>
+                        <a:spcAft>
+                          <a:spcPts val="0"/>
+                        </a:spcAft>
+                      </a:pPr>
+                      <a:r>
+                        <a:rPr lang="en-IN" sz="1600" dirty="0" smtClean="0">
+                          <a:effectLst/>
+                          <a:latin typeface="+mn-lt"/>
+                          <a:ea typeface="+mn-ea"/>
+                          <a:cs typeface="+mn-cs"/>
+                        </a:rPr>
+                        <a:t>Customer</a:t>
+                      </a:r>
+                      <a:r>
+                        <a:rPr lang="en-IN" sz="1600" baseline="0" dirty="0" smtClean="0">
+                          <a:effectLst/>
+                          <a:latin typeface="+mn-lt"/>
+                          <a:ea typeface="+mn-ea"/>
+                          <a:cs typeface="+mn-cs"/>
+                        </a:rPr>
+                        <a:t> Unique Id</a:t>
+                      </a:r>
+                      <a:endParaRPr lang="en-IN" sz="1100" dirty="0">
+                        <a:effectLst/>
+                        <a:latin typeface="Calibri" panose="020F0502020204030204" pitchFamily="34" charset="0"/>
+                        <a:ea typeface="Calibri" panose="020F0502020204030204" pitchFamily="34" charset="0"/>
+                        <a:cs typeface="Times New Roman" panose="02020603050405020304" pitchFamily="18" charset="0"/>
+                      </a:endParaRPr>
+                    </a:p>
+                  </a:txBody>
+                  <a:tcPr marL="68580" marR="68580" marT="0" marB="0"/>
+                </a:tc>
+                <a:tc>
+                  <a:txBody>
+                    <a:bodyPr/>
+                    <a:lstStyle/>
+                    <a:p>
+                      <a:pPr algn="just">
+                        <a:lnSpc>
+                          <a:spcPct val="115000"/>
+                        </a:lnSpc>
+                        <a:spcAft>
+                          <a:spcPts val="0"/>
+                        </a:spcAft>
+                      </a:pPr>
+                      <a:r>
+                        <a:rPr lang="en-IN" sz="1600">
+                          <a:effectLst/>
+                        </a:rPr>
+                        <a:t>30</a:t>
+                      </a:r>
+                      <a:endParaRPr lang="en-IN" sz="1100">
+                        <a:effectLst/>
+                        <a:latin typeface="Calibri" panose="020F0502020204030204" pitchFamily="34" charset="0"/>
+                        <a:ea typeface="Calibri" panose="020F0502020204030204" pitchFamily="34" charset="0"/>
+                        <a:cs typeface="Times New Roman" panose="02020603050405020304" pitchFamily="18" charset="0"/>
+                      </a:endParaRPr>
+                    </a:p>
+                  </a:txBody>
+                  <a:tcPr marL="68580" marR="68580" marT="0" marB="0"/>
+                </a:tc>
+              </a:tr>
+              <a:tr h="540912">
+                <a:tc>
+                  <a:txBody>
+                    <a:bodyPr/>
+                    <a:lstStyle/>
+                    <a:p>
+                      <a:pPr algn="just">
+                        <a:lnSpc>
+                          <a:spcPct val="115000"/>
+                        </a:lnSpc>
+                        <a:spcAft>
+                          <a:spcPts val="0"/>
+                        </a:spcAft>
+                      </a:pPr>
+                      <a:r>
+                        <a:rPr lang="en-IN" sz="1600" dirty="0">
+                          <a:effectLst/>
+                        </a:rPr>
+                        <a:t>Price of service</a:t>
+                      </a:r>
+                      <a:endParaRPr lang="en-IN" sz="1100" dirty="0">
+                        <a:effectLst/>
+                        <a:latin typeface="Calibri" panose="020F0502020204030204" pitchFamily="34" charset="0"/>
+                        <a:ea typeface="Calibri" panose="020F0502020204030204" pitchFamily="34" charset="0"/>
+                        <a:cs typeface="Times New Roman" panose="02020603050405020304" pitchFamily="18" charset="0"/>
+                      </a:endParaRPr>
+                    </a:p>
+                  </a:txBody>
+                  <a:tcPr marL="68580" marR="68580" marT="0" marB="0"/>
+                </a:tc>
+                <a:tc>
+                  <a:txBody>
+                    <a:bodyPr/>
+                    <a:lstStyle/>
+                    <a:p>
+                      <a:pPr algn="just">
+                        <a:lnSpc>
+                          <a:spcPct val="115000"/>
+                        </a:lnSpc>
+                        <a:spcAft>
+                          <a:spcPts val="0"/>
+                        </a:spcAft>
+                      </a:pPr>
+                      <a:r>
+                        <a:rPr lang="en-IN" sz="1600">
+                          <a:effectLst/>
+                        </a:rPr>
+                        <a:t>number</a:t>
+                      </a:r>
+                      <a:endParaRPr lang="en-IN" sz="1100">
+                        <a:effectLst/>
+                        <a:latin typeface="Calibri" panose="020F0502020204030204" pitchFamily="34" charset="0"/>
+                        <a:ea typeface="Calibri" panose="020F0502020204030204" pitchFamily="34" charset="0"/>
+                        <a:cs typeface="Times New Roman" panose="02020603050405020304" pitchFamily="18" charset="0"/>
+                      </a:endParaRPr>
+                    </a:p>
+                  </a:txBody>
+                  <a:tcPr marL="68580" marR="68580" marT="0" marB="0"/>
+                </a:tc>
+                <a:tc>
+                  <a:txBody>
+                    <a:bodyPr/>
+                    <a:lstStyle/>
+                    <a:p>
+                      <a:pPr algn="just">
+                        <a:lnSpc>
+                          <a:spcPct val="115000"/>
+                        </a:lnSpc>
+                        <a:spcAft>
+                          <a:spcPts val="0"/>
+                        </a:spcAft>
+                      </a:pPr>
+                      <a:r>
+                        <a:rPr lang="en-IN" sz="1600" dirty="0">
+                          <a:effectLst/>
+                        </a:rPr>
+                        <a:t>Price of service </a:t>
+                      </a:r>
+                      <a:endParaRPr lang="en-IN" sz="1100" dirty="0">
+                        <a:effectLst/>
+                        <a:latin typeface="Calibri" panose="020F0502020204030204" pitchFamily="34" charset="0"/>
+                        <a:ea typeface="Calibri" panose="020F0502020204030204" pitchFamily="34" charset="0"/>
+                        <a:cs typeface="Times New Roman" panose="02020603050405020304" pitchFamily="18" charset="0"/>
+                      </a:endParaRPr>
+                    </a:p>
+                  </a:txBody>
+                  <a:tcPr marL="68580" marR="68580" marT="0" marB="0"/>
+                </a:tc>
+                <a:tc>
+                  <a:txBody>
+                    <a:bodyPr/>
+                    <a:lstStyle/>
+                    <a:p>
+                      <a:pPr algn="just">
+                        <a:lnSpc>
+                          <a:spcPct val="115000"/>
+                        </a:lnSpc>
+                        <a:spcAft>
+                          <a:spcPts val="0"/>
+                        </a:spcAft>
+                      </a:pPr>
+                      <a:r>
+                        <a:rPr lang="en-IN" sz="1600" dirty="0">
+                          <a:effectLst/>
+                        </a:rPr>
+                        <a:t>10</a:t>
+                      </a:r>
+                      <a:endParaRPr lang="en-IN" sz="1100" dirty="0">
+                        <a:effectLst/>
+                        <a:latin typeface="Calibri" panose="020F0502020204030204" pitchFamily="34" charset="0"/>
+                        <a:ea typeface="Calibri" panose="020F0502020204030204" pitchFamily="34" charset="0"/>
+                        <a:cs typeface="Times New Roman" panose="02020603050405020304" pitchFamily="18" charset="0"/>
+                      </a:endParaRPr>
+                    </a:p>
+                  </a:txBody>
+                  <a:tcPr marL="68580" marR="68580" marT="0" marB="0"/>
+                </a:tc>
+              </a:tr>
+              <a:tr h="592429">
+                <a:tc>
+                  <a:txBody>
+                    <a:bodyPr/>
+                    <a:lstStyle/>
+                    <a:p>
+                      <a:pPr algn="just">
+                        <a:lnSpc>
+                          <a:spcPct val="115000"/>
+                        </a:lnSpc>
+                        <a:spcAft>
+                          <a:spcPts val="0"/>
+                        </a:spcAft>
+                      </a:pPr>
+                      <a:r>
+                        <a:rPr lang="en-IN" sz="1600" dirty="0" smtClean="0">
+                          <a:effectLst/>
+                          <a:latin typeface="Calibri" panose="020F0502020204030204" pitchFamily="34" charset="0"/>
+                          <a:ea typeface="Calibri" panose="020F0502020204030204" pitchFamily="34" charset="0"/>
+                          <a:cs typeface="Times New Roman" panose="02020603050405020304" pitchFamily="18" charset="0"/>
+                        </a:rPr>
+                        <a:t>Date</a:t>
+                      </a:r>
+                      <a:endParaRPr lang="en-IN" sz="1600" dirty="0">
+                        <a:effectLst/>
+                        <a:latin typeface="Calibri" panose="020F0502020204030204" pitchFamily="34" charset="0"/>
+                        <a:ea typeface="Calibri" panose="020F0502020204030204" pitchFamily="34" charset="0"/>
+                        <a:cs typeface="Times New Roman" panose="02020603050405020304" pitchFamily="18" charset="0"/>
+                      </a:endParaRPr>
+                    </a:p>
+                  </a:txBody>
+                  <a:tcPr marL="68580" marR="68580" marT="0" marB="0"/>
+                </a:tc>
+                <a:tc>
+                  <a:txBody>
+                    <a:bodyPr/>
+                    <a:lstStyle/>
+                    <a:p>
+                      <a:pPr algn="just">
+                        <a:lnSpc>
+                          <a:spcPct val="115000"/>
+                        </a:lnSpc>
+                        <a:spcAft>
+                          <a:spcPts val="0"/>
+                        </a:spcAft>
+                      </a:pPr>
+                      <a:r>
+                        <a:rPr lang="en-IN" sz="1600" dirty="0" smtClean="0">
+                          <a:effectLst/>
+                          <a:latin typeface="Calibri" panose="020F0502020204030204" pitchFamily="34" charset="0"/>
+                          <a:ea typeface="Calibri" panose="020F0502020204030204" pitchFamily="34" charset="0"/>
+                          <a:cs typeface="Times New Roman" panose="02020603050405020304" pitchFamily="18" charset="0"/>
+                        </a:rPr>
+                        <a:t>string</a:t>
+                      </a:r>
+                      <a:endParaRPr lang="en-IN" sz="1600" dirty="0">
+                        <a:effectLst/>
+                        <a:latin typeface="Calibri" panose="020F0502020204030204" pitchFamily="34" charset="0"/>
+                        <a:ea typeface="Calibri" panose="020F0502020204030204" pitchFamily="34" charset="0"/>
+                        <a:cs typeface="Times New Roman" panose="02020603050405020304" pitchFamily="18" charset="0"/>
+                      </a:endParaRPr>
+                    </a:p>
+                  </a:txBody>
+                  <a:tcPr marL="68580" marR="68580" marT="0" marB="0"/>
+                </a:tc>
+                <a:tc>
+                  <a:txBody>
+                    <a:bodyPr/>
+                    <a:lstStyle/>
+                    <a:p>
+                      <a:pPr algn="just">
+                        <a:lnSpc>
+                          <a:spcPct val="115000"/>
+                        </a:lnSpc>
+                        <a:spcAft>
+                          <a:spcPts val="0"/>
+                        </a:spcAft>
+                      </a:pPr>
+                      <a:r>
+                        <a:rPr lang="en-IN" sz="1600" dirty="0" smtClean="0">
+                          <a:effectLst/>
+                          <a:latin typeface="Calibri" panose="020F0502020204030204" pitchFamily="34" charset="0"/>
+                          <a:ea typeface="Calibri" panose="020F0502020204030204" pitchFamily="34" charset="0"/>
+                          <a:cs typeface="Times New Roman" panose="02020603050405020304" pitchFamily="18" charset="0"/>
+                        </a:rPr>
+                        <a:t>Service Date</a:t>
+                      </a:r>
+                      <a:endParaRPr lang="en-IN" sz="1600" dirty="0">
+                        <a:effectLst/>
+                        <a:latin typeface="Calibri" panose="020F0502020204030204" pitchFamily="34" charset="0"/>
+                        <a:ea typeface="Calibri" panose="020F0502020204030204" pitchFamily="34" charset="0"/>
+                        <a:cs typeface="Times New Roman" panose="02020603050405020304" pitchFamily="18" charset="0"/>
+                      </a:endParaRPr>
+                    </a:p>
+                  </a:txBody>
+                  <a:tcPr marL="68580" marR="68580" marT="0" marB="0"/>
+                </a:tc>
+                <a:tc>
+                  <a:txBody>
+                    <a:bodyPr/>
+                    <a:lstStyle/>
+                    <a:p>
+                      <a:pPr algn="just">
+                        <a:lnSpc>
+                          <a:spcPct val="115000"/>
+                        </a:lnSpc>
+                        <a:spcAft>
+                          <a:spcPts val="0"/>
+                        </a:spcAft>
+                      </a:pPr>
+                      <a:r>
+                        <a:rPr lang="en-IN" sz="1600" dirty="0" smtClean="0">
+                          <a:effectLst/>
+                          <a:latin typeface="Calibri" panose="020F0502020204030204" pitchFamily="34" charset="0"/>
+                          <a:ea typeface="Calibri" panose="020F0502020204030204" pitchFamily="34" charset="0"/>
+                          <a:cs typeface="Times New Roman" panose="02020603050405020304" pitchFamily="18" charset="0"/>
+                        </a:rPr>
+                        <a:t>10</a:t>
+                      </a:r>
+                      <a:endParaRPr lang="en-IN" sz="1600" dirty="0">
+                        <a:effectLst/>
+                        <a:latin typeface="Calibri" panose="020F0502020204030204" pitchFamily="34" charset="0"/>
+                        <a:ea typeface="Calibri" panose="020F0502020204030204" pitchFamily="34" charset="0"/>
+                        <a:cs typeface="Times New Roman" panose="02020603050405020304" pitchFamily="18" charset="0"/>
+                      </a:endParaRPr>
+                    </a:p>
+                  </a:txBody>
+                  <a:tcPr marL="68580" marR="68580" marT="0" marB="0"/>
+                </a:tc>
+              </a:tr>
+              <a:tr h="734095">
+                <a:tc>
+                  <a:txBody>
+                    <a:bodyPr/>
+                    <a:lstStyle/>
+                    <a:p>
+                      <a:pPr algn="just">
+                        <a:lnSpc>
+                          <a:spcPct val="115000"/>
+                        </a:lnSpc>
+                        <a:spcAft>
+                          <a:spcPts val="0"/>
+                        </a:spcAft>
+                      </a:pPr>
+                      <a:r>
+                        <a:rPr lang="en-IN" sz="1600" dirty="0" smtClean="0">
+                          <a:effectLst/>
+                          <a:latin typeface="Calibri" panose="020F0502020204030204" pitchFamily="34" charset="0"/>
+                          <a:ea typeface="Calibri" panose="020F0502020204030204" pitchFamily="34" charset="0"/>
+                          <a:cs typeface="Times New Roman" panose="02020603050405020304" pitchFamily="18" charset="0"/>
+                        </a:rPr>
+                        <a:t>Time</a:t>
+                      </a:r>
+                      <a:endParaRPr lang="en-IN" sz="1600" dirty="0">
+                        <a:effectLst/>
+                        <a:latin typeface="Calibri" panose="020F0502020204030204" pitchFamily="34" charset="0"/>
+                        <a:ea typeface="Calibri" panose="020F0502020204030204" pitchFamily="34" charset="0"/>
+                        <a:cs typeface="Times New Roman" panose="02020603050405020304" pitchFamily="18" charset="0"/>
+                      </a:endParaRPr>
+                    </a:p>
+                  </a:txBody>
+                  <a:tcPr marL="68580" marR="68580" marT="0" marB="0"/>
+                </a:tc>
+                <a:tc>
+                  <a:txBody>
+                    <a:bodyPr/>
+                    <a:lstStyle/>
+                    <a:p>
+                      <a:pPr algn="just">
+                        <a:lnSpc>
+                          <a:spcPct val="115000"/>
+                        </a:lnSpc>
+                        <a:spcAft>
+                          <a:spcPts val="0"/>
+                        </a:spcAft>
+                      </a:pPr>
+                      <a:r>
+                        <a:rPr lang="en-IN" sz="1600" dirty="0" smtClean="0">
+                          <a:effectLst/>
+                          <a:latin typeface="Calibri" panose="020F0502020204030204" pitchFamily="34" charset="0"/>
+                          <a:ea typeface="Calibri" panose="020F0502020204030204" pitchFamily="34" charset="0"/>
+                          <a:cs typeface="Times New Roman" panose="02020603050405020304" pitchFamily="18" charset="0"/>
+                        </a:rPr>
+                        <a:t>String</a:t>
+                      </a:r>
+                      <a:endParaRPr lang="en-IN" sz="1600" dirty="0">
+                        <a:effectLst/>
+                        <a:latin typeface="Calibri" panose="020F0502020204030204" pitchFamily="34" charset="0"/>
+                        <a:ea typeface="Calibri" panose="020F0502020204030204" pitchFamily="34" charset="0"/>
+                        <a:cs typeface="Times New Roman" panose="02020603050405020304" pitchFamily="18" charset="0"/>
+                      </a:endParaRPr>
+                    </a:p>
+                  </a:txBody>
+                  <a:tcPr marL="68580" marR="68580" marT="0" marB="0"/>
+                </a:tc>
+                <a:tc>
+                  <a:txBody>
+                    <a:bodyPr/>
+                    <a:lstStyle/>
+                    <a:p>
+                      <a:pPr algn="just">
+                        <a:lnSpc>
+                          <a:spcPct val="115000"/>
+                        </a:lnSpc>
+                        <a:spcAft>
+                          <a:spcPts val="0"/>
+                        </a:spcAft>
+                      </a:pPr>
+                      <a:r>
+                        <a:rPr lang="en-IN" sz="1600" dirty="0" smtClean="0">
+                          <a:effectLst/>
+                          <a:latin typeface="Calibri" panose="020F0502020204030204" pitchFamily="34" charset="0"/>
+                          <a:ea typeface="Calibri" panose="020F0502020204030204" pitchFamily="34" charset="0"/>
+                          <a:cs typeface="Times New Roman" panose="02020603050405020304" pitchFamily="18" charset="0"/>
+                        </a:rPr>
+                        <a:t>Time of the service</a:t>
+                      </a:r>
+                      <a:endParaRPr lang="en-IN" sz="1600" dirty="0">
+                        <a:effectLst/>
+                        <a:latin typeface="Calibri" panose="020F0502020204030204" pitchFamily="34" charset="0"/>
+                        <a:ea typeface="Calibri" panose="020F0502020204030204" pitchFamily="34" charset="0"/>
+                        <a:cs typeface="Times New Roman" panose="02020603050405020304" pitchFamily="18" charset="0"/>
+                      </a:endParaRPr>
+                    </a:p>
+                  </a:txBody>
+                  <a:tcPr marL="68580" marR="68580" marT="0" marB="0"/>
+                </a:tc>
+                <a:tc>
+                  <a:txBody>
+                    <a:bodyPr/>
+                    <a:lstStyle/>
+                    <a:p>
+                      <a:pPr algn="just">
+                        <a:lnSpc>
+                          <a:spcPct val="115000"/>
+                        </a:lnSpc>
+                        <a:spcAft>
+                          <a:spcPts val="0"/>
+                        </a:spcAft>
+                      </a:pPr>
+                      <a:r>
+                        <a:rPr lang="en-IN" sz="1600" dirty="0" smtClean="0">
+                          <a:effectLst/>
+                          <a:latin typeface="Calibri" panose="020F0502020204030204" pitchFamily="34" charset="0"/>
+                          <a:ea typeface="Calibri" panose="020F0502020204030204" pitchFamily="34" charset="0"/>
+                          <a:cs typeface="Times New Roman" panose="02020603050405020304" pitchFamily="18" charset="0"/>
+                        </a:rPr>
+                        <a:t>10</a:t>
+                      </a:r>
+                      <a:endParaRPr lang="en-IN" sz="1600" dirty="0">
+                        <a:effectLst/>
+                        <a:latin typeface="Calibri" panose="020F0502020204030204" pitchFamily="34" charset="0"/>
+                        <a:ea typeface="Calibri" panose="020F0502020204030204" pitchFamily="34" charset="0"/>
+                        <a:cs typeface="Times New Roman" panose="02020603050405020304" pitchFamily="18" charset="0"/>
+                      </a:endParaRPr>
+                    </a:p>
+                  </a:txBody>
+                  <a:tcPr marL="68580" marR="68580" marT="0" marB="0"/>
+                </a:tc>
+              </a:tr>
+              <a:tr h="728806">
+                <a:tc>
+                  <a:txBody>
+                    <a:bodyPr/>
+                    <a:lstStyle/>
+                    <a:p>
+                      <a:pPr algn="just">
+                        <a:lnSpc>
+                          <a:spcPct val="115000"/>
+                        </a:lnSpc>
+                        <a:spcAft>
+                          <a:spcPts val="0"/>
+                        </a:spcAft>
+                      </a:pPr>
+                      <a:r>
+                        <a:rPr lang="en-IN" sz="1600" dirty="0" smtClean="0">
+                          <a:effectLst/>
+                          <a:latin typeface="Calibri" panose="020F0502020204030204" pitchFamily="34" charset="0"/>
+                          <a:ea typeface="Calibri" panose="020F0502020204030204" pitchFamily="34" charset="0"/>
+                          <a:cs typeface="Times New Roman" panose="02020603050405020304" pitchFamily="18" charset="0"/>
+                        </a:rPr>
+                        <a:t>Address</a:t>
+                      </a:r>
+                      <a:endParaRPr lang="en-IN" sz="1600" dirty="0">
+                        <a:effectLst/>
+                        <a:latin typeface="Calibri" panose="020F0502020204030204" pitchFamily="34" charset="0"/>
+                        <a:ea typeface="Calibri" panose="020F0502020204030204" pitchFamily="34" charset="0"/>
+                        <a:cs typeface="Times New Roman" panose="02020603050405020304" pitchFamily="18" charset="0"/>
+                      </a:endParaRPr>
+                    </a:p>
+                  </a:txBody>
+                  <a:tcPr marL="68580" marR="68580" marT="0" marB="0"/>
+                </a:tc>
+                <a:tc>
+                  <a:txBody>
+                    <a:bodyPr/>
+                    <a:lstStyle/>
+                    <a:p>
+                      <a:pPr algn="just">
+                        <a:lnSpc>
+                          <a:spcPct val="115000"/>
+                        </a:lnSpc>
+                        <a:spcAft>
+                          <a:spcPts val="0"/>
+                        </a:spcAft>
+                      </a:pPr>
+                      <a:r>
+                        <a:rPr lang="en-IN" sz="1600" dirty="0" smtClean="0">
+                          <a:effectLst/>
+                          <a:latin typeface="Calibri" panose="020F0502020204030204" pitchFamily="34" charset="0"/>
+                          <a:ea typeface="Calibri" panose="020F0502020204030204" pitchFamily="34" charset="0"/>
+                          <a:cs typeface="Times New Roman" panose="02020603050405020304" pitchFamily="18" charset="0"/>
+                        </a:rPr>
+                        <a:t>Varchar2</a:t>
+                      </a:r>
+                      <a:endParaRPr lang="en-IN" sz="1600" dirty="0">
+                        <a:effectLst/>
+                        <a:latin typeface="Calibri" panose="020F0502020204030204" pitchFamily="34" charset="0"/>
+                        <a:ea typeface="Calibri" panose="020F0502020204030204" pitchFamily="34" charset="0"/>
+                        <a:cs typeface="Times New Roman" panose="02020603050405020304" pitchFamily="18" charset="0"/>
+                      </a:endParaRPr>
+                    </a:p>
+                  </a:txBody>
+                  <a:tcPr marL="68580" marR="68580" marT="0" marB="0"/>
+                </a:tc>
+                <a:tc>
+                  <a:txBody>
+                    <a:bodyPr/>
+                    <a:lstStyle/>
+                    <a:p>
+                      <a:pPr algn="just">
+                        <a:lnSpc>
+                          <a:spcPct val="115000"/>
+                        </a:lnSpc>
+                        <a:spcAft>
+                          <a:spcPts val="0"/>
+                        </a:spcAft>
+                      </a:pPr>
+                      <a:r>
+                        <a:rPr lang="en-IN" sz="1600" dirty="0" smtClean="0">
+                          <a:effectLst/>
+                          <a:latin typeface="Calibri" panose="020F0502020204030204" pitchFamily="34" charset="0"/>
+                          <a:ea typeface="Calibri" panose="020F0502020204030204" pitchFamily="34" charset="0"/>
+                          <a:cs typeface="Times New Roman" panose="02020603050405020304" pitchFamily="18" charset="0"/>
+                        </a:rPr>
+                        <a:t>Address of the customer</a:t>
+                      </a:r>
+                      <a:endParaRPr lang="en-IN" sz="1600" dirty="0">
+                        <a:effectLst/>
+                        <a:latin typeface="Calibri" panose="020F0502020204030204" pitchFamily="34" charset="0"/>
+                        <a:ea typeface="Calibri" panose="020F0502020204030204" pitchFamily="34" charset="0"/>
+                        <a:cs typeface="Times New Roman" panose="02020603050405020304" pitchFamily="18" charset="0"/>
+                      </a:endParaRPr>
+                    </a:p>
+                  </a:txBody>
+                  <a:tcPr marL="68580" marR="68580" marT="0" marB="0"/>
+                </a:tc>
+                <a:tc>
+                  <a:txBody>
+                    <a:bodyPr/>
+                    <a:lstStyle/>
+                    <a:p>
+                      <a:pPr algn="just">
+                        <a:lnSpc>
+                          <a:spcPct val="115000"/>
+                        </a:lnSpc>
+                        <a:spcAft>
+                          <a:spcPts val="0"/>
+                        </a:spcAft>
+                      </a:pPr>
+                      <a:r>
+                        <a:rPr lang="en-IN" sz="1600" dirty="0" smtClean="0">
+                          <a:effectLst/>
+                          <a:latin typeface="Calibri" panose="020F0502020204030204" pitchFamily="34" charset="0"/>
+                          <a:ea typeface="Calibri" panose="020F0502020204030204" pitchFamily="34" charset="0"/>
+                          <a:cs typeface="Times New Roman" panose="02020603050405020304" pitchFamily="18" charset="0"/>
+                        </a:rPr>
+                        <a:t>50</a:t>
+                      </a:r>
+                      <a:endParaRPr lang="en-IN" sz="1600" dirty="0">
+                        <a:effectLst/>
+                        <a:latin typeface="Calibri" panose="020F0502020204030204" pitchFamily="34" charset="0"/>
+                        <a:ea typeface="Calibri" panose="020F0502020204030204" pitchFamily="34" charset="0"/>
+                        <a:cs typeface="Times New Roman" panose="02020603050405020304" pitchFamily="18" charset="0"/>
+                      </a:endParaRPr>
+                    </a:p>
+                  </a:txBody>
+                  <a:tcPr marL="68580" marR="68580" marT="0" marB="0"/>
+                </a:tc>
+              </a:tr>
+            </a:tbl>
+          </a:graphicData>
+        </a:graphic>
+      </p:graphicFrame>
       <p:sp>
         <p:nvSpPr>
-          <p:cNvPr id="2" name="Title 1"/>
-          <p:cNvSpPr>
-            <a:spLocks noGrp="1"/>
-          </p:cNvSpPr>
-          <p:nvPr>
-            <p:ph type="title"/>
-          </p:nvPr>
+          <p:cNvPr id="5" name="TextBox 4"/>
+          <p:cNvSpPr txBox="1"/>
+          <p:nvPr/>
         </p:nvSpPr>
         <p:spPr>
           <a:xfrm>
-            <a:off x="2179320" y="265090"/>
-            <a:ext cx="7498080" cy="1143000"/>
+            <a:off x="914780" y="2549541"/>
+            <a:ext cx="3052943" cy="523220"/>
           </a:xfrm>
+          <a:prstGeom prst="rect">
+            <a:avLst/>
+          </a:prstGeom>
+          <a:noFill/>
         </p:spPr>
         <p:txBody>
-          <a:bodyPr>
-            <a:normAutofit/>
+          <a:bodyPr wrap="square" rtlCol="0">
+            <a:spAutoFit/>
           </a:bodyPr>
           <a:lstStyle/>
           <a:p>
-            <a:pPr algn="ctr"/>
-            <a:r>
-              <a:rPr lang="en-US" sz="3200" b="1" dirty="0">
-                <a:latin typeface="Times New Roman" pitchFamily="18" charset="0"/>
-                <a:cs typeface="Times New Roman" pitchFamily="18" charset="0"/>
+            <a:r>
+              <a:rPr lang="en-US" sz="2800" dirty="0" smtClean="0">
+                <a:latin typeface="Times New Roman" panose="02020603050405020304" pitchFamily="18" charset="0"/>
+                <a:cs typeface="Times New Roman" panose="02020603050405020304" pitchFamily="18" charset="0"/>
               </a:rPr>
-              <a:t>Expected </a:t>
-            </a:r>
-            <a:r>
-              <a:rPr lang="en-US" sz="3200" b="1" dirty="0" smtClean="0">
-                <a:latin typeface="Times New Roman" pitchFamily="18" charset="0"/>
-                <a:cs typeface="Times New Roman" pitchFamily="18" charset="0"/>
+              <a:t>Service </a:t>
+            </a:r>
+            <a:r>
+              <a:rPr lang="en-US" sz="2800" dirty="0" smtClean="0">
+                <a:latin typeface="Times New Roman" panose="02020603050405020304" pitchFamily="18" charset="0"/>
+                <a:cs typeface="Times New Roman" panose="02020603050405020304" pitchFamily="18" charset="0"/>
               </a:rPr>
-              <a:t>Outcomes</a:t>
-            </a:r>
-            <a:endParaRPr lang="en-US" sz="3200" b="1" dirty="0">
-              <a:latin typeface="Times New Roman" pitchFamily="18" charset="0"/>
-              <a:cs typeface="Times New Roman" pitchFamily="18" charset="0"/>
+              <a:t>Table</a:t>
+            </a:r>
+            <a:endParaRPr lang="en-IN" sz="2800" dirty="0">
+              <a:latin typeface="Times New Roman" panose="02020603050405020304" pitchFamily="18" charset="0"/>
+              <a:cs typeface="Times New Roman" panose="02020603050405020304" pitchFamily="18" charset="0"/>
             </a:endParaRPr>
-          </a:p>
-        </p:txBody>
-      </p:sp>
-      <p:sp>
-        <p:nvSpPr>
-          <p:cNvPr id="3" name="Content Placeholder 2"/>
-          <p:cNvSpPr>
-            <a:spLocks noGrp="1"/>
-          </p:cNvSpPr>
-          <p:nvPr>
-            <p:ph sz="quarter" idx="1"/>
-          </p:nvPr>
-        </p:nvSpPr>
-        <p:spPr>
-          <a:xfrm>
-            <a:off x="2575560" y="1702157"/>
-            <a:ext cx="6705600" cy="4572000"/>
-          </a:xfrm>
-        </p:spPr>
-        <p:txBody>
-          <a:bodyPr>
-            <a:normAutofit/>
-          </a:bodyPr>
-          <a:lstStyle/>
-          <a:p>
-            <a:pPr algn="just"/>
-            <a:r>
-              <a:rPr lang="en-US" sz="2000" dirty="0">
-                <a:latin typeface="Times New Roman" pitchFamily="18" charset="0"/>
-                <a:cs typeface="Times New Roman" pitchFamily="18" charset="0"/>
-              </a:rPr>
-              <a:t>One destination for all types of Services.</a:t>
-            </a:r>
-          </a:p>
-          <a:p>
-            <a:pPr algn="just"/>
-            <a:r>
-              <a:rPr lang="en-US" sz="2000" dirty="0">
-                <a:latin typeface="Times New Roman" pitchFamily="18" charset="0"/>
-                <a:cs typeface="Times New Roman" pitchFamily="18" charset="0"/>
-              </a:rPr>
-              <a:t>Door to door services in less and flexible time.</a:t>
-            </a:r>
-          </a:p>
-          <a:p>
-            <a:pPr algn="just"/>
-            <a:r>
-              <a:rPr lang="en-US" sz="2000" dirty="0">
-                <a:latin typeface="Times New Roman" pitchFamily="18" charset="0"/>
-                <a:cs typeface="Times New Roman" pitchFamily="18" charset="0"/>
-              </a:rPr>
-              <a:t>No payment issues between customers and service providers.</a:t>
-            </a:r>
-          </a:p>
-          <a:p>
-            <a:pPr algn="just"/>
-            <a:r>
-              <a:rPr lang="en-US" sz="2000" dirty="0">
-                <a:latin typeface="Times New Roman" pitchFamily="18" charset="0"/>
-                <a:cs typeface="Times New Roman" pitchFamily="18" charset="0"/>
-              </a:rPr>
-              <a:t>Satisfactions of customers.</a:t>
-            </a:r>
-          </a:p>
-          <a:p>
-            <a:pPr algn="just"/>
-            <a:r>
-              <a:rPr lang="en-US" sz="2000" dirty="0">
-                <a:latin typeface="Times New Roman" pitchFamily="18" charset="0"/>
-                <a:cs typeface="Times New Roman" pitchFamily="18" charset="0"/>
-              </a:rPr>
-              <a:t>Feedback from customers for service requested by them.</a:t>
-            </a:r>
-            <a:endParaRPr lang="en-US" sz="2000" dirty="0"/>
           </a:p>
         </p:txBody>
       </p:sp>
     </p:spTree>
     <p:extLst>
       <p:ext uri="{BB962C8B-B14F-4D97-AF65-F5344CB8AC3E}">
-        <p14:creationId xmlns:p14="http://schemas.microsoft.com/office/powerpoint/2010/main" val="3392246634"/>
+        <p14:creationId xmlns:p14="http://schemas.microsoft.com/office/powerpoint/2010/main" val="428155169"/>
       </p:ext>
     </p:extLst>
   </p:cSld>
   <p:clrMapOvr>
     <a:masterClrMapping/>
   </p:clrMapOvr>
-  <p:timing>
-    <p:tnLst>
-      <p:par>
-        <p:cTn id="1" dur="indefinite" restart="never" nodeType="tmRoot"/>
-      </p:par>
-    </p:tnLst>
-  </p:timing>
 </p:sld>
 </file>
 
@@ -7337,6 +8481,908 @@
           <a:chExt cx="0" cy="0"/>
         </a:xfrm>
       </p:grpSpPr>
+      <p:graphicFrame>
+        <p:nvGraphicFramePr>
+          <p:cNvPr id="6" name="Table 5"/>
+          <p:cNvGraphicFramePr>
+            <a:graphicFrameLocks noGrp="1"/>
+          </p:cNvGraphicFramePr>
+          <p:nvPr>
+            <p:extLst>
+              <p:ext uri="{D42A27DB-BD31-4B8C-83A1-F6EECF244321}">
+                <p14:modId xmlns:p14="http://schemas.microsoft.com/office/powerpoint/2010/main" val="4047595079"/>
+              </p:ext>
+            </p:extLst>
+          </p:nvPr>
+        </p:nvGraphicFramePr>
+        <p:xfrm>
+          <a:off x="5191215" y="1529485"/>
+          <a:ext cx="6541438" cy="3321838"/>
+        </p:xfrm>
+        <a:graphic>
+          <a:graphicData uri="http://schemas.openxmlformats.org/drawingml/2006/table">
+            <a:tbl>
+              <a:tblPr firstRow="1" firstCol="1" bandRow="1">
+                <a:tableStyleId>{5C22544A-7EE6-4342-B048-85BDC9FD1C3A}</a:tableStyleId>
+              </a:tblPr>
+              <a:tblGrid>
+                <a:gridCol w="1867209"/>
+                <a:gridCol w="1312843"/>
+                <a:gridCol w="2034862"/>
+                <a:gridCol w="1326524"/>
+              </a:tblGrid>
+              <a:tr h="842375">
+                <a:tc>
+                  <a:txBody>
+                    <a:bodyPr/>
+                    <a:lstStyle/>
+                    <a:p>
+                      <a:pPr algn="just">
+                        <a:lnSpc>
+                          <a:spcPct val="115000"/>
+                        </a:lnSpc>
+                        <a:spcAft>
+                          <a:spcPts val="0"/>
+                        </a:spcAft>
+                      </a:pPr>
+                      <a:r>
+                        <a:rPr lang="en-IN" sz="1600" dirty="0">
+                          <a:effectLst/>
+                        </a:rPr>
+                        <a:t>Attribute</a:t>
+                      </a:r>
+                      <a:endParaRPr lang="en-IN" sz="1100" dirty="0">
+                        <a:effectLst/>
+                        <a:latin typeface="Calibri" panose="020F0502020204030204" pitchFamily="34" charset="0"/>
+                        <a:ea typeface="Calibri" panose="020F0502020204030204" pitchFamily="34" charset="0"/>
+                        <a:cs typeface="Times New Roman" panose="02020603050405020304" pitchFamily="18" charset="0"/>
+                      </a:endParaRPr>
+                    </a:p>
+                  </a:txBody>
+                  <a:tcPr marL="68580" marR="68580" marT="0" marB="0"/>
+                </a:tc>
+                <a:tc>
+                  <a:txBody>
+                    <a:bodyPr/>
+                    <a:lstStyle/>
+                    <a:p>
+                      <a:pPr algn="just">
+                        <a:lnSpc>
+                          <a:spcPct val="115000"/>
+                        </a:lnSpc>
+                        <a:spcAft>
+                          <a:spcPts val="0"/>
+                        </a:spcAft>
+                      </a:pPr>
+                      <a:r>
+                        <a:rPr lang="en-IN" sz="1600" dirty="0">
+                          <a:effectLst/>
+                        </a:rPr>
+                        <a:t>Data Type</a:t>
+                      </a:r>
+                      <a:endParaRPr lang="en-IN" sz="1100" dirty="0">
+                        <a:effectLst/>
+                        <a:latin typeface="Calibri" panose="020F0502020204030204" pitchFamily="34" charset="0"/>
+                        <a:ea typeface="Calibri" panose="020F0502020204030204" pitchFamily="34" charset="0"/>
+                        <a:cs typeface="Times New Roman" panose="02020603050405020304" pitchFamily="18" charset="0"/>
+                      </a:endParaRPr>
+                    </a:p>
+                  </a:txBody>
+                  <a:tcPr marL="68580" marR="68580" marT="0" marB="0"/>
+                </a:tc>
+                <a:tc>
+                  <a:txBody>
+                    <a:bodyPr/>
+                    <a:lstStyle/>
+                    <a:p>
+                      <a:pPr algn="just">
+                        <a:lnSpc>
+                          <a:spcPct val="115000"/>
+                        </a:lnSpc>
+                        <a:spcAft>
+                          <a:spcPts val="0"/>
+                        </a:spcAft>
+                      </a:pPr>
+                      <a:r>
+                        <a:rPr lang="en-IN" sz="1600" dirty="0">
+                          <a:effectLst/>
+                        </a:rPr>
+                        <a:t>Description </a:t>
+                      </a:r>
+                      <a:endParaRPr lang="en-IN" sz="1100" dirty="0">
+                        <a:effectLst/>
+                        <a:latin typeface="Calibri" panose="020F0502020204030204" pitchFamily="34" charset="0"/>
+                        <a:ea typeface="Calibri" panose="020F0502020204030204" pitchFamily="34" charset="0"/>
+                        <a:cs typeface="Times New Roman" panose="02020603050405020304" pitchFamily="18" charset="0"/>
+                      </a:endParaRPr>
+                    </a:p>
+                  </a:txBody>
+                  <a:tcPr marL="68580" marR="68580" marT="0" marB="0"/>
+                </a:tc>
+                <a:tc>
+                  <a:txBody>
+                    <a:bodyPr/>
+                    <a:lstStyle/>
+                    <a:p>
+                      <a:pPr algn="just">
+                        <a:lnSpc>
+                          <a:spcPct val="115000"/>
+                        </a:lnSpc>
+                        <a:spcAft>
+                          <a:spcPts val="0"/>
+                        </a:spcAft>
+                      </a:pPr>
+                      <a:r>
+                        <a:rPr lang="en-IN" sz="1600">
+                          <a:effectLst/>
+                        </a:rPr>
+                        <a:t>Size</a:t>
+                      </a:r>
+                      <a:endParaRPr lang="en-IN" sz="1100">
+                        <a:effectLst/>
+                        <a:latin typeface="Calibri" panose="020F0502020204030204" pitchFamily="34" charset="0"/>
+                        <a:ea typeface="Calibri" panose="020F0502020204030204" pitchFamily="34" charset="0"/>
+                        <a:cs typeface="Times New Roman" panose="02020603050405020304" pitchFamily="18" charset="0"/>
+                      </a:endParaRPr>
+                    </a:p>
+                  </a:txBody>
+                  <a:tcPr marL="68580" marR="68580" marT="0" marB="0"/>
+                </a:tc>
+              </a:tr>
+              <a:tr h="872209">
+                <a:tc>
+                  <a:txBody>
+                    <a:bodyPr/>
+                    <a:lstStyle/>
+                    <a:p>
+                      <a:pPr algn="just">
+                        <a:lnSpc>
+                          <a:spcPct val="115000"/>
+                        </a:lnSpc>
+                        <a:spcAft>
+                          <a:spcPts val="0"/>
+                        </a:spcAft>
+                      </a:pPr>
+                      <a:r>
+                        <a:rPr lang="en-IN" sz="1600" dirty="0" err="1" smtClean="0">
+                          <a:effectLst/>
+                          <a:latin typeface="Calibri" panose="020F0502020204030204" pitchFamily="34" charset="0"/>
+                          <a:ea typeface="Calibri" panose="020F0502020204030204" pitchFamily="34" charset="0"/>
+                          <a:cs typeface="Times New Roman" panose="02020603050405020304" pitchFamily="18" charset="0"/>
+                        </a:rPr>
+                        <a:t>Feedback_Id</a:t>
+                      </a:r>
+                      <a:endParaRPr lang="en-IN" sz="1600" dirty="0">
+                        <a:effectLst/>
+                        <a:latin typeface="Calibri" panose="020F0502020204030204" pitchFamily="34" charset="0"/>
+                        <a:ea typeface="Calibri" panose="020F0502020204030204" pitchFamily="34" charset="0"/>
+                        <a:cs typeface="Times New Roman" panose="02020603050405020304" pitchFamily="18" charset="0"/>
+                      </a:endParaRPr>
+                    </a:p>
+                  </a:txBody>
+                  <a:tcPr marL="68580" marR="68580" marT="0" marB="0"/>
+                </a:tc>
+                <a:tc>
+                  <a:txBody>
+                    <a:bodyPr/>
+                    <a:lstStyle/>
+                    <a:p>
+                      <a:pPr algn="just">
+                        <a:lnSpc>
+                          <a:spcPct val="115000"/>
+                        </a:lnSpc>
+                        <a:spcAft>
+                          <a:spcPts val="0"/>
+                        </a:spcAft>
+                      </a:pPr>
+                      <a:r>
+                        <a:rPr lang="en-IN" sz="1600" dirty="0" smtClean="0">
+                          <a:effectLst/>
+                          <a:latin typeface="Calibri" panose="020F0502020204030204" pitchFamily="34" charset="0"/>
+                          <a:ea typeface="Calibri" panose="020F0502020204030204" pitchFamily="34" charset="0"/>
+                          <a:cs typeface="Times New Roman" panose="02020603050405020304" pitchFamily="18" charset="0"/>
+                        </a:rPr>
+                        <a:t>Integer</a:t>
+                      </a:r>
+                      <a:endParaRPr lang="en-IN" sz="1600" dirty="0">
+                        <a:effectLst/>
+                        <a:latin typeface="Calibri" panose="020F0502020204030204" pitchFamily="34" charset="0"/>
+                        <a:ea typeface="Calibri" panose="020F0502020204030204" pitchFamily="34" charset="0"/>
+                        <a:cs typeface="Times New Roman" panose="02020603050405020304" pitchFamily="18" charset="0"/>
+                      </a:endParaRPr>
+                    </a:p>
+                  </a:txBody>
+                  <a:tcPr marL="68580" marR="68580" marT="0" marB="0"/>
+                </a:tc>
+                <a:tc>
+                  <a:txBody>
+                    <a:bodyPr/>
+                    <a:lstStyle/>
+                    <a:p>
+                      <a:pPr algn="just">
+                        <a:lnSpc>
+                          <a:spcPct val="115000"/>
+                        </a:lnSpc>
+                        <a:spcAft>
+                          <a:spcPts val="0"/>
+                        </a:spcAft>
+                      </a:pPr>
+                      <a:r>
+                        <a:rPr lang="en-IN" sz="1600" dirty="0" smtClean="0">
+                          <a:effectLst/>
+                          <a:latin typeface="Calibri" panose="020F0502020204030204" pitchFamily="34" charset="0"/>
+                          <a:ea typeface="Calibri" panose="020F0502020204030204" pitchFamily="34" charset="0"/>
+                          <a:cs typeface="Times New Roman" panose="02020603050405020304" pitchFamily="18" charset="0"/>
+                        </a:rPr>
+                        <a:t>Feedback Id</a:t>
+                      </a:r>
+                      <a:endParaRPr lang="en-IN" sz="1600" dirty="0">
+                        <a:effectLst/>
+                        <a:latin typeface="Calibri" panose="020F0502020204030204" pitchFamily="34" charset="0"/>
+                        <a:ea typeface="Calibri" panose="020F0502020204030204" pitchFamily="34" charset="0"/>
+                        <a:cs typeface="Times New Roman" panose="02020603050405020304" pitchFamily="18" charset="0"/>
+                      </a:endParaRPr>
+                    </a:p>
+                  </a:txBody>
+                  <a:tcPr marL="68580" marR="68580" marT="0" marB="0"/>
+                </a:tc>
+                <a:tc>
+                  <a:txBody>
+                    <a:bodyPr/>
+                    <a:lstStyle/>
+                    <a:p>
+                      <a:pPr algn="just">
+                        <a:lnSpc>
+                          <a:spcPct val="115000"/>
+                        </a:lnSpc>
+                        <a:spcAft>
+                          <a:spcPts val="0"/>
+                        </a:spcAft>
+                      </a:pPr>
+                      <a:r>
+                        <a:rPr lang="en-IN" sz="1600" dirty="0" smtClean="0">
+                          <a:effectLst/>
+                          <a:latin typeface="Calibri" panose="020F0502020204030204" pitchFamily="34" charset="0"/>
+                          <a:ea typeface="Calibri" panose="020F0502020204030204" pitchFamily="34" charset="0"/>
+                          <a:cs typeface="Times New Roman" panose="02020603050405020304" pitchFamily="18" charset="0"/>
+                        </a:rPr>
+                        <a:t>20</a:t>
+                      </a:r>
+                      <a:endParaRPr lang="en-IN" sz="1600" dirty="0">
+                        <a:effectLst/>
+                        <a:latin typeface="Calibri" panose="020F0502020204030204" pitchFamily="34" charset="0"/>
+                        <a:ea typeface="Calibri" panose="020F0502020204030204" pitchFamily="34" charset="0"/>
+                        <a:cs typeface="Times New Roman" panose="02020603050405020304" pitchFamily="18" charset="0"/>
+                      </a:endParaRPr>
+                    </a:p>
+                  </a:txBody>
+                  <a:tcPr marL="68580" marR="68580" marT="0" marB="0"/>
+                </a:tc>
+              </a:tr>
+              <a:tr h="753400">
+                <a:tc>
+                  <a:txBody>
+                    <a:bodyPr/>
+                    <a:lstStyle/>
+                    <a:p>
+                      <a:pPr algn="just">
+                        <a:lnSpc>
+                          <a:spcPct val="115000"/>
+                        </a:lnSpc>
+                        <a:spcAft>
+                          <a:spcPts val="0"/>
+                        </a:spcAft>
+                      </a:pPr>
+                      <a:r>
+                        <a:rPr lang="en-IN" sz="1600" dirty="0" smtClean="0">
+                          <a:effectLst/>
+                        </a:rPr>
+                        <a:t>Rating</a:t>
+                      </a:r>
+                      <a:endParaRPr lang="en-IN" sz="1100" dirty="0">
+                        <a:effectLst/>
+                        <a:latin typeface="Calibri" panose="020F0502020204030204" pitchFamily="34" charset="0"/>
+                        <a:ea typeface="Calibri" panose="020F0502020204030204" pitchFamily="34" charset="0"/>
+                        <a:cs typeface="Times New Roman" panose="02020603050405020304" pitchFamily="18" charset="0"/>
+                      </a:endParaRPr>
+                    </a:p>
+                  </a:txBody>
+                  <a:tcPr marL="68580" marR="68580" marT="0" marB="0"/>
+                </a:tc>
+                <a:tc>
+                  <a:txBody>
+                    <a:bodyPr/>
+                    <a:lstStyle/>
+                    <a:p>
+                      <a:pPr algn="just">
+                        <a:lnSpc>
+                          <a:spcPct val="115000"/>
+                        </a:lnSpc>
+                        <a:spcAft>
+                          <a:spcPts val="0"/>
+                        </a:spcAft>
+                      </a:pPr>
+                      <a:r>
+                        <a:rPr lang="en-IN" sz="1600" dirty="0" smtClean="0">
+                          <a:effectLst/>
+                          <a:latin typeface="+mn-lt"/>
+                          <a:ea typeface="+mn-ea"/>
+                          <a:cs typeface="+mn-cs"/>
+                        </a:rPr>
+                        <a:t>Integer</a:t>
+                      </a:r>
+                      <a:endParaRPr lang="en-IN" sz="1100" dirty="0">
+                        <a:effectLst/>
+                        <a:latin typeface="Calibri" panose="020F0502020204030204" pitchFamily="34" charset="0"/>
+                        <a:ea typeface="Calibri" panose="020F0502020204030204" pitchFamily="34" charset="0"/>
+                        <a:cs typeface="Times New Roman" panose="02020603050405020304" pitchFamily="18" charset="0"/>
+                      </a:endParaRPr>
+                    </a:p>
+                  </a:txBody>
+                  <a:tcPr marL="68580" marR="68580" marT="0" marB="0"/>
+                </a:tc>
+                <a:tc>
+                  <a:txBody>
+                    <a:bodyPr/>
+                    <a:lstStyle/>
+                    <a:p>
+                      <a:pPr algn="just">
+                        <a:lnSpc>
+                          <a:spcPct val="115000"/>
+                        </a:lnSpc>
+                        <a:spcAft>
+                          <a:spcPts val="0"/>
+                        </a:spcAft>
+                      </a:pPr>
+                      <a:r>
+                        <a:rPr lang="en-IN" sz="1600" dirty="0" smtClean="0">
+                          <a:effectLst/>
+                        </a:rPr>
+                        <a:t>Rating of service</a:t>
+                      </a:r>
+                      <a:endParaRPr lang="en-IN" sz="1100" dirty="0">
+                        <a:effectLst/>
+                        <a:latin typeface="Calibri" panose="020F0502020204030204" pitchFamily="34" charset="0"/>
+                        <a:ea typeface="Calibri" panose="020F0502020204030204" pitchFamily="34" charset="0"/>
+                        <a:cs typeface="Times New Roman" panose="02020603050405020304" pitchFamily="18" charset="0"/>
+                      </a:endParaRPr>
+                    </a:p>
+                  </a:txBody>
+                  <a:tcPr marL="68580" marR="68580" marT="0" marB="0"/>
+                </a:tc>
+                <a:tc>
+                  <a:txBody>
+                    <a:bodyPr/>
+                    <a:lstStyle/>
+                    <a:p>
+                      <a:pPr algn="just">
+                        <a:lnSpc>
+                          <a:spcPct val="115000"/>
+                        </a:lnSpc>
+                        <a:spcAft>
+                          <a:spcPts val="0"/>
+                        </a:spcAft>
+                      </a:pPr>
+                      <a:r>
+                        <a:rPr lang="en-IN" sz="1600" dirty="0" smtClean="0">
+                          <a:effectLst/>
+                          <a:latin typeface="+mn-lt"/>
+                          <a:ea typeface="+mn-ea"/>
+                          <a:cs typeface="+mn-cs"/>
+                        </a:rPr>
+                        <a:t>5</a:t>
+                      </a:r>
+                      <a:endParaRPr lang="en-IN" sz="1100" dirty="0">
+                        <a:effectLst/>
+                        <a:latin typeface="Calibri" panose="020F0502020204030204" pitchFamily="34" charset="0"/>
+                        <a:ea typeface="Calibri" panose="020F0502020204030204" pitchFamily="34" charset="0"/>
+                        <a:cs typeface="Times New Roman" panose="02020603050405020304" pitchFamily="18" charset="0"/>
+                      </a:endParaRPr>
+                    </a:p>
+                  </a:txBody>
+                  <a:tcPr marL="68580" marR="68580" marT="0" marB="0"/>
+                </a:tc>
+              </a:tr>
+              <a:tr h="853854">
+                <a:tc>
+                  <a:txBody>
+                    <a:bodyPr/>
+                    <a:lstStyle/>
+                    <a:p>
+                      <a:pPr algn="just">
+                        <a:lnSpc>
+                          <a:spcPct val="115000"/>
+                        </a:lnSpc>
+                        <a:spcAft>
+                          <a:spcPts val="0"/>
+                        </a:spcAft>
+                      </a:pPr>
+                      <a:r>
+                        <a:rPr lang="en-IN" sz="1600" dirty="0" smtClean="0">
+                          <a:effectLst/>
+                        </a:rPr>
+                        <a:t>Notes</a:t>
+                      </a:r>
+                      <a:endParaRPr lang="en-IN" sz="1100" dirty="0">
+                        <a:effectLst/>
+                        <a:latin typeface="Calibri" panose="020F0502020204030204" pitchFamily="34" charset="0"/>
+                        <a:ea typeface="Calibri" panose="020F0502020204030204" pitchFamily="34" charset="0"/>
+                        <a:cs typeface="Times New Roman" panose="02020603050405020304" pitchFamily="18" charset="0"/>
+                      </a:endParaRPr>
+                    </a:p>
+                  </a:txBody>
+                  <a:tcPr marL="68580" marR="68580" marT="0" marB="0"/>
+                </a:tc>
+                <a:tc>
+                  <a:txBody>
+                    <a:bodyPr/>
+                    <a:lstStyle/>
+                    <a:p>
+                      <a:pPr algn="just">
+                        <a:lnSpc>
+                          <a:spcPct val="115000"/>
+                        </a:lnSpc>
+                        <a:spcAft>
+                          <a:spcPts val="0"/>
+                        </a:spcAft>
+                      </a:pPr>
+                      <a:r>
+                        <a:rPr lang="en-IN" sz="1600" dirty="0" smtClean="0">
+                          <a:effectLst/>
+                          <a:latin typeface="+mn-lt"/>
+                          <a:ea typeface="+mn-ea"/>
+                          <a:cs typeface="+mn-cs"/>
+                        </a:rPr>
+                        <a:t>Varchar2</a:t>
+                      </a:r>
+                      <a:endParaRPr lang="en-IN" sz="1100" dirty="0">
+                        <a:effectLst/>
+                        <a:latin typeface="Calibri" panose="020F0502020204030204" pitchFamily="34" charset="0"/>
+                        <a:ea typeface="Calibri" panose="020F0502020204030204" pitchFamily="34" charset="0"/>
+                        <a:cs typeface="Times New Roman" panose="02020603050405020304" pitchFamily="18" charset="0"/>
+                      </a:endParaRPr>
+                    </a:p>
+                  </a:txBody>
+                  <a:tcPr marL="68580" marR="68580" marT="0" marB="0"/>
+                </a:tc>
+                <a:tc>
+                  <a:txBody>
+                    <a:bodyPr/>
+                    <a:lstStyle/>
+                    <a:p>
+                      <a:pPr algn="just">
+                        <a:lnSpc>
+                          <a:spcPct val="115000"/>
+                        </a:lnSpc>
+                        <a:spcAft>
+                          <a:spcPts val="0"/>
+                        </a:spcAft>
+                      </a:pPr>
+                      <a:r>
+                        <a:rPr lang="en-IN" sz="1600" dirty="0" smtClean="0">
+                          <a:effectLst/>
+                          <a:latin typeface="+mn-lt"/>
+                          <a:ea typeface="+mn-ea"/>
+                          <a:cs typeface="+mn-cs"/>
+                        </a:rPr>
+                        <a:t>Feedback of customer</a:t>
+                      </a:r>
+                      <a:endParaRPr lang="en-IN" sz="1100" dirty="0">
+                        <a:effectLst/>
+                        <a:latin typeface="Calibri" panose="020F0502020204030204" pitchFamily="34" charset="0"/>
+                        <a:ea typeface="Calibri" panose="020F0502020204030204" pitchFamily="34" charset="0"/>
+                        <a:cs typeface="Times New Roman" panose="02020603050405020304" pitchFamily="18" charset="0"/>
+                      </a:endParaRPr>
+                    </a:p>
+                  </a:txBody>
+                  <a:tcPr marL="68580" marR="68580" marT="0" marB="0"/>
+                </a:tc>
+                <a:tc>
+                  <a:txBody>
+                    <a:bodyPr/>
+                    <a:lstStyle/>
+                    <a:p>
+                      <a:pPr algn="just">
+                        <a:lnSpc>
+                          <a:spcPct val="115000"/>
+                        </a:lnSpc>
+                        <a:spcAft>
+                          <a:spcPts val="0"/>
+                        </a:spcAft>
+                      </a:pPr>
+                      <a:r>
+                        <a:rPr lang="en-IN" sz="1600" dirty="0" smtClean="0">
+                          <a:effectLst/>
+                        </a:rPr>
+                        <a:t>100</a:t>
+                      </a:r>
+                      <a:endParaRPr lang="en-IN" sz="1100" dirty="0">
+                        <a:effectLst/>
+                        <a:latin typeface="Calibri" panose="020F0502020204030204" pitchFamily="34" charset="0"/>
+                        <a:ea typeface="Calibri" panose="020F0502020204030204" pitchFamily="34" charset="0"/>
+                        <a:cs typeface="Times New Roman" panose="02020603050405020304" pitchFamily="18" charset="0"/>
+                      </a:endParaRPr>
+                    </a:p>
+                  </a:txBody>
+                  <a:tcPr marL="68580" marR="68580" marT="0" marB="0"/>
+                </a:tc>
+              </a:tr>
+            </a:tbl>
+          </a:graphicData>
+        </a:graphic>
+      </p:graphicFrame>
+      <p:sp>
+        <p:nvSpPr>
+          <p:cNvPr id="10" name="TextBox 9"/>
+          <p:cNvSpPr txBox="1"/>
+          <p:nvPr/>
+        </p:nvSpPr>
+        <p:spPr>
+          <a:xfrm>
+            <a:off x="785990" y="2928794"/>
+            <a:ext cx="3052943" cy="523220"/>
+          </a:xfrm>
+          <a:prstGeom prst="rect">
+            <a:avLst/>
+          </a:prstGeom>
+          <a:noFill/>
+        </p:spPr>
+        <p:txBody>
+          <a:bodyPr wrap="square" rtlCol="0">
+            <a:spAutoFit/>
+          </a:bodyPr>
+          <a:lstStyle/>
+          <a:p>
+            <a:r>
+              <a:rPr lang="en-US" sz="2800" dirty="0" smtClean="0">
+                <a:latin typeface="Times New Roman" panose="02020603050405020304" pitchFamily="18" charset="0"/>
+                <a:cs typeface="Times New Roman" panose="02020603050405020304" pitchFamily="18" charset="0"/>
+              </a:rPr>
+              <a:t>Feedback</a:t>
+            </a:r>
+            <a:r>
+              <a:rPr lang="en-US" sz="2800" dirty="0" smtClean="0">
+                <a:latin typeface="Times New Roman" panose="02020603050405020304" pitchFamily="18" charset="0"/>
+                <a:cs typeface="Times New Roman" panose="02020603050405020304" pitchFamily="18" charset="0"/>
+              </a:rPr>
+              <a:t> </a:t>
+            </a:r>
+            <a:r>
+              <a:rPr lang="en-US" sz="2800" dirty="0" smtClean="0">
+                <a:latin typeface="Times New Roman" panose="02020603050405020304" pitchFamily="18" charset="0"/>
+                <a:cs typeface="Times New Roman" panose="02020603050405020304" pitchFamily="18" charset="0"/>
+              </a:rPr>
+              <a:t>Table</a:t>
+            </a:r>
+            <a:endParaRPr lang="en-IN" sz="2800" dirty="0">
+              <a:latin typeface="Times New Roman" panose="02020603050405020304" pitchFamily="18" charset="0"/>
+              <a:cs typeface="Times New Roman" panose="02020603050405020304" pitchFamily="18" charset="0"/>
+            </a:endParaRPr>
+          </a:p>
+        </p:txBody>
+      </p:sp>
+    </p:spTree>
+    <p:extLst>
+      <p:ext uri="{BB962C8B-B14F-4D97-AF65-F5344CB8AC3E}">
+        <p14:creationId xmlns:p14="http://schemas.microsoft.com/office/powerpoint/2010/main" val="2467695784"/>
+      </p:ext>
+    </p:extLst>
+  </p:cSld>
+  <p:clrMapOvr>
+    <a:masterClrMapping/>
+  </p:clrMapOvr>
+  <p:timing>
+    <p:tnLst>
+      <p:par>
+        <p:cTn id="1" dur="indefinite" restart="never" nodeType="tmRoot"/>
+      </p:par>
+    </p:tnLst>
+  </p:timing>
+</p:sld>
+</file>
+
+<file path=ppt/slides/slide21.xml><?xml version="1.0" encoding="utf-8"?>
+<p:sld xmlns:a="http://schemas.openxmlformats.org/drawingml/2006/main" xmlns:r="http://schemas.openxmlformats.org/officeDocument/2006/relationships" xmlns:p="http://schemas.openxmlformats.org/presentationml/2006/main">
+  <p:cSld>
+    <p:spTree>
+      <p:nvGrpSpPr>
+        <p:cNvPr id="1" name=""/>
+        <p:cNvGrpSpPr/>
+        <p:nvPr/>
+      </p:nvGrpSpPr>
+      <p:grpSpPr>
+        <a:xfrm>
+          <a:off x="0" y="0"/>
+          <a:ext cx="0" cy="0"/>
+          <a:chOff x="0" y="0"/>
+          <a:chExt cx="0" cy="0"/>
+        </a:xfrm>
+      </p:grpSpPr>
+      <p:sp>
+        <p:nvSpPr>
+          <p:cNvPr id="2" name="Title 1"/>
+          <p:cNvSpPr>
+            <a:spLocks noGrp="1"/>
+          </p:cNvSpPr>
+          <p:nvPr>
+            <p:ph type="title"/>
+          </p:nvPr>
+        </p:nvSpPr>
+        <p:spPr>
+          <a:xfrm>
+            <a:off x="2179320" y="265090"/>
+            <a:ext cx="7498080" cy="1143000"/>
+          </a:xfrm>
+        </p:spPr>
+        <p:txBody>
+          <a:bodyPr>
+            <a:normAutofit/>
+          </a:bodyPr>
+          <a:lstStyle/>
+          <a:p>
+            <a:pPr algn="ctr"/>
+            <a:r>
+              <a:rPr lang="en-US" sz="3200" b="1" dirty="0">
+                <a:latin typeface="Times New Roman" pitchFamily="18" charset="0"/>
+                <a:cs typeface="Times New Roman" pitchFamily="18" charset="0"/>
+              </a:rPr>
+              <a:t>Application</a:t>
+            </a:r>
+          </a:p>
+        </p:txBody>
+      </p:sp>
+      <p:sp>
+        <p:nvSpPr>
+          <p:cNvPr id="3" name="Content Placeholder 2"/>
+          <p:cNvSpPr>
+            <a:spLocks noGrp="1"/>
+          </p:cNvSpPr>
+          <p:nvPr>
+            <p:ph sz="quarter" idx="1"/>
+          </p:nvPr>
+        </p:nvSpPr>
+        <p:spPr>
+          <a:xfrm>
+            <a:off x="2575560" y="1702157"/>
+            <a:ext cx="6705600" cy="4572000"/>
+          </a:xfrm>
+        </p:spPr>
+        <p:txBody>
+          <a:bodyPr>
+            <a:normAutofit/>
+          </a:bodyPr>
+          <a:lstStyle/>
+          <a:p>
+            <a:pPr algn="just"/>
+            <a:r>
+              <a:rPr lang="en-US" sz="2000" dirty="0">
+                <a:latin typeface="Times New Roman" pitchFamily="18" charset="0"/>
+                <a:cs typeface="Times New Roman" pitchFamily="18" charset="0"/>
+              </a:rPr>
+              <a:t>Easily available of Services at customer’s door steps.</a:t>
+            </a:r>
+          </a:p>
+          <a:p>
+            <a:pPr algn="just"/>
+            <a:r>
+              <a:rPr lang="en-US" sz="2000" dirty="0">
+                <a:latin typeface="Times New Roman" pitchFamily="18" charset="0"/>
+                <a:cs typeface="Times New Roman" pitchFamily="18" charset="0"/>
+              </a:rPr>
+              <a:t>Getting trusted high end Services.</a:t>
+            </a:r>
+          </a:p>
+          <a:p>
+            <a:pPr algn="just"/>
+            <a:r>
+              <a:rPr lang="en-US" sz="2000" dirty="0">
+                <a:latin typeface="Times New Roman" pitchFamily="18" charset="0"/>
+                <a:cs typeface="Times New Roman" pitchFamily="18" charset="0"/>
+              </a:rPr>
+              <a:t>Provider’s passion is converted into profession at this platform.</a:t>
+            </a:r>
+          </a:p>
+          <a:p>
+            <a:pPr algn="just"/>
+            <a:endParaRPr lang="en-US" sz="2000" dirty="0" smtClean="0">
+              <a:latin typeface="Times New Roman" pitchFamily="18" charset="0"/>
+              <a:cs typeface="Times New Roman" pitchFamily="18" charset="0"/>
+            </a:endParaRPr>
+          </a:p>
+        </p:txBody>
+      </p:sp>
+    </p:spTree>
+    <p:extLst>
+      <p:ext uri="{BB962C8B-B14F-4D97-AF65-F5344CB8AC3E}">
+        <p14:creationId xmlns:p14="http://schemas.microsoft.com/office/powerpoint/2010/main" val="3911467855"/>
+      </p:ext>
+    </p:extLst>
+  </p:cSld>
+  <p:clrMapOvr>
+    <a:masterClrMapping/>
+  </p:clrMapOvr>
+  <p:timing>
+    <p:tnLst>
+      <p:par>
+        <p:cTn id="1" dur="indefinite" restart="never" nodeType="tmRoot"/>
+      </p:par>
+    </p:tnLst>
+  </p:timing>
+</p:sld>
+</file>
+
+<file path=ppt/slides/slide22.xml><?xml version="1.0" encoding="utf-8"?>
+<p:sld xmlns:a="http://schemas.openxmlformats.org/drawingml/2006/main" xmlns:r="http://schemas.openxmlformats.org/officeDocument/2006/relationships" xmlns:p="http://schemas.openxmlformats.org/presentationml/2006/main">
+  <p:cSld>
+    <p:spTree>
+      <p:nvGrpSpPr>
+        <p:cNvPr id="1" name=""/>
+        <p:cNvGrpSpPr/>
+        <p:nvPr/>
+      </p:nvGrpSpPr>
+      <p:grpSpPr>
+        <a:xfrm>
+          <a:off x="0" y="0"/>
+          <a:ext cx="0" cy="0"/>
+          <a:chOff x="0" y="0"/>
+          <a:chExt cx="0" cy="0"/>
+        </a:xfrm>
+      </p:grpSpPr>
+      <p:sp>
+        <p:nvSpPr>
+          <p:cNvPr id="2" name="Title 1"/>
+          <p:cNvSpPr>
+            <a:spLocks noGrp="1"/>
+          </p:cNvSpPr>
+          <p:nvPr>
+            <p:ph type="title"/>
+          </p:nvPr>
+        </p:nvSpPr>
+        <p:spPr>
+          <a:xfrm>
+            <a:off x="2179320" y="265090"/>
+            <a:ext cx="7498080" cy="1143000"/>
+          </a:xfrm>
+        </p:spPr>
+        <p:txBody>
+          <a:bodyPr>
+            <a:normAutofit/>
+          </a:bodyPr>
+          <a:lstStyle/>
+          <a:p>
+            <a:pPr algn="ctr"/>
+            <a:r>
+              <a:rPr lang="en-US" sz="3200" b="1" dirty="0">
+                <a:latin typeface="Times New Roman" pitchFamily="18" charset="0"/>
+                <a:cs typeface="Times New Roman" pitchFamily="18" charset="0"/>
+              </a:rPr>
+              <a:t>Expected </a:t>
+            </a:r>
+            <a:r>
+              <a:rPr lang="en-US" sz="3200" b="1" dirty="0" smtClean="0">
+                <a:latin typeface="Times New Roman" pitchFamily="18" charset="0"/>
+                <a:cs typeface="Times New Roman" pitchFamily="18" charset="0"/>
+              </a:rPr>
+              <a:t>Outcomes</a:t>
+            </a:r>
+            <a:endParaRPr lang="en-US" sz="3200" b="1" dirty="0">
+              <a:latin typeface="Times New Roman" pitchFamily="18" charset="0"/>
+              <a:cs typeface="Times New Roman" pitchFamily="18" charset="0"/>
+            </a:endParaRPr>
+          </a:p>
+        </p:txBody>
+      </p:sp>
+      <p:sp>
+        <p:nvSpPr>
+          <p:cNvPr id="3" name="Content Placeholder 2"/>
+          <p:cNvSpPr>
+            <a:spLocks noGrp="1"/>
+          </p:cNvSpPr>
+          <p:nvPr>
+            <p:ph sz="quarter" idx="1"/>
+          </p:nvPr>
+        </p:nvSpPr>
+        <p:spPr>
+          <a:xfrm>
+            <a:off x="2575560" y="1702157"/>
+            <a:ext cx="6705600" cy="4572000"/>
+          </a:xfrm>
+        </p:spPr>
+        <p:txBody>
+          <a:bodyPr>
+            <a:normAutofit/>
+          </a:bodyPr>
+          <a:lstStyle/>
+          <a:p>
+            <a:pPr algn="just"/>
+            <a:r>
+              <a:rPr lang="en-US" sz="2000" dirty="0">
+                <a:latin typeface="Times New Roman" pitchFamily="18" charset="0"/>
+                <a:cs typeface="Times New Roman" pitchFamily="18" charset="0"/>
+              </a:rPr>
+              <a:t>One destination for all types of Services.</a:t>
+            </a:r>
+          </a:p>
+          <a:p>
+            <a:pPr algn="just"/>
+            <a:r>
+              <a:rPr lang="en-US" sz="2000" dirty="0">
+                <a:latin typeface="Times New Roman" pitchFamily="18" charset="0"/>
+                <a:cs typeface="Times New Roman" pitchFamily="18" charset="0"/>
+              </a:rPr>
+              <a:t>Door to door services in less and flexible time.</a:t>
+            </a:r>
+          </a:p>
+          <a:p>
+            <a:pPr algn="just"/>
+            <a:r>
+              <a:rPr lang="en-US" sz="2000" dirty="0">
+                <a:latin typeface="Times New Roman" pitchFamily="18" charset="0"/>
+                <a:cs typeface="Times New Roman" pitchFamily="18" charset="0"/>
+              </a:rPr>
+              <a:t>No payment issues between customers and service providers.</a:t>
+            </a:r>
+          </a:p>
+          <a:p>
+            <a:pPr algn="just"/>
+            <a:r>
+              <a:rPr lang="en-US" sz="2000" dirty="0">
+                <a:latin typeface="Times New Roman" pitchFamily="18" charset="0"/>
+                <a:cs typeface="Times New Roman" pitchFamily="18" charset="0"/>
+              </a:rPr>
+              <a:t>Satisfactions of customers.</a:t>
+            </a:r>
+          </a:p>
+          <a:p>
+            <a:pPr algn="just"/>
+            <a:r>
+              <a:rPr lang="en-US" sz="2000" dirty="0">
+                <a:latin typeface="Times New Roman" pitchFamily="18" charset="0"/>
+                <a:cs typeface="Times New Roman" pitchFamily="18" charset="0"/>
+              </a:rPr>
+              <a:t>Feedback from customers for service requested by them.</a:t>
+            </a:r>
+            <a:endParaRPr lang="en-US" sz="2000" dirty="0"/>
+          </a:p>
+        </p:txBody>
+      </p:sp>
+    </p:spTree>
+    <p:extLst>
+      <p:ext uri="{BB962C8B-B14F-4D97-AF65-F5344CB8AC3E}">
+        <p14:creationId xmlns:p14="http://schemas.microsoft.com/office/powerpoint/2010/main" val="3392246634"/>
+      </p:ext>
+    </p:extLst>
+  </p:cSld>
+  <p:clrMapOvr>
+    <a:masterClrMapping/>
+  </p:clrMapOvr>
+  <p:timing>
+    <p:tnLst>
+      <p:par>
+        <p:cTn id="1" dur="indefinite" restart="never" nodeType="tmRoot"/>
+      </p:par>
+    </p:tnLst>
+  </p:timing>
+</p:sld>
+</file>
+
+<file path=ppt/slides/slide23.xml><?xml version="1.0" encoding="utf-8"?>
+<p:sld xmlns:a="http://schemas.openxmlformats.org/drawingml/2006/main" xmlns:r="http://schemas.openxmlformats.org/officeDocument/2006/relationships" xmlns:p="http://schemas.openxmlformats.org/presentationml/2006/main">
+  <p:cSld>
+    <p:spTree>
+      <p:nvGrpSpPr>
+        <p:cNvPr id="1" name=""/>
+        <p:cNvGrpSpPr/>
+        <p:nvPr/>
+      </p:nvGrpSpPr>
+      <p:grpSpPr>
+        <a:xfrm>
+          <a:off x="0" y="0"/>
+          <a:ext cx="0" cy="0"/>
+          <a:chOff x="0" y="0"/>
+          <a:chExt cx="0" cy="0"/>
+        </a:xfrm>
+      </p:grpSpPr>
       <p:sp>
         <p:nvSpPr>
           <p:cNvPr id="2" name="Title 1"/>
@@ -7584,7 +9630,7 @@
 </p:sld>
 </file>
 
-<file path=ppt/slides/slide21.xml><?xml version="1.0" encoding="utf-8"?>
+<file path=ppt/slides/slide24.xml><?xml version="1.0" encoding="utf-8"?>
 <p:sld xmlns:a="http://schemas.openxmlformats.org/drawingml/2006/main" xmlns:r="http://schemas.openxmlformats.org/officeDocument/2006/relationships" xmlns:p="http://schemas.openxmlformats.org/presentationml/2006/main">
   <p:cSld>
     <p:spTree>
@@ -8142,7 +10188,23 @@
                 <a:latin typeface="Times New Roman" pitchFamily="18" charset="0"/>
                 <a:cs typeface="Times New Roman" pitchFamily="18" charset="0"/>
               </a:rPr>
-              <a:t>Bootstrap4.</a:t>
+              <a:t>Bootstrap4</a:t>
+            </a:r>
+            <a:r>
+              <a:rPr lang="en-US" sz="2000" dirty="0" smtClean="0">
+                <a:latin typeface="Times New Roman" pitchFamily="18" charset="0"/>
+                <a:cs typeface="Times New Roman" pitchFamily="18" charset="0"/>
+              </a:rPr>
+              <a:t>.</a:t>
+            </a:r>
+          </a:p>
+          <a:p>
+            <a:r>
+              <a:rPr lang="en-US" sz="2000" dirty="0" smtClean="0">
+                <a:latin typeface="Times New Roman" pitchFamily="18" charset="0"/>
+                <a:cs typeface="Times New Roman" pitchFamily="18" charset="0"/>
+              </a:rPr>
+              <a:t>Database: MySQL.</a:t>
             </a:r>
             <a:endParaRPr lang="en-US" sz="2000" dirty="0">
               <a:latin typeface="Times New Roman" pitchFamily="18" charset="0"/>
@@ -8155,8 +10217,19 @@
                 <a:latin typeface="Times New Roman" pitchFamily="18" charset="0"/>
                 <a:cs typeface="Times New Roman" pitchFamily="18" charset="0"/>
               </a:rPr>
-              <a:t>Software: Visual Code, Eclipse.</a:t>
-            </a:r>
+              <a:t>Software: Visual Code, </a:t>
+            </a:r>
+            <a:r>
+              <a:rPr lang="en-US" sz="2000" dirty="0" smtClean="0">
+                <a:latin typeface="Times New Roman" pitchFamily="18" charset="0"/>
+                <a:cs typeface="Times New Roman" pitchFamily="18" charset="0"/>
+              </a:rPr>
+              <a:t>Eclipse, MySQL.</a:t>
+            </a:r>
+            <a:endParaRPr lang="en-US" sz="2000" dirty="0">
+              <a:latin typeface="Times New Roman" pitchFamily="18" charset="0"/>
+              <a:cs typeface="Times New Roman" pitchFamily="18" charset="0"/>
+            </a:endParaRPr>
           </a:p>
           <a:p>
             <a:pPr algn="just"/>

--- a/HEY_Provider.pptx
+++ b/HEY_Provider.pptx
@@ -266,7 +266,7 @@
           <a:p>
             <a:fld id="{BB7DF868-1E46-418C-B8A2-3B018F0D7C40}" type="datetimeFigureOut">
               <a:rPr lang="en-IN" smtClean="0"/>
-              <a:t>27-09-2019</a:t>
+              <a:t>28-09-2019</a:t>
             </a:fld>
             <a:endParaRPr lang="en-IN"/>
           </a:p>
@@ -436,7 +436,7 @@
           <a:p>
             <a:fld id="{BB7DF868-1E46-418C-B8A2-3B018F0D7C40}" type="datetimeFigureOut">
               <a:rPr lang="en-IN" smtClean="0"/>
-              <a:t>27-09-2019</a:t>
+              <a:t>28-09-2019</a:t>
             </a:fld>
             <a:endParaRPr lang="en-IN"/>
           </a:p>
@@ -616,7 +616,7 @@
           <a:p>
             <a:fld id="{BB7DF868-1E46-418C-B8A2-3B018F0D7C40}" type="datetimeFigureOut">
               <a:rPr lang="en-IN" smtClean="0"/>
-              <a:t>27-09-2019</a:t>
+              <a:t>28-09-2019</a:t>
             </a:fld>
             <a:endParaRPr lang="en-IN"/>
           </a:p>
@@ -786,7 +786,7 @@
           <a:p>
             <a:fld id="{BB7DF868-1E46-418C-B8A2-3B018F0D7C40}" type="datetimeFigureOut">
               <a:rPr lang="en-IN" smtClean="0"/>
-              <a:t>27-09-2019</a:t>
+              <a:t>28-09-2019</a:t>
             </a:fld>
             <a:endParaRPr lang="en-IN"/>
           </a:p>
@@ -1032,7 +1032,7 @@
           <a:p>
             <a:fld id="{BB7DF868-1E46-418C-B8A2-3B018F0D7C40}" type="datetimeFigureOut">
               <a:rPr lang="en-IN" smtClean="0"/>
-              <a:t>27-09-2019</a:t>
+              <a:t>28-09-2019</a:t>
             </a:fld>
             <a:endParaRPr lang="en-IN"/>
           </a:p>
@@ -1264,7 +1264,7 @@
           <a:p>
             <a:fld id="{BB7DF868-1E46-418C-B8A2-3B018F0D7C40}" type="datetimeFigureOut">
               <a:rPr lang="en-IN" smtClean="0"/>
-              <a:t>27-09-2019</a:t>
+              <a:t>28-09-2019</a:t>
             </a:fld>
             <a:endParaRPr lang="en-IN"/>
           </a:p>
@@ -1631,7 +1631,7 @@
           <a:p>
             <a:fld id="{BB7DF868-1E46-418C-B8A2-3B018F0D7C40}" type="datetimeFigureOut">
               <a:rPr lang="en-IN" smtClean="0"/>
-              <a:t>27-09-2019</a:t>
+              <a:t>28-09-2019</a:t>
             </a:fld>
             <a:endParaRPr lang="en-IN"/>
           </a:p>
@@ -1749,7 +1749,7 @@
           <a:p>
             <a:fld id="{BB7DF868-1E46-418C-B8A2-3B018F0D7C40}" type="datetimeFigureOut">
               <a:rPr lang="en-IN" smtClean="0"/>
-              <a:t>27-09-2019</a:t>
+              <a:t>28-09-2019</a:t>
             </a:fld>
             <a:endParaRPr lang="en-IN"/>
           </a:p>
@@ -1844,7 +1844,7 @@
           <a:p>
             <a:fld id="{BB7DF868-1E46-418C-B8A2-3B018F0D7C40}" type="datetimeFigureOut">
               <a:rPr lang="en-IN" smtClean="0"/>
-              <a:t>27-09-2019</a:t>
+              <a:t>28-09-2019</a:t>
             </a:fld>
             <a:endParaRPr lang="en-IN"/>
           </a:p>
@@ -2121,7 +2121,7 @@
           <a:p>
             <a:fld id="{BB7DF868-1E46-418C-B8A2-3B018F0D7C40}" type="datetimeFigureOut">
               <a:rPr lang="en-IN" smtClean="0"/>
-              <a:t>27-09-2019</a:t>
+              <a:t>28-09-2019</a:t>
             </a:fld>
             <a:endParaRPr lang="en-IN"/>
           </a:p>
@@ -2374,7 +2374,7 @@
           <a:p>
             <a:fld id="{BB7DF868-1E46-418C-B8A2-3B018F0D7C40}" type="datetimeFigureOut">
               <a:rPr lang="en-IN" smtClean="0"/>
-              <a:t>27-09-2019</a:t>
+              <a:t>28-09-2019</a:t>
             </a:fld>
             <a:endParaRPr lang="en-IN"/>
           </a:p>
@@ -2587,7 +2587,7 @@
           <a:p>
             <a:fld id="{BB7DF868-1E46-418C-B8A2-3B018F0D7C40}" type="datetimeFigureOut">
               <a:rPr lang="en-IN" smtClean="0"/>
-              <a:t>27-09-2019</a:t>
+              <a:t>28-09-2019</a:t>
             </a:fld>
             <a:endParaRPr lang="en-IN"/>
           </a:p>
@@ -2997,7 +2997,7 @@
           <p:cNvPr id="2" name="Title 1">
             <a:extLst>
               <a:ext uri="{FF2B5EF4-FFF2-40B4-BE49-F238E27FC236}">
-                <a16:creationId xmlns="" xmlns:a16="http://schemas.microsoft.com/office/drawing/2014/main" id="{65719372-3A67-47A4-92CB-141CE703BD43}"/>
+                <a16:creationId xmlns:a16="http://schemas.microsoft.com/office/drawing/2014/main" xmlns="" id="{65719372-3A67-47A4-92CB-141CE703BD43}"/>
               </a:ext>
             </a:extLst>
           </p:cNvPr>
@@ -3039,7 +3039,7 @@
           <p:cNvPr id="5" name="Picture 4">
             <a:extLst>
               <a:ext uri="{FF2B5EF4-FFF2-40B4-BE49-F238E27FC236}">
-                <a16:creationId xmlns="" xmlns:a16="http://schemas.microsoft.com/office/drawing/2014/main" id="{AEF55681-F32A-4FB3-B8D4-7F34C626B1B2}"/>
+                <a16:creationId xmlns:a16="http://schemas.microsoft.com/office/drawing/2014/main" xmlns="" id="{AEF55681-F32A-4FB3-B8D4-7F34C626B1B2}"/>
               </a:ext>
             </a:extLst>
           </p:cNvPr>
@@ -3075,7 +3075,7 @@
           <p:cNvPr id="7" name="Picture 6">
             <a:extLst>
               <a:ext uri="{FF2B5EF4-FFF2-40B4-BE49-F238E27FC236}">
-                <a16:creationId xmlns="" xmlns:a16="http://schemas.microsoft.com/office/drawing/2014/main" id="{1460C80C-43CB-46A0-9C39-3590996B329F}"/>
+                <a16:creationId xmlns:a16="http://schemas.microsoft.com/office/drawing/2014/main" xmlns="" id="{1460C80C-43CB-46A0-9C39-3590996B329F}"/>
               </a:ext>
             </a:extLst>
           </p:cNvPr>
@@ -4115,12 +4115,16 @@
           <a:p>
             <a:pPr eaLnBrk="1" hangingPunct="1"/>
             <a:r>
-              <a:rPr lang="en-US" dirty="0" smtClean="0">
+              <a:rPr lang="en-US" smtClean="0">
                 <a:latin typeface="Times New Roman" panose="02020603050405020304" pitchFamily="18" charset="0"/>
                 <a:cs typeface="Times New Roman" panose="02020603050405020304" pitchFamily="18" charset="0"/>
               </a:rPr>
-              <a:t>Level-1</a:t>
-            </a:r>
+              <a:t>Level-2</a:t>
+            </a:r>
+            <a:endParaRPr lang="en-US" dirty="0" smtClean="0">
+              <a:latin typeface="Times New Roman" panose="02020603050405020304" pitchFamily="18" charset="0"/>
+              <a:cs typeface="Times New Roman" panose="02020603050405020304" pitchFamily="18" charset="0"/>
+            </a:endParaRPr>
           </a:p>
         </p:txBody>
       </p:sp>
@@ -5496,14 +5500,7 @@
                 <a:latin typeface="Times New Roman" panose="02020603050405020304" pitchFamily="18" charset="0"/>
                 <a:cs typeface="Times New Roman" panose="02020603050405020304" pitchFamily="18" charset="0"/>
               </a:rPr>
-              <a:t>Professional</a:t>
-            </a:r>
-            <a:r>
-              <a:rPr lang="en-US" sz="2800" dirty="0" smtClean="0">
-                <a:latin typeface="Times New Roman" panose="02020603050405020304" pitchFamily="18" charset="0"/>
-                <a:cs typeface="Times New Roman" panose="02020603050405020304" pitchFamily="18" charset="0"/>
-              </a:rPr>
-              <a:t>’s </a:t>
+              <a:t>Professional’s </a:t>
             </a:r>
             <a:r>
               <a:rPr lang="en-US" sz="2800" dirty="0">
@@ -8169,14 +8166,7 @@
                 <a:latin typeface="Times New Roman" panose="02020603050405020304" pitchFamily="18" charset="0"/>
                 <a:cs typeface="Times New Roman" panose="02020603050405020304" pitchFamily="18" charset="0"/>
               </a:rPr>
-              <a:t>Service </a:t>
-            </a:r>
-            <a:r>
-              <a:rPr lang="en-US" sz="2800" dirty="0" smtClean="0">
-                <a:latin typeface="Times New Roman" panose="02020603050405020304" pitchFamily="18" charset="0"/>
-                <a:cs typeface="Times New Roman" panose="02020603050405020304" pitchFamily="18" charset="0"/>
-              </a:rPr>
-              <a:t>Table</a:t>
+              <a:t>Service Table</a:t>
             </a:r>
             <a:endParaRPr lang="en-IN" sz="2800" dirty="0">
               <a:latin typeface="Times New Roman" panose="02020603050405020304" pitchFamily="18" charset="0"/>
@@ -9038,21 +9028,7 @@
                 <a:latin typeface="Times New Roman" panose="02020603050405020304" pitchFamily="18" charset="0"/>
                 <a:cs typeface="Times New Roman" panose="02020603050405020304" pitchFamily="18" charset="0"/>
               </a:rPr>
-              <a:t>Feedback</a:t>
-            </a:r>
-            <a:r>
-              <a:rPr lang="en-US" sz="2800" dirty="0" smtClean="0">
-                <a:latin typeface="Times New Roman" panose="02020603050405020304" pitchFamily="18" charset="0"/>
-                <a:cs typeface="Times New Roman" panose="02020603050405020304" pitchFamily="18" charset="0"/>
-              </a:rPr>
-              <a:t> </a:t>
-            </a:r>
-            <a:r>
-              <a:rPr lang="en-US" sz="2800" dirty="0" smtClean="0">
-                <a:latin typeface="Times New Roman" panose="02020603050405020304" pitchFamily="18" charset="0"/>
-                <a:cs typeface="Times New Roman" panose="02020603050405020304" pitchFamily="18" charset="0"/>
-              </a:rPr>
-              <a:t>Table</a:t>
+              <a:t>Feedback Table</a:t>
             </a:r>
             <a:endParaRPr lang="en-IN" sz="2800" dirty="0">
               <a:latin typeface="Times New Roman" panose="02020603050405020304" pitchFamily="18" charset="0"/>
@@ -10188,14 +10164,7 @@
                 <a:latin typeface="Times New Roman" pitchFamily="18" charset="0"/>
                 <a:cs typeface="Times New Roman" pitchFamily="18" charset="0"/>
               </a:rPr>
-              <a:t>Bootstrap4</a:t>
-            </a:r>
-            <a:r>
-              <a:rPr lang="en-US" sz="2000" dirty="0" smtClean="0">
-                <a:latin typeface="Times New Roman" pitchFamily="18" charset="0"/>
-                <a:cs typeface="Times New Roman" pitchFamily="18" charset="0"/>
-              </a:rPr>
-              <a:t>.</a:t>
+              <a:t>Bootstrap4.</a:t>
             </a:r>
           </a:p>
           <a:p>
